--- a/notes/two_day/day_1.pptx
+++ b/notes/two_day/day_1.pptx
@@ -5,7 +5,7 @@
     <p:sldMasterId id="2147483648" r:id="rId1"/>
   </p:sldMasterIdLst>
   <p:notesMasterIdLst>
-    <p:notesMasterId r:id="rId20"/>
+    <p:notesMasterId r:id="rId23"/>
   </p:notesMasterIdLst>
   <p:sldIdLst>
     <p:sldId id="256" r:id="rId2"/>
@@ -18,14 +18,17 @@
     <p:sldId id="268" r:id="rId9"/>
     <p:sldId id="291" r:id="rId10"/>
     <p:sldId id="269" r:id="rId11"/>
-    <p:sldId id="352" r:id="rId12"/>
-    <p:sldId id="351" r:id="rId13"/>
-    <p:sldId id="310" r:id="rId14"/>
-    <p:sldId id="294" r:id="rId15"/>
-    <p:sldId id="295" r:id="rId16"/>
-    <p:sldId id="353" r:id="rId17"/>
-    <p:sldId id="355" r:id="rId18"/>
-    <p:sldId id="354" r:id="rId19"/>
+    <p:sldId id="310" r:id="rId12"/>
+    <p:sldId id="294" r:id="rId13"/>
+    <p:sldId id="295" r:id="rId14"/>
+    <p:sldId id="352" r:id="rId15"/>
+    <p:sldId id="351" r:id="rId16"/>
+    <p:sldId id="308" r:id="rId17"/>
+    <p:sldId id="309" r:id="rId18"/>
+    <p:sldId id="350" r:id="rId19"/>
+    <p:sldId id="353" r:id="rId20"/>
+    <p:sldId id="355" r:id="rId21"/>
+    <p:sldId id="354" r:id="rId22"/>
   </p:sldIdLst>
   <p:sldSz cx="9144000" cy="6858000" type="screen4x3"/>
   <p:notesSz cx="6858000" cy="9144000"/>
@@ -226,7 +229,7 @@
             <a:fld id="{E5C71FD9-B322-2549-9400-AF0C57474107}" type="datetimeFigureOut">
               <a:rPr lang="en-US" smtClean="0"/>
               <a:pPr/>
-              <a:t>6/22/21</a:t>
+              <a:t>10/29/25</a:t>
             </a:fld>
             <a:endParaRPr lang="en-US"/>
           </a:p>
@@ -933,7 +936,7 @@
             <a:fld id="{A3417F39-3343-D34D-887C-91D887A1DE4F}" type="datetimeFigureOut">
               <a:rPr lang="en-US" smtClean="0"/>
               <a:pPr/>
-              <a:t>6/22/21</a:t>
+              <a:t>10/29/25</a:t>
             </a:fld>
             <a:endParaRPr lang="en-US"/>
           </a:p>
@@ -1098,7 +1101,7 @@
             <a:fld id="{A3417F39-3343-D34D-887C-91D887A1DE4F}" type="datetimeFigureOut">
               <a:rPr lang="en-US" smtClean="0"/>
               <a:pPr/>
-              <a:t>6/22/21</a:t>
+              <a:t>10/29/25</a:t>
             </a:fld>
             <a:endParaRPr lang="en-US"/>
           </a:p>
@@ -1273,7 +1276,7 @@
             <a:fld id="{A3417F39-3343-D34D-887C-91D887A1DE4F}" type="datetimeFigureOut">
               <a:rPr lang="en-US" smtClean="0"/>
               <a:pPr/>
-              <a:t>6/22/21</a:t>
+              <a:t>10/29/25</a:t>
             </a:fld>
             <a:endParaRPr lang="en-US"/>
           </a:p>
@@ -1438,7 +1441,7 @@
             <a:fld id="{A3417F39-3343-D34D-887C-91D887A1DE4F}" type="datetimeFigureOut">
               <a:rPr lang="en-US" smtClean="0"/>
               <a:pPr/>
-              <a:t>6/22/21</a:t>
+              <a:t>10/29/25</a:t>
             </a:fld>
             <a:endParaRPr lang="en-US"/>
           </a:p>
@@ -1680,7 +1683,7 @@
             <a:fld id="{A3417F39-3343-D34D-887C-91D887A1DE4F}" type="datetimeFigureOut">
               <a:rPr lang="en-US" smtClean="0"/>
               <a:pPr/>
-              <a:t>6/22/21</a:t>
+              <a:t>10/29/25</a:t>
             </a:fld>
             <a:endParaRPr lang="en-US"/>
           </a:p>
@@ -1962,7 +1965,7 @@
             <a:fld id="{A3417F39-3343-D34D-887C-91D887A1DE4F}" type="datetimeFigureOut">
               <a:rPr lang="en-US" smtClean="0"/>
               <a:pPr/>
-              <a:t>6/22/21</a:t>
+              <a:t>10/29/25</a:t>
             </a:fld>
             <a:endParaRPr lang="en-US"/>
           </a:p>
@@ -2378,7 +2381,7 @@
             <a:fld id="{A3417F39-3343-D34D-887C-91D887A1DE4F}" type="datetimeFigureOut">
               <a:rPr lang="en-US" smtClean="0"/>
               <a:pPr/>
-              <a:t>6/22/21</a:t>
+              <a:t>10/29/25</a:t>
             </a:fld>
             <a:endParaRPr lang="en-US"/>
           </a:p>
@@ -2492,7 +2495,7 @@
             <a:fld id="{A3417F39-3343-D34D-887C-91D887A1DE4F}" type="datetimeFigureOut">
               <a:rPr lang="en-US" smtClean="0"/>
               <a:pPr/>
-              <a:t>6/22/21</a:t>
+              <a:t>10/29/25</a:t>
             </a:fld>
             <a:endParaRPr lang="en-US"/>
           </a:p>
@@ -2584,7 +2587,7 @@
             <a:fld id="{A3417F39-3343-D34D-887C-91D887A1DE4F}" type="datetimeFigureOut">
               <a:rPr lang="en-US" smtClean="0"/>
               <a:pPr/>
-              <a:t>6/22/21</a:t>
+              <a:t>10/29/25</a:t>
             </a:fld>
             <a:endParaRPr lang="en-US"/>
           </a:p>
@@ -2856,7 +2859,7 @@
             <a:fld id="{A3417F39-3343-D34D-887C-91D887A1DE4F}" type="datetimeFigureOut">
               <a:rPr lang="en-US" smtClean="0"/>
               <a:pPr/>
-              <a:t>6/22/21</a:t>
+              <a:t>10/29/25</a:t>
             </a:fld>
             <a:endParaRPr lang="en-US"/>
           </a:p>
@@ -3105,7 +3108,7 @@
             <a:fld id="{A3417F39-3343-D34D-887C-91D887A1DE4F}" type="datetimeFigureOut">
               <a:rPr lang="en-US" smtClean="0"/>
               <a:pPr/>
-              <a:t>6/22/21</a:t>
+              <a:t>10/29/25</a:t>
             </a:fld>
             <a:endParaRPr lang="en-US"/>
           </a:p>
@@ -3313,7 +3316,7 @@
             <a:fld id="{A3417F39-3343-D34D-887C-91D887A1DE4F}" type="datetimeFigureOut">
               <a:rPr lang="en-US" smtClean="0"/>
               <a:pPr/>
-              <a:t>6/22/21</a:t>
+              <a:t>10/29/25</a:t>
             </a:fld>
             <a:endParaRPr lang="en-US"/>
           </a:p>
@@ -4935,239 +4938,6 @@
       </p:grpSpPr>
       <p:sp>
         <p:nvSpPr>
-          <p:cNvPr id="11266" name="Rectangle 5"/>
-          <p:cNvSpPr>
-            <a:spLocks noChangeArrowheads="1"/>
-          </p:cNvSpPr>
-          <p:nvPr/>
-        </p:nvSpPr>
-        <p:spPr bwMode="auto">
-          <a:xfrm>
-            <a:off x="228600" y="1307413"/>
-            <a:ext cx="8686800" cy="3366189"/>
-          </a:xfrm>
-          <a:prstGeom prst="rect">
-            <a:avLst/>
-          </a:prstGeom>
-          <a:noFill/>
-          <a:ln w="9525">
-            <a:noFill/>
-            <a:round/>
-            <a:headEnd/>
-            <a:tailEnd/>
-          </a:ln>
-        </p:spPr>
-        <p:txBody>
-          <a:bodyPr lIns="0" tIns="0" rIns="0" bIns="0"/>
-          <a:lstStyle/>
-          <a:p>
-            <a:pPr marL="430213" indent="-323850">
-              <a:spcBef>
-                <a:spcPts val="800"/>
-              </a:spcBef>
-              <a:buClr>
-                <a:srgbClr val="000000"/>
-              </a:buClr>
-              <a:buSzPct val="100000"/>
-              <a:buFont typeface="Arial" charset="0"/>
-              <a:buNone/>
-              <a:tabLst>
-                <a:tab pos="430213" algn="l"/>
-                <a:tab pos="1344613" algn="l"/>
-                <a:tab pos="2259013" algn="l"/>
-                <a:tab pos="3173413" algn="l"/>
-                <a:tab pos="4087813" algn="l"/>
-                <a:tab pos="5002213" algn="l"/>
-                <a:tab pos="5916613" algn="l"/>
-                <a:tab pos="6831013" algn="l"/>
-                <a:tab pos="7745413" algn="l"/>
-                <a:tab pos="8659813" algn="l"/>
-                <a:tab pos="9574213" algn="l"/>
-                <a:tab pos="10488613" algn="l"/>
-              </a:tabLst>
-            </a:pPr>
-            <a:endParaRPr lang="en-GB" sz="1200" dirty="0">
-              <a:solidFill>
-                <a:srgbClr val="000000"/>
-              </a:solidFill>
-              <a:latin typeface="Times New Roman" pitchFamily="18" charset="0"/>
-            </a:endParaRPr>
-          </a:p>
-          <a:p>
-            <a:pPr marL="887413" lvl="1" indent="-323850">
-              <a:spcBef>
-                <a:spcPts val="800"/>
-              </a:spcBef>
-              <a:buClr>
-                <a:srgbClr val="000000"/>
-              </a:buClr>
-              <a:buSzPct val="100000"/>
-              <a:buFont typeface="Arial"/>
-              <a:buChar char="•"/>
-              <a:tabLst>
-                <a:tab pos="430213" algn="l"/>
-                <a:tab pos="1344613" algn="l"/>
-                <a:tab pos="2259013" algn="l"/>
-                <a:tab pos="3173413" algn="l"/>
-                <a:tab pos="4087813" algn="l"/>
-                <a:tab pos="5002213" algn="l"/>
-                <a:tab pos="5916613" algn="l"/>
-                <a:tab pos="6831013" algn="l"/>
-                <a:tab pos="7745413" algn="l"/>
-                <a:tab pos="8659813" algn="l"/>
-                <a:tab pos="9574213" algn="l"/>
-                <a:tab pos="10488613" algn="l"/>
-              </a:tabLst>
-            </a:pPr>
-            <a:r>
-              <a:rPr lang="en-GB" sz="4000" dirty="0">
-                <a:solidFill>
-                  <a:srgbClr val="000000"/>
-                </a:solidFill>
-                <a:latin typeface="Times New Roman" pitchFamily="18" charset="0"/>
-              </a:rPr>
-              <a:t>Input from Excel</a:t>
-            </a:r>
-          </a:p>
-          <a:p>
-            <a:pPr marL="1344613" lvl="2" indent="-323850">
-              <a:spcBef>
-                <a:spcPts val="800"/>
-              </a:spcBef>
-              <a:buClr>
-                <a:srgbClr val="000000"/>
-              </a:buClr>
-              <a:buSzPct val="100000"/>
-              <a:buFont typeface="Arial"/>
-              <a:buChar char="•"/>
-              <a:tabLst>
-                <a:tab pos="430213" algn="l"/>
-                <a:tab pos="1344613" algn="l"/>
-                <a:tab pos="2259013" algn="l"/>
-                <a:tab pos="3173413" algn="l"/>
-                <a:tab pos="4087813" algn="l"/>
-                <a:tab pos="5002213" algn="l"/>
-                <a:tab pos="5916613" algn="l"/>
-                <a:tab pos="6831013" algn="l"/>
-                <a:tab pos="7745413" algn="l"/>
-                <a:tab pos="8659813" algn="l"/>
-                <a:tab pos="9574213" algn="l"/>
-                <a:tab pos="10488613" algn="l"/>
-              </a:tabLst>
-            </a:pPr>
-            <a:r>
-              <a:rPr lang="en-GB" sz="3600" dirty="0">
-                <a:solidFill>
-                  <a:srgbClr val="000000"/>
-                </a:solidFill>
-                <a:latin typeface="Times New Roman" pitchFamily="18" charset="0"/>
-              </a:rPr>
-              <a:t>Save spreadsheet as a CSV file</a:t>
-            </a:r>
-          </a:p>
-          <a:p>
-            <a:pPr marL="1801813" lvl="3" indent="-323850">
-              <a:spcBef>
-                <a:spcPts val="800"/>
-              </a:spcBef>
-              <a:buClr>
-                <a:srgbClr val="000000"/>
-              </a:buClr>
-              <a:buSzPct val="100000"/>
-              <a:buFont typeface="Arial"/>
-              <a:buChar char="•"/>
-              <a:tabLst>
-                <a:tab pos="430213" algn="l"/>
-                <a:tab pos="1344613" algn="l"/>
-                <a:tab pos="2259013" algn="l"/>
-                <a:tab pos="3173413" algn="l"/>
-                <a:tab pos="4087813" algn="l"/>
-                <a:tab pos="5002213" algn="l"/>
-                <a:tab pos="5916613" algn="l"/>
-                <a:tab pos="6831013" algn="l"/>
-                <a:tab pos="7745413" algn="l"/>
-                <a:tab pos="8659813" algn="l"/>
-                <a:tab pos="9574213" algn="l"/>
-                <a:tab pos="10488613" algn="l"/>
-              </a:tabLst>
-            </a:pPr>
-            <a:r>
-              <a:rPr lang="en-GB" sz="3200" dirty="0">
-                <a:solidFill>
-                  <a:srgbClr val="000000"/>
-                </a:solidFill>
-                <a:latin typeface="Times New Roman" pitchFamily="18" charset="0"/>
-              </a:rPr>
-              <a:t>A .csv file is just a text version of an Excel file</a:t>
-            </a:r>
-          </a:p>
-          <a:p>
-            <a:pPr marL="1801813" lvl="3" indent="-323850">
-              <a:spcBef>
-                <a:spcPts val="800"/>
-              </a:spcBef>
-              <a:buClr>
-                <a:srgbClr val="000000"/>
-              </a:buClr>
-              <a:buSzPct val="100000"/>
-              <a:buFont typeface="Arial"/>
-              <a:buChar char="•"/>
-              <a:tabLst>
-                <a:tab pos="430213" algn="l"/>
-                <a:tab pos="1344613" algn="l"/>
-                <a:tab pos="2259013" algn="l"/>
-                <a:tab pos="3173413" algn="l"/>
-                <a:tab pos="4087813" algn="l"/>
-                <a:tab pos="5002213" algn="l"/>
-                <a:tab pos="5916613" algn="l"/>
-                <a:tab pos="6831013" algn="l"/>
-                <a:tab pos="7745413" algn="l"/>
-                <a:tab pos="8659813" algn="l"/>
-                <a:tab pos="9574213" algn="l"/>
-                <a:tab pos="10488613" algn="l"/>
-              </a:tabLst>
-            </a:pPr>
-            <a:r>
-              <a:rPr lang="en-GB" sz="3200" dirty="0">
-                <a:solidFill>
-                  <a:srgbClr val="000000"/>
-                </a:solidFill>
-                <a:latin typeface="Times New Roman" pitchFamily="18" charset="0"/>
-              </a:rPr>
-              <a:t>We’ll use the </a:t>
-            </a:r>
-            <a:r>
-              <a:rPr lang="en-GB" sz="3200" b="1" dirty="0" err="1">
-                <a:solidFill>
-                  <a:srgbClr val="000000"/>
-                </a:solidFill>
-                <a:latin typeface="Times New Roman" pitchFamily="18" charset="0"/>
-              </a:rPr>
-              <a:t>read.csv</a:t>
-            </a:r>
-            <a:r>
-              <a:rPr lang="en-GB" sz="3200" b="1" dirty="0">
-                <a:solidFill>
-                  <a:srgbClr val="000000"/>
-                </a:solidFill>
-                <a:latin typeface="Times New Roman" pitchFamily="18" charset="0"/>
-              </a:rPr>
-              <a:t> </a:t>
-            </a:r>
-            <a:r>
-              <a:rPr lang="en-GB" sz="3200" dirty="0">
-                <a:solidFill>
-                  <a:srgbClr val="000000"/>
-                </a:solidFill>
-                <a:latin typeface="Times New Roman" pitchFamily="18" charset="0"/>
-              </a:rPr>
-              <a:t>function</a:t>
-            </a:r>
-          </a:p>
-        </p:txBody>
-      </p:sp>
-      <p:sp>
-        <p:nvSpPr>
           <p:cNvPr id="25603" name="Rectangle 4"/>
           <p:cNvSpPr>
             <a:spLocks noChangeArrowheads="1"/>
@@ -5223,1120 +4993,7 @@
                 </a:solidFill>
                 <a:latin typeface="Times New Roman" pitchFamily="18" charset="0"/>
               </a:rPr>
-              <a:t>How to Load Spreadsheets of Data:</a:t>
-            </a:r>
-          </a:p>
-        </p:txBody>
-      </p:sp>
-      <p:pic>
-        <p:nvPicPr>
-          <p:cNvPr id="14" name="Picture 2"/>
-          <p:cNvPicPr>
-            <a:picLocks noChangeAspect="1" noChangeArrowheads="1"/>
-          </p:cNvPicPr>
-          <p:nvPr/>
-        </p:nvPicPr>
-        <p:blipFill>
-          <a:blip r:embed="rId2" cstate="print"/>
-          <a:srcRect/>
-          <a:stretch>
-            <a:fillRect/>
-          </a:stretch>
-        </p:blipFill>
-        <p:spPr bwMode="auto">
-          <a:xfrm>
-            <a:off x="484188" y="76200"/>
-            <a:ext cx="8202612" cy="239712"/>
-          </a:xfrm>
-          <a:prstGeom prst="rect">
-            <a:avLst/>
-          </a:prstGeom>
-          <a:noFill/>
-          <a:ln w="9525">
-            <a:noFill/>
-            <a:round/>
-            <a:headEnd/>
-            <a:tailEnd/>
-          </a:ln>
-        </p:spPr>
-      </p:pic>
-    </p:spTree>
-    <p:extLst>
-      <p:ext uri="{BB962C8B-B14F-4D97-AF65-F5344CB8AC3E}">
-        <p14:creationId xmlns:p14="http://schemas.microsoft.com/office/powerpoint/2010/main" val="3901607305"/>
-      </p:ext>
-    </p:extLst>
-  </p:cSld>
-  <p:clrMapOvr>
-    <a:masterClrMapping/>
-  </p:clrMapOvr>
-</p:sld>
-</file>
-
-<file path=ppt/slides/slide12.xml><?xml version="1.0" encoding="utf-8"?>
-<p:sld xmlns:a="http://schemas.openxmlformats.org/drawingml/2006/main" xmlns:r="http://schemas.openxmlformats.org/officeDocument/2006/relationships" xmlns:p="http://schemas.openxmlformats.org/presentationml/2006/main">
-  <p:cSld>
-    <p:spTree>
-      <p:nvGrpSpPr>
-        <p:cNvPr id="1" name=""/>
-        <p:cNvGrpSpPr/>
-        <p:nvPr/>
-      </p:nvGrpSpPr>
-      <p:grpSpPr>
-        <a:xfrm>
-          <a:off x="0" y="0"/>
-          <a:ext cx="0" cy="0"/>
-          <a:chOff x="0" y="0"/>
-          <a:chExt cx="0" cy="0"/>
-        </a:xfrm>
-      </p:grpSpPr>
-      <p:sp>
-        <p:nvSpPr>
-          <p:cNvPr id="2" name="Rectangle 5">
-            <a:extLst>
-              <a:ext uri="{FF2B5EF4-FFF2-40B4-BE49-F238E27FC236}">
-                <a16:creationId xmlns:a16="http://schemas.microsoft.com/office/drawing/2014/main" id="{91E7B117-D0CB-49EC-AF46-979BCA1100AB}"/>
-              </a:ext>
-            </a:extLst>
-          </p:cNvPr>
-          <p:cNvSpPr>
-            <a:spLocks noChangeArrowheads="1"/>
-          </p:cNvSpPr>
-          <p:nvPr/>
-        </p:nvSpPr>
-        <p:spPr bwMode="auto">
-          <a:xfrm>
-            <a:off x="228600" y="1104211"/>
-            <a:ext cx="8686800" cy="3467789"/>
-          </a:xfrm>
-          <a:prstGeom prst="rect">
-            <a:avLst/>
-          </a:prstGeom>
-          <a:noFill/>
-          <a:ln w="9525">
-            <a:noFill/>
-            <a:round/>
-            <a:headEnd/>
-            <a:tailEnd/>
-          </a:ln>
-        </p:spPr>
-        <p:txBody>
-          <a:bodyPr lIns="0" tIns="0" rIns="0" bIns="0"/>
-          <a:lstStyle/>
-          <a:p>
-            <a:pPr marL="430213" indent="-323850">
-              <a:spcBef>
-                <a:spcPts val="800"/>
-              </a:spcBef>
-              <a:buClr>
-                <a:srgbClr val="000000"/>
-              </a:buClr>
-              <a:buSzPct val="100000"/>
-              <a:buFont typeface="Arial" charset="0"/>
-              <a:buNone/>
-              <a:tabLst>
-                <a:tab pos="430213" algn="l"/>
-                <a:tab pos="1344613" algn="l"/>
-                <a:tab pos="2259013" algn="l"/>
-                <a:tab pos="3173413" algn="l"/>
-                <a:tab pos="4087813" algn="l"/>
-                <a:tab pos="5002213" algn="l"/>
-                <a:tab pos="5916613" algn="l"/>
-                <a:tab pos="6831013" algn="l"/>
-                <a:tab pos="7745413" algn="l"/>
-                <a:tab pos="8659813" algn="l"/>
-                <a:tab pos="9574213" algn="l"/>
-                <a:tab pos="10488613" algn="l"/>
-              </a:tabLst>
-            </a:pPr>
-            <a:endParaRPr lang="en-GB" sz="1200" dirty="0">
-              <a:solidFill>
-                <a:srgbClr val="000000"/>
-              </a:solidFill>
-              <a:latin typeface="Times New Roman" pitchFamily="18" charset="0"/>
-            </a:endParaRPr>
-          </a:p>
-          <a:p>
-            <a:pPr marL="887413" lvl="1" indent="-323850">
-              <a:spcBef>
-                <a:spcPts val="800"/>
-              </a:spcBef>
-              <a:buClr>
-                <a:srgbClr val="000000"/>
-              </a:buClr>
-              <a:buSzPct val="100000"/>
-              <a:buFont typeface="Arial"/>
-              <a:buChar char="•"/>
-              <a:tabLst>
-                <a:tab pos="430213" algn="l"/>
-                <a:tab pos="1344613" algn="l"/>
-                <a:tab pos="2259013" algn="l"/>
-                <a:tab pos="3173413" algn="l"/>
-                <a:tab pos="4087813" algn="l"/>
-                <a:tab pos="5002213" algn="l"/>
-                <a:tab pos="5916613" algn="l"/>
-                <a:tab pos="6831013" algn="l"/>
-                <a:tab pos="7745413" algn="l"/>
-                <a:tab pos="8659813" algn="l"/>
-                <a:tab pos="9574213" algn="l"/>
-                <a:tab pos="10488613" algn="l"/>
-              </a:tabLst>
-            </a:pPr>
-            <a:r>
-              <a:rPr lang="en-GB" sz="4000" dirty="0">
-                <a:solidFill>
-                  <a:srgbClr val="000000"/>
-                </a:solidFill>
-                <a:latin typeface="Times New Roman" pitchFamily="18" charset="0"/>
-              </a:rPr>
-              <a:t>Input from Excel</a:t>
-            </a:r>
-          </a:p>
-          <a:p>
-            <a:pPr marL="1344613" lvl="2" indent="-323850">
-              <a:spcBef>
-                <a:spcPts val="800"/>
-              </a:spcBef>
-              <a:buClr>
-                <a:srgbClr val="000000"/>
-              </a:buClr>
-              <a:buSzPct val="100000"/>
-              <a:buFont typeface="Arial"/>
-              <a:buChar char="•"/>
-              <a:tabLst>
-                <a:tab pos="430213" algn="l"/>
-                <a:tab pos="1344613" algn="l"/>
-                <a:tab pos="2259013" algn="l"/>
-                <a:tab pos="3173413" algn="l"/>
-                <a:tab pos="4087813" algn="l"/>
-                <a:tab pos="5002213" algn="l"/>
-                <a:tab pos="5916613" algn="l"/>
-                <a:tab pos="6831013" algn="l"/>
-                <a:tab pos="7745413" algn="l"/>
-                <a:tab pos="8659813" algn="l"/>
-                <a:tab pos="9574213" algn="l"/>
-                <a:tab pos="10488613" algn="l"/>
-              </a:tabLst>
-            </a:pPr>
-            <a:r>
-              <a:rPr lang="en-GB" sz="3200" b="1" dirty="0">
-                <a:solidFill>
-                  <a:srgbClr val="000000"/>
-                </a:solidFill>
-                <a:latin typeface="Times New Roman" pitchFamily="18" charset="0"/>
-              </a:rPr>
-              <a:t>Method easiest for class</a:t>
-            </a:r>
-            <a:r>
-              <a:rPr lang="en-GB" sz="3200" dirty="0">
-                <a:solidFill>
-                  <a:srgbClr val="000000"/>
-                </a:solidFill>
-                <a:latin typeface="Times New Roman" pitchFamily="18" charset="0"/>
-              </a:rPr>
-              <a:t>: We can load in a file directly from the internet using its </a:t>
-            </a:r>
-            <a:r>
-              <a:rPr lang="en-GB" sz="3200" dirty="0">
-                <a:solidFill>
-                  <a:srgbClr val="00B050"/>
-                </a:solidFill>
-                <a:latin typeface="Times New Roman" pitchFamily="18" charset="0"/>
-              </a:rPr>
-              <a:t>URL address</a:t>
-            </a:r>
-            <a:r>
-              <a:rPr lang="en-GB" sz="3200" dirty="0">
-                <a:solidFill>
-                  <a:srgbClr val="000000"/>
-                </a:solidFill>
-                <a:latin typeface="Times New Roman" pitchFamily="18" charset="0"/>
-              </a:rPr>
-              <a:t> (if we have a working internet connection):</a:t>
-            </a:r>
-          </a:p>
-          <a:p>
-            <a:pPr marL="1344613" lvl="2" indent="-323850">
-              <a:spcBef>
-                <a:spcPts val="800"/>
-              </a:spcBef>
-              <a:buClr>
-                <a:srgbClr val="000000"/>
-              </a:buClr>
-              <a:buSzPct val="100000"/>
-              <a:buFont typeface="Arial"/>
-              <a:buChar char="•"/>
-              <a:tabLst>
-                <a:tab pos="430213" algn="l"/>
-                <a:tab pos="1344613" algn="l"/>
-                <a:tab pos="2259013" algn="l"/>
-                <a:tab pos="3173413" algn="l"/>
-                <a:tab pos="4087813" algn="l"/>
-                <a:tab pos="5002213" algn="l"/>
-                <a:tab pos="5916613" algn="l"/>
-                <a:tab pos="6831013" algn="l"/>
-                <a:tab pos="7745413" algn="l"/>
-                <a:tab pos="8659813" algn="l"/>
-                <a:tab pos="9574213" algn="l"/>
-                <a:tab pos="10488613" algn="l"/>
-              </a:tabLst>
-            </a:pPr>
-            <a:endParaRPr lang="en-GB" sz="3200" dirty="0">
-              <a:solidFill>
-                <a:srgbClr val="000000"/>
-              </a:solidFill>
-              <a:latin typeface="Times New Roman" pitchFamily="18" charset="0"/>
-            </a:endParaRPr>
-          </a:p>
-        </p:txBody>
-      </p:sp>
-      <p:sp>
-        <p:nvSpPr>
-          <p:cNvPr id="3" name="Rectangle 4">
-            <a:extLst>
-              <a:ext uri="{FF2B5EF4-FFF2-40B4-BE49-F238E27FC236}">
-                <a16:creationId xmlns:a16="http://schemas.microsoft.com/office/drawing/2014/main" id="{94AECD30-1CEA-46DB-9FB7-F711EA12D97F}"/>
-              </a:ext>
-            </a:extLst>
-          </p:cNvPr>
-          <p:cNvSpPr>
-            <a:spLocks noChangeArrowheads="1"/>
-          </p:cNvSpPr>
-          <p:nvPr/>
-        </p:nvSpPr>
-        <p:spPr bwMode="auto">
-          <a:xfrm>
-            <a:off x="231775" y="332601"/>
-            <a:ext cx="8607425" cy="1127125"/>
-          </a:xfrm>
-          <a:prstGeom prst="rect">
-            <a:avLst/>
-          </a:prstGeom>
-          <a:noFill/>
-          <a:ln w="9525">
-            <a:noFill/>
-            <a:round/>
-            <a:headEnd/>
-            <a:tailEnd/>
-          </a:ln>
-        </p:spPr>
-        <p:txBody>
-          <a:bodyPr lIns="0" tIns="0" rIns="0" bIns="0" anchor="ctr"/>
-          <a:lstStyle/>
-          <a:p>
-            <a:pPr algn="ctr">
-              <a:buClr>
-                <a:srgbClr val="000000"/>
-              </a:buClr>
-              <a:buSzPct val="100000"/>
-              <a:buFont typeface="Times New Roman" pitchFamily="18" charset="0"/>
-              <a:buNone/>
-              <a:tabLst>
-                <a:tab pos="0" algn="l"/>
-                <a:tab pos="914400" algn="l"/>
-                <a:tab pos="1828800" algn="l"/>
-                <a:tab pos="2743200" algn="l"/>
-                <a:tab pos="3657600" algn="l"/>
-                <a:tab pos="4572000" algn="l"/>
-                <a:tab pos="5486400" algn="l"/>
-                <a:tab pos="6400800" algn="l"/>
-                <a:tab pos="7315200" algn="l"/>
-                <a:tab pos="8229600" algn="l"/>
-                <a:tab pos="9144000" algn="l"/>
-                <a:tab pos="10058400" algn="l"/>
-              </a:tabLst>
-            </a:pPr>
-            <a:r>
-              <a:rPr lang="en-GB" sz="4000" dirty="0">
-                <a:solidFill>
-                  <a:srgbClr val="000000"/>
-                </a:solidFill>
-                <a:latin typeface="Times New Roman" pitchFamily="18" charset="0"/>
-              </a:rPr>
-              <a:t>How to Load Spreadsheets of Data:</a:t>
-            </a:r>
-          </a:p>
-        </p:txBody>
-      </p:sp>
-      <p:pic>
-        <p:nvPicPr>
-          <p:cNvPr id="4" name="Picture 2">
-            <a:extLst>
-              <a:ext uri="{FF2B5EF4-FFF2-40B4-BE49-F238E27FC236}">
-                <a16:creationId xmlns:a16="http://schemas.microsoft.com/office/drawing/2014/main" id="{731FD6D4-ABDF-4D8F-AC2A-888F0D4EC5B9}"/>
-              </a:ext>
-            </a:extLst>
-          </p:cNvPr>
-          <p:cNvPicPr>
-            <a:picLocks noChangeAspect="1" noChangeArrowheads="1"/>
-          </p:cNvPicPr>
-          <p:nvPr/>
-        </p:nvPicPr>
-        <p:blipFill>
-          <a:blip r:embed="rId2" cstate="print"/>
-          <a:srcRect/>
-          <a:stretch>
-            <a:fillRect/>
-          </a:stretch>
-        </p:blipFill>
-        <p:spPr bwMode="auto">
-          <a:xfrm>
-            <a:off x="484188" y="76200"/>
-            <a:ext cx="8202612" cy="239712"/>
-          </a:xfrm>
-          <a:prstGeom prst="rect">
-            <a:avLst/>
-          </a:prstGeom>
-          <a:noFill/>
-          <a:ln w="9525">
-            <a:noFill/>
-            <a:round/>
-            <a:headEnd/>
-            <a:tailEnd/>
-          </a:ln>
-        </p:spPr>
-      </p:pic>
-      <p:sp>
-        <p:nvSpPr>
-          <p:cNvPr id="6" name="Rectangle 5">
-            <a:extLst>
-              <a:ext uri="{FF2B5EF4-FFF2-40B4-BE49-F238E27FC236}">
-                <a16:creationId xmlns:a16="http://schemas.microsoft.com/office/drawing/2014/main" id="{CA083E16-7BA4-474C-8727-392FDF517109}"/>
-              </a:ext>
-            </a:extLst>
-          </p:cNvPr>
-          <p:cNvSpPr/>
-          <p:nvPr/>
-        </p:nvSpPr>
-        <p:spPr>
-          <a:xfrm>
-            <a:off x="152400" y="4196185"/>
-            <a:ext cx="8867421" cy="1323439"/>
-          </a:xfrm>
-          <a:prstGeom prst="rect">
-            <a:avLst/>
-          </a:prstGeom>
-          <a:solidFill>
-            <a:srgbClr val="000C78"/>
-          </a:solidFill>
-        </p:spPr>
-        <p:txBody>
-          <a:bodyPr wrap="square">
-            <a:spAutoFit/>
-          </a:bodyPr>
-          <a:lstStyle/>
-          <a:p>
-            <a:r>
-              <a:rPr lang="en-US" sz="1600" dirty="0">
-                <a:solidFill>
-                  <a:srgbClr val="FFFF00"/>
-                </a:solidFill>
-                <a:latin typeface="Courier"/>
-                <a:cs typeface="Courier"/>
-              </a:rPr>
-              <a:t># A file on the internet. Use it’s URL to load: </a:t>
-            </a:r>
-          </a:p>
-          <a:p>
-            <a:endParaRPr lang="en-US" sz="1600" dirty="0">
-              <a:solidFill>
-                <a:schemeClr val="bg1"/>
-              </a:solidFill>
-              <a:latin typeface="Courier"/>
-              <a:cs typeface="Courier"/>
-            </a:endParaRPr>
-          </a:p>
-          <a:p>
-            <a:r>
-              <a:rPr lang="en-US" sz="1600" dirty="0" err="1">
-                <a:solidFill>
-                  <a:schemeClr val="bg1"/>
-                </a:solidFill>
-                <a:latin typeface="Courier"/>
-                <a:cs typeface="Courier"/>
-              </a:rPr>
-              <a:t>dat</a:t>
-            </a:r>
-            <a:r>
-              <a:rPr lang="en-US" sz="1600" dirty="0">
-                <a:solidFill>
-                  <a:schemeClr val="bg1"/>
-                </a:solidFill>
-                <a:latin typeface="Courier"/>
-                <a:cs typeface="Courier"/>
-              </a:rPr>
-              <a:t> &lt;- </a:t>
-            </a:r>
-            <a:r>
-              <a:rPr lang="en-US" sz="1600" dirty="0" err="1">
-                <a:solidFill>
-                  <a:schemeClr val="bg1"/>
-                </a:solidFill>
-                <a:latin typeface="Courier"/>
-                <a:cs typeface="Courier"/>
-              </a:rPr>
-              <a:t>read.csv</a:t>
-            </a:r>
-            <a:r>
-              <a:rPr lang="en-US" sz="1600" dirty="0">
-                <a:solidFill>
-                  <a:schemeClr val="bg1"/>
-                </a:solidFill>
-                <a:latin typeface="Courier"/>
-                <a:cs typeface="Courier"/>
-              </a:rPr>
-              <a:t>(</a:t>
-            </a:r>
-            <a:r>
-              <a:rPr lang="en-US" sz="1600" dirty="0">
-                <a:solidFill>
-                  <a:srgbClr val="00B050"/>
-                </a:solidFill>
-                <a:latin typeface="Courier"/>
-                <a:cs typeface="Courier"/>
-              </a:rPr>
-              <a:t>"https://</a:t>
-            </a:r>
-            <a:r>
-              <a:rPr lang="en-US" sz="1600" dirty="0" err="1">
-                <a:solidFill>
-                  <a:srgbClr val="00B050"/>
-                </a:solidFill>
-                <a:latin typeface="Courier"/>
-                <a:cs typeface="Courier"/>
-              </a:rPr>
-              <a:t>raw.githubusercontent.com</a:t>
-            </a:r>
-            <a:r>
-              <a:rPr lang="en-US" sz="1600" dirty="0">
-                <a:solidFill>
-                  <a:srgbClr val="00B050"/>
-                </a:solidFill>
-                <a:latin typeface="Courier"/>
-                <a:cs typeface="Courier"/>
-              </a:rPr>
-              <a:t>/</a:t>
-            </a:r>
-            <a:r>
-              <a:rPr lang="en-US" sz="1600" dirty="0" err="1">
-                <a:solidFill>
-                  <a:srgbClr val="00B050"/>
-                </a:solidFill>
-                <a:latin typeface="Courier"/>
-                <a:cs typeface="Courier"/>
-              </a:rPr>
-              <a:t>npetraco</a:t>
-            </a:r>
-            <a:r>
-              <a:rPr lang="en-US" sz="1600" dirty="0">
-                <a:solidFill>
-                  <a:srgbClr val="00B050"/>
-                </a:solidFill>
-                <a:latin typeface="Courier"/>
-                <a:cs typeface="Courier"/>
-              </a:rPr>
-              <a:t>/workshop21/master/data/</a:t>
-            </a:r>
-            <a:r>
-              <a:rPr lang="en-US" sz="1600" dirty="0" err="1">
-                <a:solidFill>
-                  <a:srgbClr val="00B050"/>
-                </a:solidFill>
-                <a:latin typeface="Courier"/>
-                <a:cs typeface="Courier"/>
-              </a:rPr>
-              <a:t>bigdata.csv</a:t>
-            </a:r>
-            <a:r>
-              <a:rPr lang="en-US" sz="1600" dirty="0">
-                <a:solidFill>
-                  <a:srgbClr val="00B050"/>
-                </a:solidFill>
-                <a:latin typeface="Courier"/>
-                <a:cs typeface="Courier"/>
-              </a:rPr>
-              <a:t>"</a:t>
-            </a:r>
-            <a:r>
-              <a:rPr lang="en-US" sz="1600" dirty="0">
-                <a:solidFill>
-                  <a:schemeClr val="bg1"/>
-                </a:solidFill>
-                <a:latin typeface="Courier"/>
-                <a:cs typeface="Courier"/>
-              </a:rPr>
-              <a:t>, header = F)</a:t>
-            </a:r>
-          </a:p>
-        </p:txBody>
-      </p:sp>
-      <p:sp>
-        <p:nvSpPr>
-          <p:cNvPr id="7" name="Rectangle 5">
-            <a:extLst>
-              <a:ext uri="{FF2B5EF4-FFF2-40B4-BE49-F238E27FC236}">
-                <a16:creationId xmlns:a16="http://schemas.microsoft.com/office/drawing/2014/main" id="{D0B19934-BF97-FF4A-AC4D-3FA94E895FCE}"/>
-              </a:ext>
-            </a:extLst>
-          </p:cNvPr>
-          <p:cNvSpPr>
-            <a:spLocks noChangeArrowheads="1"/>
-          </p:cNvSpPr>
-          <p:nvPr/>
-        </p:nvSpPr>
-        <p:spPr bwMode="auto">
-          <a:xfrm>
-            <a:off x="228600" y="5534561"/>
-            <a:ext cx="8686800" cy="1323439"/>
-          </a:xfrm>
-          <a:prstGeom prst="rect">
-            <a:avLst/>
-          </a:prstGeom>
-          <a:noFill/>
-          <a:ln w="9525">
-            <a:noFill/>
-            <a:round/>
-            <a:headEnd/>
-            <a:tailEnd/>
-          </a:ln>
-        </p:spPr>
-        <p:txBody>
-          <a:bodyPr lIns="0" tIns="0" rIns="0" bIns="0"/>
-          <a:lstStyle/>
-          <a:p>
-            <a:pPr marL="430213" indent="-323850">
-              <a:spcBef>
-                <a:spcPts val="800"/>
-              </a:spcBef>
-              <a:buClr>
-                <a:srgbClr val="000000"/>
-              </a:buClr>
-              <a:buSzPct val="100000"/>
-              <a:buFont typeface="Arial" charset="0"/>
-              <a:buNone/>
-              <a:tabLst>
-                <a:tab pos="430213" algn="l"/>
-                <a:tab pos="1344613" algn="l"/>
-                <a:tab pos="2259013" algn="l"/>
-                <a:tab pos="3173413" algn="l"/>
-                <a:tab pos="4087813" algn="l"/>
-                <a:tab pos="5002213" algn="l"/>
-                <a:tab pos="5916613" algn="l"/>
-                <a:tab pos="6831013" algn="l"/>
-                <a:tab pos="7745413" algn="l"/>
-                <a:tab pos="8659813" algn="l"/>
-                <a:tab pos="9574213" algn="l"/>
-                <a:tab pos="10488613" algn="l"/>
-              </a:tabLst>
-            </a:pPr>
-            <a:endParaRPr lang="en-GB" sz="1200" dirty="0">
-              <a:solidFill>
-                <a:srgbClr val="000000"/>
-              </a:solidFill>
-              <a:latin typeface="Times New Roman" pitchFamily="18" charset="0"/>
-            </a:endParaRPr>
-          </a:p>
-          <a:p>
-            <a:pPr marL="1344613" lvl="2" indent="-323850">
-              <a:spcBef>
-                <a:spcPts val="800"/>
-              </a:spcBef>
-              <a:buClr>
-                <a:srgbClr val="000000"/>
-              </a:buClr>
-              <a:buSzPct val="100000"/>
-              <a:buFont typeface="Arial"/>
-              <a:buChar char="•"/>
-              <a:tabLst>
-                <a:tab pos="430213" algn="l"/>
-                <a:tab pos="1344613" algn="l"/>
-                <a:tab pos="2259013" algn="l"/>
-                <a:tab pos="3173413" algn="l"/>
-                <a:tab pos="4087813" algn="l"/>
-                <a:tab pos="5002213" algn="l"/>
-                <a:tab pos="5916613" algn="l"/>
-                <a:tab pos="6831013" algn="l"/>
-                <a:tab pos="7745413" algn="l"/>
-                <a:tab pos="8659813" algn="l"/>
-                <a:tab pos="9574213" algn="l"/>
-                <a:tab pos="10488613" algn="l"/>
-              </a:tabLst>
-            </a:pPr>
-            <a:r>
-              <a:rPr lang="en-GB" sz="2800" dirty="0">
-                <a:solidFill>
-                  <a:srgbClr val="000000"/>
-                </a:solidFill>
-                <a:latin typeface="Times New Roman" pitchFamily="18" charset="0"/>
-              </a:rPr>
-              <a:t>I don’t do this often, but I use </a:t>
-            </a:r>
-            <a:r>
-              <a:rPr lang="en-GB" sz="2800" dirty="0" err="1">
-                <a:solidFill>
-                  <a:srgbClr val="000000"/>
-                </a:solidFill>
-                <a:latin typeface="Times New Roman" pitchFamily="18" charset="0"/>
-              </a:rPr>
-              <a:t>github</a:t>
-            </a:r>
-            <a:r>
-              <a:rPr lang="en-GB" sz="2800" dirty="0">
-                <a:solidFill>
-                  <a:srgbClr val="000000"/>
-                </a:solidFill>
-                <a:latin typeface="Times New Roman" pitchFamily="18" charset="0"/>
-              </a:rPr>
-              <a:t> store/access CSV data for class if needed.</a:t>
-            </a:r>
-          </a:p>
-          <a:p>
-            <a:pPr marL="1344613" lvl="2" indent="-323850">
-              <a:spcBef>
-                <a:spcPts val="800"/>
-              </a:spcBef>
-              <a:buClr>
-                <a:srgbClr val="000000"/>
-              </a:buClr>
-              <a:buSzPct val="100000"/>
-              <a:buFont typeface="Arial"/>
-              <a:buChar char="•"/>
-              <a:tabLst>
-                <a:tab pos="430213" algn="l"/>
-                <a:tab pos="1344613" algn="l"/>
-                <a:tab pos="2259013" algn="l"/>
-                <a:tab pos="3173413" algn="l"/>
-                <a:tab pos="4087813" algn="l"/>
-                <a:tab pos="5002213" algn="l"/>
-                <a:tab pos="5916613" algn="l"/>
-                <a:tab pos="6831013" algn="l"/>
-                <a:tab pos="7745413" algn="l"/>
-                <a:tab pos="8659813" algn="l"/>
-                <a:tab pos="9574213" algn="l"/>
-                <a:tab pos="10488613" algn="l"/>
-              </a:tabLst>
-            </a:pPr>
-            <a:endParaRPr lang="en-GB" sz="3200" dirty="0">
-              <a:solidFill>
-                <a:srgbClr val="000000"/>
-              </a:solidFill>
-              <a:latin typeface="Times New Roman" pitchFamily="18" charset="0"/>
-            </a:endParaRPr>
-          </a:p>
-        </p:txBody>
-      </p:sp>
-    </p:spTree>
-    <p:extLst>
-      <p:ext uri="{BB962C8B-B14F-4D97-AF65-F5344CB8AC3E}">
-        <p14:creationId xmlns:p14="http://schemas.microsoft.com/office/powerpoint/2010/main" val="3813128221"/>
-      </p:ext>
-    </p:extLst>
-  </p:cSld>
-  <p:clrMapOvr>
-    <a:masterClrMapping/>
-  </p:clrMapOvr>
-</p:sld>
-</file>
-
-<file path=ppt/slides/slide13.xml><?xml version="1.0" encoding="utf-8"?>
-<p:sld xmlns:a="http://schemas.openxmlformats.org/drawingml/2006/main" xmlns:r="http://schemas.openxmlformats.org/officeDocument/2006/relationships" xmlns:p="http://schemas.openxmlformats.org/presentationml/2006/main">
-  <p:cSld>
-    <p:spTree>
-      <p:nvGrpSpPr>
-        <p:cNvPr id="1" name=""/>
-        <p:cNvGrpSpPr/>
-        <p:nvPr/>
-      </p:nvGrpSpPr>
-      <p:grpSpPr>
-        <a:xfrm>
-          <a:off x="0" y="0"/>
-          <a:ext cx="0" cy="0"/>
-          <a:chOff x="0" y="0"/>
-          <a:chExt cx="0" cy="0"/>
-        </a:xfrm>
-      </p:grpSpPr>
-      <p:sp>
-        <p:nvSpPr>
-          <p:cNvPr id="11266" name="Rectangle 5"/>
-          <p:cNvSpPr>
-            <a:spLocks noChangeArrowheads="1"/>
-          </p:cNvSpPr>
-          <p:nvPr/>
-        </p:nvSpPr>
-        <p:spPr bwMode="auto">
-          <a:xfrm>
-            <a:off x="256673" y="1937038"/>
-            <a:ext cx="8686800" cy="3271572"/>
-          </a:xfrm>
-          <a:prstGeom prst="rect">
-            <a:avLst/>
-          </a:prstGeom>
-          <a:noFill/>
-          <a:ln w="9525">
-            <a:noFill/>
-            <a:round/>
-            <a:headEnd/>
-            <a:tailEnd/>
-          </a:ln>
-        </p:spPr>
-        <p:txBody>
-          <a:bodyPr lIns="0" tIns="0" rIns="0" bIns="0"/>
-          <a:lstStyle/>
-          <a:p>
-            <a:pPr marL="887413" lvl="1" indent="-323850">
-              <a:spcBef>
-                <a:spcPts val="800"/>
-              </a:spcBef>
-              <a:buClr>
-                <a:srgbClr val="000000"/>
-              </a:buClr>
-              <a:buSzPct val="100000"/>
-              <a:buFont typeface="Arial"/>
-              <a:buChar char="•"/>
-              <a:tabLst>
-                <a:tab pos="430213" algn="l"/>
-                <a:tab pos="1344613" algn="l"/>
-                <a:tab pos="2259013" algn="l"/>
-                <a:tab pos="3173413" algn="l"/>
-                <a:tab pos="4087813" algn="l"/>
-                <a:tab pos="5002213" algn="l"/>
-                <a:tab pos="5916613" algn="l"/>
-                <a:tab pos="6831013" algn="l"/>
-                <a:tab pos="7745413" algn="l"/>
-                <a:tab pos="8659813" algn="l"/>
-                <a:tab pos="9574213" algn="l"/>
-                <a:tab pos="10488613" algn="l"/>
-              </a:tabLst>
-            </a:pPr>
-            <a:r>
-              <a:rPr lang="en-GB" sz="2800" dirty="0">
-                <a:solidFill>
-                  <a:srgbClr val="000000"/>
-                </a:solidFill>
-                <a:latin typeface="Times New Roman" pitchFamily="18" charset="0"/>
-              </a:rPr>
-              <a:t>Spreadsheets are called data frames, arrays or matrices in        : </a:t>
-            </a:r>
-            <a:r>
-              <a:rPr lang="en-GB" sz="2800" b="1" dirty="0">
-                <a:solidFill>
-                  <a:srgbClr val="000000"/>
-                </a:solidFill>
-                <a:latin typeface="Times New Roman" pitchFamily="18" charset="0"/>
-              </a:rPr>
-              <a:t>X</a:t>
-            </a:r>
-          </a:p>
-          <a:p>
-            <a:pPr marL="1344613" lvl="2" indent="-323850">
-              <a:spcBef>
-                <a:spcPts val="800"/>
-              </a:spcBef>
-              <a:buClr>
-                <a:srgbClr val="000000"/>
-              </a:buClr>
-              <a:buSzPct val="100000"/>
-              <a:buFont typeface="Arial"/>
-              <a:buChar char="•"/>
-              <a:tabLst>
-                <a:tab pos="430213" algn="l"/>
-                <a:tab pos="1344613" algn="l"/>
-                <a:tab pos="2259013" algn="l"/>
-                <a:tab pos="3173413" algn="l"/>
-                <a:tab pos="4087813" algn="l"/>
-                <a:tab pos="5002213" algn="l"/>
-                <a:tab pos="5916613" algn="l"/>
-                <a:tab pos="6831013" algn="l"/>
-                <a:tab pos="7745413" algn="l"/>
-                <a:tab pos="8659813" algn="l"/>
-                <a:tab pos="9574213" algn="l"/>
-                <a:tab pos="10488613" algn="l"/>
-              </a:tabLst>
-            </a:pPr>
-            <a:r>
-              <a:rPr lang="en-GB" sz="2400" dirty="0">
-                <a:solidFill>
-                  <a:srgbClr val="000000"/>
-                </a:solidFill>
-                <a:latin typeface="Times New Roman" pitchFamily="18" charset="0"/>
-              </a:rPr>
-              <a:t>X[,1] returns column 1 of matrix </a:t>
-            </a:r>
-            <a:r>
-              <a:rPr lang="en-GB" sz="2400" b="1" dirty="0">
-                <a:solidFill>
-                  <a:srgbClr val="000000"/>
-                </a:solidFill>
-                <a:latin typeface="Times New Roman" pitchFamily="18" charset="0"/>
-              </a:rPr>
-              <a:t>X</a:t>
-            </a:r>
-          </a:p>
-          <a:p>
-            <a:pPr marL="1344613" lvl="2" indent="-323850">
-              <a:spcBef>
-                <a:spcPts val="800"/>
-              </a:spcBef>
-              <a:buClr>
-                <a:srgbClr val="000000"/>
-              </a:buClr>
-              <a:buSzPct val="100000"/>
-              <a:buFont typeface="Arial"/>
-              <a:buChar char="•"/>
-              <a:tabLst>
-                <a:tab pos="430213" algn="l"/>
-                <a:tab pos="1344613" algn="l"/>
-                <a:tab pos="2259013" algn="l"/>
-                <a:tab pos="3173413" algn="l"/>
-                <a:tab pos="4087813" algn="l"/>
-                <a:tab pos="5002213" algn="l"/>
-                <a:tab pos="5916613" algn="l"/>
-                <a:tab pos="6831013" algn="l"/>
-                <a:tab pos="7745413" algn="l"/>
-                <a:tab pos="8659813" algn="l"/>
-                <a:tab pos="9574213" algn="l"/>
-                <a:tab pos="10488613" algn="l"/>
-              </a:tabLst>
-            </a:pPr>
-            <a:r>
-              <a:rPr lang="en-GB" sz="2400" dirty="0">
-                <a:solidFill>
-                  <a:srgbClr val="000000"/>
-                </a:solidFill>
-                <a:latin typeface="Times New Roman" pitchFamily="18" charset="0"/>
-              </a:rPr>
-              <a:t>X[3,] returns row 3 of matrix </a:t>
-            </a:r>
-            <a:r>
-              <a:rPr lang="en-GB" sz="2400" b="1" dirty="0">
-                <a:solidFill>
-                  <a:srgbClr val="000000"/>
-                </a:solidFill>
-                <a:latin typeface="Times New Roman" pitchFamily="18" charset="0"/>
-              </a:rPr>
-              <a:t>X</a:t>
-            </a:r>
-          </a:p>
-          <a:p>
-            <a:pPr marL="1344613" lvl="2" indent="-323850">
-              <a:spcBef>
-                <a:spcPts val="800"/>
-              </a:spcBef>
-              <a:buClr>
-                <a:srgbClr val="000000"/>
-              </a:buClr>
-              <a:buSzPct val="100000"/>
-              <a:buFont typeface="Arial"/>
-              <a:buChar char="•"/>
-              <a:tabLst>
-                <a:tab pos="430213" algn="l"/>
-                <a:tab pos="1344613" algn="l"/>
-                <a:tab pos="2259013" algn="l"/>
-                <a:tab pos="3173413" algn="l"/>
-                <a:tab pos="4087813" algn="l"/>
-                <a:tab pos="5002213" algn="l"/>
-                <a:tab pos="5916613" algn="l"/>
-                <a:tab pos="6831013" algn="l"/>
-                <a:tab pos="7745413" algn="l"/>
-                <a:tab pos="8659813" algn="l"/>
-                <a:tab pos="9574213" algn="l"/>
-                <a:tab pos="10488613" algn="l"/>
-              </a:tabLst>
-            </a:pPr>
-            <a:r>
-              <a:rPr lang="en-GB" sz="2400" dirty="0">
-                <a:solidFill>
-                  <a:srgbClr val="000000"/>
-                </a:solidFill>
-                <a:latin typeface="Times New Roman" pitchFamily="18" charset="0"/>
-              </a:rPr>
-              <a:t>Handy functions for data frames and matrices:</a:t>
-            </a:r>
-          </a:p>
-          <a:p>
-            <a:pPr marL="1801813" lvl="3" indent="-323850">
-              <a:spcBef>
-                <a:spcPts val="800"/>
-              </a:spcBef>
-              <a:buClr>
-                <a:srgbClr val="000000"/>
-              </a:buClr>
-              <a:buSzPct val="100000"/>
-              <a:buFont typeface="Arial"/>
-              <a:buChar char="•"/>
-              <a:tabLst>
-                <a:tab pos="430213" algn="l"/>
-                <a:tab pos="1344613" algn="l"/>
-                <a:tab pos="2259013" algn="l"/>
-                <a:tab pos="3173413" algn="l"/>
-                <a:tab pos="4087813" algn="l"/>
-                <a:tab pos="5002213" algn="l"/>
-                <a:tab pos="5916613" algn="l"/>
-                <a:tab pos="6831013" algn="l"/>
-                <a:tab pos="7745413" algn="l"/>
-                <a:tab pos="8659813" algn="l"/>
-                <a:tab pos="9574213" algn="l"/>
-                <a:tab pos="10488613" algn="l"/>
-              </a:tabLst>
-            </a:pPr>
-            <a:r>
-              <a:rPr lang="en-GB" sz="2400" b="1" dirty="0">
-                <a:solidFill>
-                  <a:srgbClr val="000000"/>
-                </a:solidFill>
-                <a:latin typeface="Courier"/>
-                <a:cs typeface="Courier"/>
-              </a:rPr>
-              <a:t>dim</a:t>
-            </a:r>
-            <a:r>
-              <a:rPr lang="en-GB" sz="2400" dirty="0">
-                <a:solidFill>
-                  <a:srgbClr val="000000"/>
-                </a:solidFill>
-                <a:latin typeface="Courier"/>
-                <a:cs typeface="Courier"/>
-              </a:rPr>
-              <a:t>, </a:t>
-            </a:r>
-            <a:r>
-              <a:rPr lang="en-GB" sz="2400" b="1" dirty="0" err="1">
-                <a:solidFill>
-                  <a:srgbClr val="000000"/>
-                </a:solidFill>
-                <a:latin typeface="Courier"/>
-                <a:cs typeface="Courier"/>
-              </a:rPr>
-              <a:t>nrow</a:t>
-            </a:r>
-            <a:r>
-              <a:rPr lang="en-GB" sz="2400" dirty="0">
-                <a:solidFill>
-                  <a:srgbClr val="000000"/>
-                </a:solidFill>
-                <a:latin typeface="Courier"/>
-                <a:cs typeface="Courier"/>
-              </a:rPr>
-              <a:t>, </a:t>
-            </a:r>
-            <a:r>
-              <a:rPr lang="en-GB" sz="2400" b="1" dirty="0" err="1">
-                <a:solidFill>
-                  <a:srgbClr val="000000"/>
-                </a:solidFill>
-                <a:latin typeface="Courier"/>
-                <a:cs typeface="Courier"/>
-              </a:rPr>
-              <a:t>ncol</a:t>
-            </a:r>
-            <a:r>
-              <a:rPr lang="en-GB" sz="2400" dirty="0">
-                <a:solidFill>
-                  <a:srgbClr val="000000"/>
-                </a:solidFill>
-                <a:latin typeface="Courier"/>
-                <a:cs typeface="Courier"/>
-              </a:rPr>
-              <a:t>, </a:t>
-            </a:r>
-            <a:r>
-              <a:rPr lang="en-GB" sz="2400" b="1" dirty="0" err="1">
-                <a:solidFill>
-                  <a:srgbClr val="000000"/>
-                </a:solidFill>
-                <a:latin typeface="Courier"/>
-                <a:cs typeface="Courier"/>
-              </a:rPr>
-              <a:t>rbind</a:t>
-            </a:r>
-            <a:r>
-              <a:rPr lang="en-GB" sz="2400" dirty="0">
-                <a:solidFill>
-                  <a:srgbClr val="000000"/>
-                </a:solidFill>
-                <a:latin typeface="Courier"/>
-                <a:cs typeface="Courier"/>
-              </a:rPr>
-              <a:t>, </a:t>
-            </a:r>
-            <a:r>
-              <a:rPr lang="en-GB" sz="2400" b="1" dirty="0" err="1">
-                <a:solidFill>
-                  <a:srgbClr val="000000"/>
-                </a:solidFill>
-                <a:latin typeface="Courier"/>
-                <a:cs typeface="Courier"/>
-              </a:rPr>
-              <a:t>cbind</a:t>
-            </a:r>
-            <a:endParaRPr lang="en-GB" sz="2400" b="1" dirty="0">
-              <a:solidFill>
-                <a:srgbClr val="000000"/>
-              </a:solidFill>
-              <a:latin typeface="Courier"/>
-              <a:cs typeface="Courier"/>
-            </a:endParaRPr>
-          </a:p>
-        </p:txBody>
-      </p:sp>
-      <p:sp>
-        <p:nvSpPr>
-          <p:cNvPr id="25603" name="Rectangle 4"/>
-          <p:cNvSpPr>
-            <a:spLocks noChangeArrowheads="1"/>
-          </p:cNvSpPr>
-          <p:nvPr/>
-        </p:nvSpPr>
-        <p:spPr bwMode="auto">
-          <a:xfrm>
-            <a:off x="231775" y="332601"/>
-            <a:ext cx="8607425" cy="1127125"/>
-          </a:xfrm>
-          <a:prstGeom prst="rect">
-            <a:avLst/>
-          </a:prstGeom>
-          <a:noFill/>
-          <a:ln w="9525">
-            <a:noFill/>
-            <a:round/>
-            <a:headEnd/>
-            <a:tailEnd/>
-          </a:ln>
-        </p:spPr>
-        <p:txBody>
-          <a:bodyPr lIns="0" tIns="0" rIns="0" bIns="0" anchor="ctr"/>
-          <a:lstStyle/>
-          <a:p>
-            <a:pPr algn="ctr">
-              <a:buClr>
-                <a:srgbClr val="000000"/>
-              </a:buClr>
-              <a:buSzPct val="100000"/>
-              <a:buFont typeface="Times New Roman" pitchFamily="18" charset="0"/>
-              <a:buNone/>
-              <a:tabLst>
-                <a:tab pos="0" algn="l"/>
-                <a:tab pos="914400" algn="l"/>
-                <a:tab pos="1828800" algn="l"/>
-                <a:tab pos="2743200" algn="l"/>
-                <a:tab pos="3657600" algn="l"/>
-                <a:tab pos="4572000" algn="l"/>
-                <a:tab pos="5486400" algn="l"/>
-                <a:tab pos="6400800" algn="l"/>
-                <a:tab pos="7315200" algn="l"/>
-                <a:tab pos="8229600" algn="l"/>
-                <a:tab pos="9144000" algn="l"/>
-                <a:tab pos="10058400" algn="l"/>
-              </a:tabLst>
-            </a:pPr>
-            <a:r>
-              <a:rPr lang="en-GB" sz="4000" dirty="0">
-                <a:solidFill>
-                  <a:srgbClr val="000000"/>
-                </a:solidFill>
-                <a:latin typeface="Times New Roman" pitchFamily="18" charset="0"/>
-              </a:rPr>
-              <a:t>Slicing and Dicing a Spreadsheets</a:t>
+              <a:t>Slicing and Dicing Data</a:t>
             </a:r>
           </a:p>
         </p:txBody>
@@ -6373,50 +5030,1034 @@
           </a:ln>
         </p:spPr>
       </p:pic>
-      <p:pic>
-        <p:nvPicPr>
-          <p:cNvPr id="5" name="Picture 4" descr="Rlogo.jpg">
+      <p:grpSp>
+        <p:nvGrpSpPr>
+          <p:cNvPr id="4" name="Group 3">
             <a:extLst>
               <a:ext uri="{FF2B5EF4-FFF2-40B4-BE49-F238E27FC236}">
-                <a16:creationId xmlns:a16="http://schemas.microsoft.com/office/drawing/2014/main" id="{E5592301-E4E1-CC4C-AF73-505B80D970B3}"/>
+                <a16:creationId xmlns:a16="http://schemas.microsoft.com/office/drawing/2014/main" id="{9F02013A-463E-197B-165C-A78954370CAC}"/>
               </a:ext>
             </a:extLst>
           </p:cNvPr>
-          <p:cNvPicPr>
-            <a:picLocks noChangeAspect="1"/>
-          </p:cNvPicPr>
+          <p:cNvGrpSpPr/>
           <p:nvPr/>
-        </p:nvPicPr>
-        <p:blipFill>
-          <a:blip r:embed="rId3"/>
-          <a:stretch>
-            <a:fillRect/>
-          </a:stretch>
-        </p:blipFill>
-        <p:spPr>
+        </p:nvGrpSpPr>
+        <p:grpSpPr>
           <a:xfrm>
-            <a:off x="1539771" y="2390529"/>
-            <a:ext cx="496392" cy="377259"/>
+            <a:off x="225425" y="1356042"/>
+            <a:ext cx="8686800" cy="1400522"/>
+            <a:chOff x="225425" y="1356042"/>
+            <a:chExt cx="8686800" cy="1400522"/>
+          </a:xfrm>
+        </p:grpSpPr>
+        <p:sp>
+          <p:nvSpPr>
+            <p:cNvPr id="11266" name="Rectangle 5"/>
+            <p:cNvSpPr>
+              <a:spLocks noChangeArrowheads="1"/>
+            </p:cNvSpPr>
+            <p:nvPr/>
+          </p:nvSpPr>
+          <p:spPr bwMode="auto">
+            <a:xfrm>
+              <a:off x="225425" y="1356042"/>
+              <a:ext cx="8686800" cy="1400522"/>
+            </a:xfrm>
+            <a:prstGeom prst="rect">
+              <a:avLst/>
+            </a:prstGeom>
+            <a:noFill/>
+            <a:ln w="9525">
+              <a:noFill/>
+              <a:round/>
+              <a:headEnd/>
+              <a:tailEnd/>
+            </a:ln>
+          </p:spPr>
+          <p:txBody>
+            <a:bodyPr lIns="0" tIns="0" rIns="0" bIns="0"/>
+            <a:lstStyle/>
+            <a:p>
+              <a:pPr marL="887413" lvl="1" indent="-323850">
+                <a:spcBef>
+                  <a:spcPts val="800"/>
+                </a:spcBef>
+                <a:buClr>
+                  <a:srgbClr val="000000"/>
+                </a:buClr>
+                <a:buSzPct val="100000"/>
+                <a:buFont typeface="Arial"/>
+                <a:buChar char="•"/>
+                <a:tabLst>
+                  <a:tab pos="430213" algn="l"/>
+                  <a:tab pos="1344613" algn="l"/>
+                  <a:tab pos="2259013" algn="l"/>
+                  <a:tab pos="3173413" algn="l"/>
+                  <a:tab pos="4087813" algn="l"/>
+                  <a:tab pos="5002213" algn="l"/>
+                  <a:tab pos="5916613" algn="l"/>
+                  <a:tab pos="6831013" algn="l"/>
+                  <a:tab pos="7745413" algn="l"/>
+                  <a:tab pos="8659813" algn="l"/>
+                  <a:tab pos="9574213" algn="l"/>
+                  <a:tab pos="10488613" algn="l"/>
+                </a:tabLst>
+              </a:pPr>
+              <a:r>
+                <a:rPr lang="en-GB" sz="2800" dirty="0">
+                  <a:solidFill>
+                    <a:srgbClr val="000000"/>
+                  </a:solidFill>
+                  <a:latin typeface="Times New Roman" pitchFamily="18" charset="0"/>
+                </a:rPr>
+                <a:t>Data chucks in       are called (among other things) data frames, arrays, vectors, or matrices: </a:t>
+              </a:r>
+              <a:r>
+                <a:rPr lang="en-GB" sz="2800" b="1" dirty="0">
+                  <a:solidFill>
+                    <a:srgbClr val="000000"/>
+                  </a:solidFill>
+                  <a:latin typeface="Times New Roman" pitchFamily="18" charset="0"/>
+                </a:rPr>
+                <a:t>X</a:t>
+              </a:r>
+            </a:p>
+            <a:p>
+              <a:pPr marL="1344613" lvl="2" indent="-323850">
+                <a:spcBef>
+                  <a:spcPts val="800"/>
+                </a:spcBef>
+                <a:buClr>
+                  <a:srgbClr val="000000"/>
+                </a:buClr>
+                <a:buSzPct val="100000"/>
+                <a:buFont typeface="Arial"/>
+                <a:buChar char="•"/>
+                <a:tabLst>
+                  <a:tab pos="430213" algn="l"/>
+                  <a:tab pos="1344613" algn="l"/>
+                  <a:tab pos="2259013" algn="l"/>
+                  <a:tab pos="3173413" algn="l"/>
+                  <a:tab pos="4087813" algn="l"/>
+                  <a:tab pos="5002213" algn="l"/>
+                  <a:tab pos="5916613" algn="l"/>
+                  <a:tab pos="6831013" algn="l"/>
+                  <a:tab pos="7745413" algn="l"/>
+                  <a:tab pos="8659813" algn="l"/>
+                  <a:tab pos="9574213" algn="l"/>
+                  <a:tab pos="10488613" algn="l"/>
+                </a:tabLst>
+              </a:pPr>
+              <a:r>
+                <a:rPr lang="en-GB" sz="2400" dirty="0">
+                  <a:solidFill>
+                    <a:srgbClr val="000000"/>
+                  </a:solidFill>
+                  <a:latin typeface="Times New Roman" pitchFamily="18" charset="0"/>
+                  <a:cs typeface="Courier"/>
+                </a:rPr>
+                <a:t>These objects have “</a:t>
+              </a:r>
+              <a:r>
+                <a:rPr lang="en-GB" sz="2400" i="1" u="sng" dirty="0">
+                  <a:solidFill>
+                    <a:srgbClr val="000000"/>
+                  </a:solidFill>
+                  <a:latin typeface="Times New Roman" pitchFamily="18" charset="0"/>
+                  <a:cs typeface="Courier"/>
+                </a:rPr>
+                <a:t>indices</a:t>
+              </a:r>
+              <a:r>
+                <a:rPr lang="en-GB" sz="2400" dirty="0">
+                  <a:solidFill>
+                    <a:srgbClr val="000000"/>
+                  </a:solidFill>
+                  <a:latin typeface="Times New Roman" pitchFamily="18" charset="0"/>
+                  <a:cs typeface="Courier"/>
+                </a:rPr>
+                <a:t>”:</a:t>
+              </a:r>
+              <a:endParaRPr lang="en-GB" sz="2400" dirty="0">
+                <a:solidFill>
+                  <a:srgbClr val="000000"/>
+                </a:solidFill>
+                <a:latin typeface="Courier"/>
+                <a:cs typeface="Courier"/>
+              </a:endParaRPr>
+            </a:p>
+          </p:txBody>
+        </p:sp>
+        <p:pic>
+          <p:nvPicPr>
+            <p:cNvPr id="5" name="Picture 4" descr="Rlogo.jpg">
+              <a:extLst>
+                <a:ext uri="{FF2B5EF4-FFF2-40B4-BE49-F238E27FC236}">
+                  <a16:creationId xmlns:a16="http://schemas.microsoft.com/office/drawing/2014/main" id="{E5592301-E4E1-CC4C-AF73-505B80D970B3}"/>
+                </a:ext>
+              </a:extLst>
+            </p:cNvPr>
+            <p:cNvPicPr>
+              <a:picLocks noChangeAspect="1"/>
+            </p:cNvPicPr>
+            <p:nvPr/>
+          </p:nvPicPr>
+          <p:blipFill>
+            <a:blip r:embed="rId3"/>
+            <a:stretch>
+              <a:fillRect/>
+            </a:stretch>
+          </p:blipFill>
+          <p:spPr>
+            <a:xfrm>
+              <a:off x="3334281" y="1430541"/>
+              <a:ext cx="391899" cy="297844"/>
+            </a:xfrm>
+            <a:prstGeom prst="rect">
+              <a:avLst/>
+            </a:prstGeom>
+          </p:spPr>
+        </p:pic>
+      </p:grpSp>
+      <p:sp>
+        <p:nvSpPr>
+          <p:cNvPr id="2" name="Rectangle 5">
+            <a:extLst>
+              <a:ext uri="{FF2B5EF4-FFF2-40B4-BE49-F238E27FC236}">
+                <a16:creationId xmlns:a16="http://schemas.microsoft.com/office/drawing/2014/main" id="{8BCABF56-81EB-DED4-1ADC-79D651ECDC19}"/>
+              </a:ext>
+            </a:extLst>
+          </p:cNvPr>
+          <p:cNvSpPr>
+            <a:spLocks noChangeArrowheads="1"/>
+          </p:cNvSpPr>
+          <p:nvPr/>
+        </p:nvSpPr>
+        <p:spPr bwMode="auto">
+          <a:xfrm>
+            <a:off x="1228223" y="4091940"/>
+            <a:ext cx="6978517" cy="1817370"/>
           </a:xfrm>
           <a:prstGeom prst="rect">
             <a:avLst/>
           </a:prstGeom>
+          <a:noFill/>
+          <a:ln w="9525">
+            <a:noFill/>
+            <a:round/>
+            <a:headEnd/>
+            <a:tailEnd/>
+          </a:ln>
         </p:spPr>
-      </p:pic>
+        <p:txBody>
+          <a:bodyPr lIns="0" tIns="0" rIns="0" bIns="0"/>
+          <a:lstStyle/>
+          <a:p>
+            <a:pPr marL="887413" lvl="1" indent="-323850">
+              <a:spcBef>
+                <a:spcPts val="800"/>
+              </a:spcBef>
+              <a:buClr>
+                <a:srgbClr val="000000"/>
+              </a:buClr>
+              <a:buSzPct val="100000"/>
+              <a:buFont typeface="Arial"/>
+              <a:buChar char="•"/>
+              <a:tabLst>
+                <a:tab pos="430213" algn="l"/>
+                <a:tab pos="1344613" algn="l"/>
+                <a:tab pos="2259013" algn="l"/>
+                <a:tab pos="3173413" algn="l"/>
+                <a:tab pos="4087813" algn="l"/>
+                <a:tab pos="5002213" algn="l"/>
+                <a:tab pos="5916613" algn="l"/>
+                <a:tab pos="6831013" algn="l"/>
+                <a:tab pos="7745413" algn="l"/>
+                <a:tab pos="8659813" algn="l"/>
+                <a:tab pos="9574213" algn="l"/>
+                <a:tab pos="10488613" algn="l"/>
+              </a:tabLst>
+            </a:pPr>
+            <a:r>
+              <a:rPr lang="en-GB" sz="2200" b="1" dirty="0">
+                <a:solidFill>
+                  <a:srgbClr val="000000"/>
+                </a:solidFill>
+                <a:latin typeface="Times New Roman" pitchFamily="18" charset="0"/>
+              </a:rPr>
+              <a:t>matrices:</a:t>
+            </a:r>
+          </a:p>
+          <a:p>
+            <a:pPr marL="1344613" lvl="2" indent="-323850">
+              <a:spcBef>
+                <a:spcPts val="800"/>
+              </a:spcBef>
+              <a:buClr>
+                <a:srgbClr val="000000"/>
+              </a:buClr>
+              <a:buSzPct val="100000"/>
+              <a:buFont typeface="Arial"/>
+              <a:buChar char="•"/>
+              <a:tabLst>
+                <a:tab pos="430213" algn="l"/>
+                <a:tab pos="1344613" algn="l"/>
+                <a:tab pos="2259013" algn="l"/>
+                <a:tab pos="3173413" algn="l"/>
+                <a:tab pos="4087813" algn="l"/>
+                <a:tab pos="5002213" algn="l"/>
+                <a:tab pos="5916613" algn="l"/>
+                <a:tab pos="6831013" algn="l"/>
+                <a:tab pos="7745413" algn="l"/>
+                <a:tab pos="8659813" algn="l"/>
+                <a:tab pos="9574213" algn="l"/>
+                <a:tab pos="10488613" algn="l"/>
+              </a:tabLst>
+            </a:pPr>
+            <a:r>
+              <a:rPr lang="en-GB" sz="2200" dirty="0">
+                <a:solidFill>
+                  <a:srgbClr val="000000"/>
+                </a:solidFill>
+                <a:latin typeface="Times New Roman" pitchFamily="18" charset="0"/>
+              </a:rPr>
+              <a:t>X[,1] returns column 1 of matrix </a:t>
+            </a:r>
+            <a:r>
+              <a:rPr lang="en-GB" sz="2200" b="1" dirty="0">
+                <a:solidFill>
+                  <a:srgbClr val="000000"/>
+                </a:solidFill>
+                <a:latin typeface="Times New Roman" pitchFamily="18" charset="0"/>
+              </a:rPr>
+              <a:t>X</a:t>
+            </a:r>
+          </a:p>
+          <a:p>
+            <a:pPr marL="1344613" lvl="2" indent="-323850">
+              <a:spcBef>
+                <a:spcPts val="800"/>
+              </a:spcBef>
+              <a:buClr>
+                <a:srgbClr val="000000"/>
+              </a:buClr>
+              <a:buSzPct val="100000"/>
+              <a:buFont typeface="Arial"/>
+              <a:buChar char="•"/>
+              <a:tabLst>
+                <a:tab pos="430213" algn="l"/>
+                <a:tab pos="1344613" algn="l"/>
+                <a:tab pos="2259013" algn="l"/>
+                <a:tab pos="3173413" algn="l"/>
+                <a:tab pos="4087813" algn="l"/>
+                <a:tab pos="5002213" algn="l"/>
+                <a:tab pos="5916613" algn="l"/>
+                <a:tab pos="6831013" algn="l"/>
+                <a:tab pos="7745413" algn="l"/>
+                <a:tab pos="8659813" algn="l"/>
+                <a:tab pos="9574213" algn="l"/>
+                <a:tab pos="10488613" algn="l"/>
+              </a:tabLst>
+            </a:pPr>
+            <a:r>
+              <a:rPr lang="en-GB" sz="2200" dirty="0">
+                <a:solidFill>
+                  <a:srgbClr val="000000"/>
+                </a:solidFill>
+                <a:latin typeface="Times New Roman" pitchFamily="18" charset="0"/>
+              </a:rPr>
+              <a:t>X[3,] returns row 3 of matrix </a:t>
+            </a:r>
+            <a:r>
+              <a:rPr lang="en-GB" sz="2200" b="1" dirty="0">
+                <a:solidFill>
+                  <a:srgbClr val="000000"/>
+                </a:solidFill>
+                <a:latin typeface="Times New Roman" pitchFamily="18" charset="0"/>
+              </a:rPr>
+              <a:t>X</a:t>
+            </a:r>
+          </a:p>
+          <a:p>
+            <a:pPr marL="1344613" lvl="2" indent="-323850">
+              <a:spcBef>
+                <a:spcPts val="800"/>
+              </a:spcBef>
+              <a:buClr>
+                <a:srgbClr val="000000"/>
+              </a:buClr>
+              <a:buSzPct val="100000"/>
+              <a:buFont typeface="Arial"/>
+              <a:buChar char="•"/>
+              <a:tabLst>
+                <a:tab pos="430213" algn="l"/>
+                <a:tab pos="1344613" algn="l"/>
+                <a:tab pos="2259013" algn="l"/>
+                <a:tab pos="3173413" algn="l"/>
+                <a:tab pos="4087813" algn="l"/>
+                <a:tab pos="5002213" algn="l"/>
+                <a:tab pos="5916613" algn="l"/>
+                <a:tab pos="6831013" algn="l"/>
+                <a:tab pos="7745413" algn="l"/>
+                <a:tab pos="8659813" algn="l"/>
+                <a:tab pos="9574213" algn="l"/>
+                <a:tab pos="10488613" algn="l"/>
+              </a:tabLst>
+            </a:pPr>
+            <a:r>
+              <a:rPr lang="en-GB" sz="2200" dirty="0">
+                <a:solidFill>
+                  <a:srgbClr val="000000"/>
+                </a:solidFill>
+                <a:latin typeface="Times New Roman" pitchFamily="18" charset="0"/>
+              </a:rPr>
+              <a:t>X[c(2,4),] returns rows 2 and 4 of matrix </a:t>
+            </a:r>
+            <a:r>
+              <a:rPr lang="en-GB" sz="2200" b="1" dirty="0">
+                <a:solidFill>
+                  <a:srgbClr val="000000"/>
+                </a:solidFill>
+                <a:latin typeface="Times New Roman" pitchFamily="18" charset="0"/>
+              </a:rPr>
+              <a:t>X</a:t>
+            </a:r>
+          </a:p>
+        </p:txBody>
+      </p:sp>
+      <p:sp>
+        <p:nvSpPr>
+          <p:cNvPr id="3" name="Rectangle 5">
+            <a:extLst>
+              <a:ext uri="{FF2B5EF4-FFF2-40B4-BE49-F238E27FC236}">
+                <a16:creationId xmlns:a16="http://schemas.microsoft.com/office/drawing/2014/main" id="{1336ED0B-90D9-B7D4-7C0E-91F9C2EFE448}"/>
+              </a:ext>
+            </a:extLst>
+          </p:cNvPr>
+          <p:cNvSpPr>
+            <a:spLocks noChangeArrowheads="1"/>
+          </p:cNvSpPr>
+          <p:nvPr/>
+        </p:nvSpPr>
+        <p:spPr bwMode="auto">
+          <a:xfrm>
+            <a:off x="1228223" y="2977237"/>
+            <a:ext cx="5892667" cy="931823"/>
+          </a:xfrm>
+          <a:prstGeom prst="rect">
+            <a:avLst/>
+          </a:prstGeom>
+          <a:noFill/>
+          <a:ln w="9525">
+            <a:noFill/>
+            <a:round/>
+            <a:headEnd/>
+            <a:tailEnd/>
+          </a:ln>
+        </p:spPr>
+        <p:txBody>
+          <a:bodyPr lIns="0" tIns="0" rIns="0" bIns="0"/>
+          <a:lstStyle/>
+          <a:p>
+            <a:pPr marL="887413" lvl="1" indent="-323850">
+              <a:spcBef>
+                <a:spcPts val="800"/>
+              </a:spcBef>
+              <a:buClr>
+                <a:srgbClr val="000000"/>
+              </a:buClr>
+              <a:buSzPct val="100000"/>
+              <a:buFont typeface="Arial"/>
+              <a:buChar char="•"/>
+              <a:tabLst>
+                <a:tab pos="430213" algn="l"/>
+                <a:tab pos="1344613" algn="l"/>
+                <a:tab pos="2259013" algn="l"/>
+                <a:tab pos="3173413" algn="l"/>
+                <a:tab pos="4087813" algn="l"/>
+                <a:tab pos="5002213" algn="l"/>
+                <a:tab pos="5916613" algn="l"/>
+                <a:tab pos="6831013" algn="l"/>
+                <a:tab pos="7745413" algn="l"/>
+                <a:tab pos="8659813" algn="l"/>
+                <a:tab pos="9574213" algn="l"/>
+                <a:tab pos="10488613" algn="l"/>
+              </a:tabLst>
+            </a:pPr>
+            <a:r>
+              <a:rPr lang="en-GB" sz="2200" b="1" dirty="0">
+                <a:solidFill>
+                  <a:srgbClr val="000000"/>
+                </a:solidFill>
+                <a:latin typeface="Times New Roman" pitchFamily="18" charset="0"/>
+              </a:rPr>
+              <a:t>vectors:</a:t>
+            </a:r>
+          </a:p>
+          <a:p>
+            <a:pPr marL="1344613" lvl="2" indent="-323850">
+              <a:spcBef>
+                <a:spcPts val="800"/>
+              </a:spcBef>
+              <a:buClr>
+                <a:srgbClr val="000000"/>
+              </a:buClr>
+              <a:buSzPct val="100000"/>
+              <a:buFont typeface="Arial"/>
+              <a:buChar char="•"/>
+              <a:tabLst>
+                <a:tab pos="430213" algn="l"/>
+                <a:tab pos="1344613" algn="l"/>
+                <a:tab pos="2259013" algn="l"/>
+                <a:tab pos="3173413" algn="l"/>
+                <a:tab pos="4087813" algn="l"/>
+                <a:tab pos="5002213" algn="l"/>
+                <a:tab pos="5916613" algn="l"/>
+                <a:tab pos="6831013" algn="l"/>
+                <a:tab pos="7745413" algn="l"/>
+                <a:tab pos="8659813" algn="l"/>
+                <a:tab pos="9574213" algn="l"/>
+                <a:tab pos="10488613" algn="l"/>
+              </a:tabLst>
+            </a:pPr>
+            <a:r>
+              <a:rPr lang="en-GB" sz="2200" dirty="0">
+                <a:solidFill>
+                  <a:srgbClr val="000000"/>
+                </a:solidFill>
+                <a:latin typeface="Times New Roman" pitchFamily="18" charset="0"/>
+              </a:rPr>
+              <a:t>X[4] returns element 4 of vector </a:t>
+            </a:r>
+            <a:r>
+              <a:rPr lang="en-GB" sz="2200" b="1" dirty="0">
+                <a:solidFill>
+                  <a:srgbClr val="000000"/>
+                </a:solidFill>
+                <a:latin typeface="Times New Roman" pitchFamily="18" charset="0"/>
+              </a:rPr>
+              <a:t>X</a:t>
+            </a:r>
+          </a:p>
+        </p:txBody>
+      </p:sp>
+      <p:sp>
+        <p:nvSpPr>
+          <p:cNvPr id="6" name="Rectangle 5">
+            <a:extLst>
+              <a:ext uri="{FF2B5EF4-FFF2-40B4-BE49-F238E27FC236}">
+                <a16:creationId xmlns:a16="http://schemas.microsoft.com/office/drawing/2014/main" id="{100E6EC4-783E-B12A-DA3C-E55A07E01787}"/>
+              </a:ext>
+            </a:extLst>
+          </p:cNvPr>
+          <p:cNvSpPr>
+            <a:spLocks noChangeArrowheads="1"/>
+          </p:cNvSpPr>
+          <p:nvPr/>
+        </p:nvSpPr>
+        <p:spPr bwMode="auto">
+          <a:xfrm>
+            <a:off x="906145" y="5989320"/>
+            <a:ext cx="8006080" cy="788670"/>
+          </a:xfrm>
+          <a:prstGeom prst="rect">
+            <a:avLst/>
+          </a:prstGeom>
+          <a:noFill/>
+          <a:ln w="9525">
+            <a:noFill/>
+            <a:round/>
+            <a:headEnd/>
+            <a:tailEnd/>
+          </a:ln>
+        </p:spPr>
+        <p:txBody>
+          <a:bodyPr lIns="0" tIns="0" rIns="0" bIns="0"/>
+          <a:lstStyle/>
+          <a:p>
+            <a:pPr marL="430213" indent="-323850">
+              <a:spcBef>
+                <a:spcPts val="800"/>
+              </a:spcBef>
+              <a:buClr>
+                <a:srgbClr val="000000"/>
+              </a:buClr>
+              <a:buSzPct val="100000"/>
+              <a:buFont typeface="Arial"/>
+              <a:buChar char="•"/>
+              <a:tabLst>
+                <a:tab pos="430213" algn="l"/>
+                <a:tab pos="1344613" algn="l"/>
+                <a:tab pos="2259013" algn="l"/>
+                <a:tab pos="3173413" algn="l"/>
+                <a:tab pos="4087813" algn="l"/>
+                <a:tab pos="5002213" algn="l"/>
+                <a:tab pos="5916613" algn="l"/>
+                <a:tab pos="6831013" algn="l"/>
+                <a:tab pos="7745413" algn="l"/>
+                <a:tab pos="8659813" algn="l"/>
+                <a:tab pos="9574213" algn="l"/>
+                <a:tab pos="10488613" algn="l"/>
+              </a:tabLst>
+            </a:pPr>
+            <a:r>
+              <a:rPr lang="en-GB" sz="2400" dirty="0">
+                <a:solidFill>
+                  <a:srgbClr val="000000"/>
+                </a:solidFill>
+                <a:latin typeface="Times New Roman" pitchFamily="18" charset="0"/>
+              </a:rPr>
+              <a:t>Handy functions for data frames and matrices:</a:t>
+            </a:r>
+          </a:p>
+          <a:p>
+            <a:pPr marL="887413" lvl="1" indent="-323850">
+              <a:spcBef>
+                <a:spcPts val="800"/>
+              </a:spcBef>
+              <a:buClr>
+                <a:srgbClr val="000000"/>
+              </a:buClr>
+              <a:buSzPct val="100000"/>
+              <a:buFont typeface="Arial"/>
+              <a:buChar char="•"/>
+              <a:tabLst>
+                <a:tab pos="430213" algn="l"/>
+                <a:tab pos="1344613" algn="l"/>
+                <a:tab pos="2259013" algn="l"/>
+                <a:tab pos="3173413" algn="l"/>
+                <a:tab pos="4087813" algn="l"/>
+                <a:tab pos="5002213" algn="l"/>
+                <a:tab pos="5916613" algn="l"/>
+                <a:tab pos="6831013" algn="l"/>
+                <a:tab pos="7745413" algn="l"/>
+                <a:tab pos="8659813" algn="l"/>
+                <a:tab pos="9574213" algn="l"/>
+                <a:tab pos="10488613" algn="l"/>
+              </a:tabLst>
+            </a:pPr>
+            <a:r>
+              <a:rPr lang="en-GB" sz="2200" b="1" dirty="0">
+                <a:solidFill>
+                  <a:srgbClr val="000000"/>
+                </a:solidFill>
+                <a:latin typeface="Courier"/>
+                <a:cs typeface="Courier"/>
+              </a:rPr>
+              <a:t>dim</a:t>
+            </a:r>
+            <a:r>
+              <a:rPr lang="en-GB" sz="2200" dirty="0">
+                <a:solidFill>
+                  <a:srgbClr val="000000"/>
+                </a:solidFill>
+                <a:latin typeface="Courier"/>
+                <a:cs typeface="Courier"/>
+              </a:rPr>
+              <a:t>, </a:t>
+            </a:r>
+            <a:r>
+              <a:rPr lang="en-GB" sz="2200" b="1" dirty="0" err="1">
+                <a:solidFill>
+                  <a:srgbClr val="000000"/>
+                </a:solidFill>
+                <a:latin typeface="Courier"/>
+                <a:cs typeface="Courier"/>
+              </a:rPr>
+              <a:t>nrow</a:t>
+            </a:r>
+            <a:r>
+              <a:rPr lang="en-GB" sz="2200" dirty="0">
+                <a:solidFill>
+                  <a:srgbClr val="000000"/>
+                </a:solidFill>
+                <a:latin typeface="Courier"/>
+                <a:cs typeface="Courier"/>
+              </a:rPr>
+              <a:t>, </a:t>
+            </a:r>
+            <a:r>
+              <a:rPr lang="en-GB" sz="2200" b="1" dirty="0" err="1">
+                <a:solidFill>
+                  <a:srgbClr val="000000"/>
+                </a:solidFill>
+                <a:latin typeface="Courier"/>
+                <a:cs typeface="Courier"/>
+              </a:rPr>
+              <a:t>ncol</a:t>
+            </a:r>
+            <a:r>
+              <a:rPr lang="en-GB" sz="2200" dirty="0">
+                <a:solidFill>
+                  <a:srgbClr val="000000"/>
+                </a:solidFill>
+                <a:latin typeface="Courier"/>
+                <a:cs typeface="Courier"/>
+              </a:rPr>
+              <a:t>, </a:t>
+            </a:r>
+            <a:r>
+              <a:rPr lang="en-GB" sz="2200" b="1" dirty="0" err="1">
+                <a:solidFill>
+                  <a:srgbClr val="000000"/>
+                </a:solidFill>
+                <a:latin typeface="Courier"/>
+                <a:cs typeface="Courier"/>
+              </a:rPr>
+              <a:t>rbind</a:t>
+            </a:r>
+            <a:r>
+              <a:rPr lang="en-GB" sz="2200" dirty="0">
+                <a:solidFill>
+                  <a:srgbClr val="000000"/>
+                </a:solidFill>
+                <a:latin typeface="Courier"/>
+                <a:cs typeface="Courier"/>
+              </a:rPr>
+              <a:t>, </a:t>
+            </a:r>
+            <a:r>
+              <a:rPr lang="en-GB" sz="2200" b="1" dirty="0" err="1">
+                <a:solidFill>
+                  <a:srgbClr val="000000"/>
+                </a:solidFill>
+                <a:latin typeface="Courier"/>
+                <a:cs typeface="Courier"/>
+              </a:rPr>
+              <a:t>cbind</a:t>
+            </a:r>
+            <a:endParaRPr lang="en-GB" sz="2200" b="1" dirty="0">
+              <a:solidFill>
+                <a:srgbClr val="000000"/>
+              </a:solidFill>
+              <a:latin typeface="Courier"/>
+              <a:cs typeface="Courier"/>
+            </a:endParaRPr>
+          </a:p>
+        </p:txBody>
+      </p:sp>
     </p:spTree>
     <p:extLst>
       <p:ext uri="{BB962C8B-B14F-4D97-AF65-F5344CB8AC3E}">
-        <p14:creationId xmlns:p14="http://schemas.microsoft.com/office/powerpoint/2010/main" val="140624585"/>
+        <p14:creationId xmlns:p14="http://schemas.microsoft.com/office/powerpoint/2010/main" val="340567555"/>
       </p:ext>
     </p:extLst>
   </p:cSld>
   <p:clrMapOvr>
     <a:masterClrMapping/>
   </p:clrMapOvr>
+  <p:timing>
+    <p:tnLst>
+      <p:par>
+        <p:cTn id="1" dur="indefinite" restart="never" nodeType="tmRoot">
+          <p:childTnLst>
+            <p:seq concurrent="1" nextAc="seek">
+              <p:cTn id="2" dur="indefinite" nodeType="mainSeq">
+                <p:childTnLst>
+                  <p:par>
+                    <p:cTn id="3" fill="hold">
+                      <p:stCondLst>
+                        <p:cond delay="indefinite"/>
+                      </p:stCondLst>
+                      <p:childTnLst>
+                        <p:par>
+                          <p:cTn id="4" fill="hold">
+                            <p:stCondLst>
+                              <p:cond delay="0"/>
+                            </p:stCondLst>
+                            <p:childTnLst>
+                              <p:par>
+                                <p:cTn id="5" presetID="2" presetClass="entr" presetSubtype="4" fill="hold" grpId="0" nodeType="clickEffect">
+                                  <p:stCondLst>
+                                    <p:cond delay="0"/>
+                                  </p:stCondLst>
+                                  <p:childTnLst>
+                                    <p:set>
+                                      <p:cBhvr>
+                                        <p:cTn id="6" dur="1" fill="hold">
+                                          <p:stCondLst>
+                                            <p:cond delay="0"/>
+                                          </p:stCondLst>
+                                        </p:cTn>
+                                        <p:tgtEl>
+                                          <p:spTgt spid="3"/>
+                                        </p:tgtEl>
+                                        <p:attrNameLst>
+                                          <p:attrName>style.visibility</p:attrName>
+                                        </p:attrNameLst>
+                                      </p:cBhvr>
+                                      <p:to>
+                                        <p:strVal val="visible"/>
+                                      </p:to>
+                                    </p:set>
+                                    <p:anim calcmode="lin" valueType="num">
+                                      <p:cBhvr additive="base">
+                                        <p:cTn id="7" dur="500" fill="hold"/>
+                                        <p:tgtEl>
+                                          <p:spTgt spid="3"/>
+                                        </p:tgtEl>
+                                        <p:attrNameLst>
+                                          <p:attrName>ppt_x</p:attrName>
+                                        </p:attrNameLst>
+                                      </p:cBhvr>
+                                      <p:tavLst>
+                                        <p:tav tm="0">
+                                          <p:val>
+                                            <p:strVal val="#ppt_x"/>
+                                          </p:val>
+                                        </p:tav>
+                                        <p:tav tm="100000">
+                                          <p:val>
+                                            <p:strVal val="#ppt_x"/>
+                                          </p:val>
+                                        </p:tav>
+                                      </p:tavLst>
+                                    </p:anim>
+                                    <p:anim calcmode="lin" valueType="num">
+                                      <p:cBhvr additive="base">
+                                        <p:cTn id="8" dur="500" fill="hold"/>
+                                        <p:tgtEl>
+                                          <p:spTgt spid="3"/>
+                                        </p:tgtEl>
+                                        <p:attrNameLst>
+                                          <p:attrName>ppt_y</p:attrName>
+                                        </p:attrNameLst>
+                                      </p:cBhvr>
+                                      <p:tavLst>
+                                        <p:tav tm="0">
+                                          <p:val>
+                                            <p:strVal val="1+#ppt_h/2"/>
+                                          </p:val>
+                                        </p:tav>
+                                        <p:tav tm="100000">
+                                          <p:val>
+                                            <p:strVal val="#ppt_y"/>
+                                          </p:val>
+                                        </p:tav>
+                                      </p:tavLst>
+                                    </p:anim>
+                                  </p:childTnLst>
+                                </p:cTn>
+                              </p:par>
+                            </p:childTnLst>
+                          </p:cTn>
+                        </p:par>
+                      </p:childTnLst>
+                    </p:cTn>
+                  </p:par>
+                  <p:par>
+                    <p:cTn id="9" fill="hold">
+                      <p:stCondLst>
+                        <p:cond delay="indefinite"/>
+                      </p:stCondLst>
+                      <p:childTnLst>
+                        <p:par>
+                          <p:cTn id="10" fill="hold">
+                            <p:stCondLst>
+                              <p:cond delay="0"/>
+                            </p:stCondLst>
+                            <p:childTnLst>
+                              <p:par>
+                                <p:cTn id="11" presetID="2" presetClass="entr" presetSubtype="4" fill="hold" grpId="0" nodeType="clickEffect">
+                                  <p:stCondLst>
+                                    <p:cond delay="0"/>
+                                  </p:stCondLst>
+                                  <p:childTnLst>
+                                    <p:set>
+                                      <p:cBhvr>
+                                        <p:cTn id="12" dur="1" fill="hold">
+                                          <p:stCondLst>
+                                            <p:cond delay="0"/>
+                                          </p:stCondLst>
+                                        </p:cTn>
+                                        <p:tgtEl>
+                                          <p:spTgt spid="2"/>
+                                        </p:tgtEl>
+                                        <p:attrNameLst>
+                                          <p:attrName>style.visibility</p:attrName>
+                                        </p:attrNameLst>
+                                      </p:cBhvr>
+                                      <p:to>
+                                        <p:strVal val="visible"/>
+                                      </p:to>
+                                    </p:set>
+                                    <p:anim calcmode="lin" valueType="num">
+                                      <p:cBhvr additive="base">
+                                        <p:cTn id="13" dur="500" fill="hold"/>
+                                        <p:tgtEl>
+                                          <p:spTgt spid="2"/>
+                                        </p:tgtEl>
+                                        <p:attrNameLst>
+                                          <p:attrName>ppt_x</p:attrName>
+                                        </p:attrNameLst>
+                                      </p:cBhvr>
+                                      <p:tavLst>
+                                        <p:tav tm="0">
+                                          <p:val>
+                                            <p:strVal val="#ppt_x"/>
+                                          </p:val>
+                                        </p:tav>
+                                        <p:tav tm="100000">
+                                          <p:val>
+                                            <p:strVal val="#ppt_x"/>
+                                          </p:val>
+                                        </p:tav>
+                                      </p:tavLst>
+                                    </p:anim>
+                                    <p:anim calcmode="lin" valueType="num">
+                                      <p:cBhvr additive="base">
+                                        <p:cTn id="14" dur="500" fill="hold"/>
+                                        <p:tgtEl>
+                                          <p:spTgt spid="2"/>
+                                        </p:tgtEl>
+                                        <p:attrNameLst>
+                                          <p:attrName>ppt_y</p:attrName>
+                                        </p:attrNameLst>
+                                      </p:cBhvr>
+                                      <p:tavLst>
+                                        <p:tav tm="0">
+                                          <p:val>
+                                            <p:strVal val="1+#ppt_h/2"/>
+                                          </p:val>
+                                        </p:tav>
+                                        <p:tav tm="100000">
+                                          <p:val>
+                                            <p:strVal val="#ppt_y"/>
+                                          </p:val>
+                                        </p:tav>
+                                      </p:tavLst>
+                                    </p:anim>
+                                  </p:childTnLst>
+                                </p:cTn>
+                              </p:par>
+                            </p:childTnLst>
+                          </p:cTn>
+                        </p:par>
+                      </p:childTnLst>
+                    </p:cTn>
+                  </p:par>
+                  <p:par>
+                    <p:cTn id="15" fill="hold">
+                      <p:stCondLst>
+                        <p:cond delay="indefinite"/>
+                      </p:stCondLst>
+                      <p:childTnLst>
+                        <p:par>
+                          <p:cTn id="16" fill="hold">
+                            <p:stCondLst>
+                              <p:cond delay="0"/>
+                            </p:stCondLst>
+                            <p:childTnLst>
+                              <p:par>
+                                <p:cTn id="17" presetID="2" presetClass="entr" presetSubtype="4" fill="hold" grpId="0" nodeType="clickEffect">
+                                  <p:stCondLst>
+                                    <p:cond delay="0"/>
+                                  </p:stCondLst>
+                                  <p:childTnLst>
+                                    <p:set>
+                                      <p:cBhvr>
+                                        <p:cTn id="18" dur="1" fill="hold">
+                                          <p:stCondLst>
+                                            <p:cond delay="0"/>
+                                          </p:stCondLst>
+                                        </p:cTn>
+                                        <p:tgtEl>
+                                          <p:spTgt spid="6"/>
+                                        </p:tgtEl>
+                                        <p:attrNameLst>
+                                          <p:attrName>style.visibility</p:attrName>
+                                        </p:attrNameLst>
+                                      </p:cBhvr>
+                                      <p:to>
+                                        <p:strVal val="visible"/>
+                                      </p:to>
+                                    </p:set>
+                                    <p:anim calcmode="lin" valueType="num">
+                                      <p:cBhvr additive="base">
+                                        <p:cTn id="19" dur="500" fill="hold"/>
+                                        <p:tgtEl>
+                                          <p:spTgt spid="6"/>
+                                        </p:tgtEl>
+                                        <p:attrNameLst>
+                                          <p:attrName>ppt_x</p:attrName>
+                                        </p:attrNameLst>
+                                      </p:cBhvr>
+                                      <p:tavLst>
+                                        <p:tav tm="0">
+                                          <p:val>
+                                            <p:strVal val="#ppt_x"/>
+                                          </p:val>
+                                        </p:tav>
+                                        <p:tav tm="100000">
+                                          <p:val>
+                                            <p:strVal val="#ppt_x"/>
+                                          </p:val>
+                                        </p:tav>
+                                      </p:tavLst>
+                                    </p:anim>
+                                    <p:anim calcmode="lin" valueType="num">
+                                      <p:cBhvr additive="base">
+                                        <p:cTn id="20" dur="500" fill="hold"/>
+                                        <p:tgtEl>
+                                          <p:spTgt spid="6"/>
+                                        </p:tgtEl>
+                                        <p:attrNameLst>
+                                          <p:attrName>ppt_y</p:attrName>
+                                        </p:attrNameLst>
+                                      </p:cBhvr>
+                                      <p:tavLst>
+                                        <p:tav tm="0">
+                                          <p:val>
+                                            <p:strVal val="1+#ppt_h/2"/>
+                                          </p:val>
+                                        </p:tav>
+                                        <p:tav tm="100000">
+                                          <p:val>
+                                            <p:strVal val="#ppt_y"/>
+                                          </p:val>
+                                        </p:tav>
+                                      </p:tavLst>
+                                    </p:anim>
+                                  </p:childTnLst>
+                                </p:cTn>
+                              </p:par>
+                            </p:childTnLst>
+                          </p:cTn>
+                        </p:par>
+                      </p:childTnLst>
+                    </p:cTn>
+                  </p:par>
+                </p:childTnLst>
+              </p:cTn>
+              <p:prevCondLst>
+                <p:cond evt="onPrev" delay="0">
+                  <p:tgtEl>
+                    <p:sldTgt/>
+                  </p:tgtEl>
+                </p:cond>
+              </p:prevCondLst>
+              <p:nextCondLst>
+                <p:cond evt="onNext" delay="0">
+                  <p:tgtEl>
+                    <p:sldTgt/>
+                  </p:tgtEl>
+                </p:cond>
+              </p:nextCondLst>
+            </p:seq>
+          </p:childTnLst>
+        </p:cTn>
+      </p:par>
+    </p:tnLst>
+    <p:bldLst>
+      <p:bldP spid="2" grpId="0"/>
+      <p:bldP spid="3" grpId="0"/>
+      <p:bldP spid="6" grpId="0"/>
+    </p:bldLst>
+  </p:timing>
 </p:sld>
 </file>
 
-<file path=ppt/slides/slide14.xml><?xml version="1.0" encoding="utf-8"?>
+<file path=ppt/slides/slide12.xml><?xml version="1.0" encoding="utf-8"?>
 <p:sld xmlns:a="http://schemas.openxmlformats.org/drawingml/2006/main" xmlns:r="http://schemas.openxmlformats.org/officeDocument/2006/relationships" xmlns:p="http://schemas.openxmlformats.org/presentationml/2006/main">
   <p:cSld>
     <p:spTree>
@@ -6766,7 +6407,7 @@
                 </a:solidFill>
                 <a:latin typeface="Times New Roman" pitchFamily="18" charset="0"/>
               </a:rPr>
-              <a:t>Slicing and Dicing Spreadsheets</a:t>
+              <a:t>Slicing and Dicing Data</a:t>
             </a:r>
           </a:p>
         </p:txBody>
@@ -6774,7 +6415,7 @@
     </p:spTree>
     <p:extLst>
       <p:ext uri="{BB962C8B-B14F-4D97-AF65-F5344CB8AC3E}">
-        <p14:creationId xmlns:p14="http://schemas.microsoft.com/office/powerpoint/2010/main" val="3261741665"/>
+        <p14:creationId xmlns:p14="http://schemas.microsoft.com/office/powerpoint/2010/main" val="387816696"/>
       </p:ext>
     </p:extLst>
   </p:cSld>
@@ -6784,7 +6425,7 @@
 </p:sld>
 </file>
 
-<file path=ppt/slides/slide15.xml><?xml version="1.0" encoding="utf-8"?>
+<file path=ppt/slides/slide13.xml><?xml version="1.0" encoding="utf-8"?>
 <p:sld xmlns:a="http://schemas.openxmlformats.org/drawingml/2006/main" xmlns:r="http://schemas.openxmlformats.org/officeDocument/2006/relationships" xmlns:p="http://schemas.openxmlformats.org/presentationml/2006/main">
   <p:cSld>
     <p:spTree>
@@ -6920,7 +6561,7 @@
                 </a:solidFill>
                 <a:latin typeface="Times New Roman" pitchFamily="18" charset="0"/>
               </a:rPr>
-              <a:t>Slicing and Dicing Spreadsheets</a:t>
+              <a:t>Slicing and Dicing Data</a:t>
             </a:r>
           </a:p>
         </p:txBody>
@@ -6928,7 +6569,927 @@
     </p:spTree>
     <p:extLst>
       <p:ext uri="{BB962C8B-B14F-4D97-AF65-F5344CB8AC3E}">
-        <p14:creationId xmlns:p14="http://schemas.microsoft.com/office/powerpoint/2010/main" val="2644586837"/>
+        <p14:creationId xmlns:p14="http://schemas.microsoft.com/office/powerpoint/2010/main" val="3916420311"/>
+      </p:ext>
+    </p:extLst>
+  </p:cSld>
+  <p:clrMapOvr>
+    <a:masterClrMapping/>
+  </p:clrMapOvr>
+</p:sld>
+</file>
+
+<file path=ppt/slides/slide14.xml><?xml version="1.0" encoding="utf-8"?>
+<p:sld xmlns:a="http://schemas.openxmlformats.org/drawingml/2006/main" xmlns:r="http://schemas.openxmlformats.org/officeDocument/2006/relationships" xmlns:p="http://schemas.openxmlformats.org/presentationml/2006/main">
+  <p:cSld>
+    <p:spTree>
+      <p:nvGrpSpPr>
+        <p:cNvPr id="1" name=""/>
+        <p:cNvGrpSpPr/>
+        <p:nvPr/>
+      </p:nvGrpSpPr>
+      <p:grpSpPr>
+        <a:xfrm>
+          <a:off x="0" y="0"/>
+          <a:ext cx="0" cy="0"/>
+          <a:chOff x="0" y="0"/>
+          <a:chExt cx="0" cy="0"/>
+        </a:xfrm>
+      </p:grpSpPr>
+      <p:sp>
+        <p:nvSpPr>
+          <p:cNvPr id="11266" name="Rectangle 5"/>
+          <p:cNvSpPr>
+            <a:spLocks noChangeArrowheads="1"/>
+          </p:cNvSpPr>
+          <p:nvPr/>
+        </p:nvSpPr>
+        <p:spPr bwMode="auto">
+          <a:xfrm>
+            <a:off x="228600" y="1307413"/>
+            <a:ext cx="8686800" cy="3366189"/>
+          </a:xfrm>
+          <a:prstGeom prst="rect">
+            <a:avLst/>
+          </a:prstGeom>
+          <a:noFill/>
+          <a:ln w="9525">
+            <a:noFill/>
+            <a:round/>
+            <a:headEnd/>
+            <a:tailEnd/>
+          </a:ln>
+        </p:spPr>
+        <p:txBody>
+          <a:bodyPr lIns="0" tIns="0" rIns="0" bIns="0"/>
+          <a:lstStyle/>
+          <a:p>
+            <a:pPr marL="430213" indent="-323850">
+              <a:spcBef>
+                <a:spcPts val="800"/>
+              </a:spcBef>
+              <a:buClr>
+                <a:srgbClr val="000000"/>
+              </a:buClr>
+              <a:buSzPct val="100000"/>
+              <a:buFont typeface="Arial" charset="0"/>
+              <a:buNone/>
+              <a:tabLst>
+                <a:tab pos="430213" algn="l"/>
+                <a:tab pos="1344613" algn="l"/>
+                <a:tab pos="2259013" algn="l"/>
+                <a:tab pos="3173413" algn="l"/>
+                <a:tab pos="4087813" algn="l"/>
+                <a:tab pos="5002213" algn="l"/>
+                <a:tab pos="5916613" algn="l"/>
+                <a:tab pos="6831013" algn="l"/>
+                <a:tab pos="7745413" algn="l"/>
+                <a:tab pos="8659813" algn="l"/>
+                <a:tab pos="9574213" algn="l"/>
+                <a:tab pos="10488613" algn="l"/>
+              </a:tabLst>
+            </a:pPr>
+            <a:endParaRPr lang="en-GB" sz="1200" dirty="0">
+              <a:solidFill>
+                <a:srgbClr val="000000"/>
+              </a:solidFill>
+              <a:latin typeface="Times New Roman" pitchFamily="18" charset="0"/>
+            </a:endParaRPr>
+          </a:p>
+          <a:p>
+            <a:pPr marL="887413" lvl="1" indent="-323850">
+              <a:spcBef>
+                <a:spcPts val="800"/>
+              </a:spcBef>
+              <a:buClr>
+                <a:srgbClr val="000000"/>
+              </a:buClr>
+              <a:buSzPct val="100000"/>
+              <a:buFont typeface="Arial"/>
+              <a:buChar char="•"/>
+              <a:tabLst>
+                <a:tab pos="430213" algn="l"/>
+                <a:tab pos="1344613" algn="l"/>
+                <a:tab pos="2259013" algn="l"/>
+                <a:tab pos="3173413" algn="l"/>
+                <a:tab pos="4087813" algn="l"/>
+                <a:tab pos="5002213" algn="l"/>
+                <a:tab pos="5916613" algn="l"/>
+                <a:tab pos="6831013" algn="l"/>
+                <a:tab pos="7745413" algn="l"/>
+                <a:tab pos="8659813" algn="l"/>
+                <a:tab pos="9574213" algn="l"/>
+                <a:tab pos="10488613" algn="l"/>
+              </a:tabLst>
+            </a:pPr>
+            <a:r>
+              <a:rPr lang="en-GB" sz="4000" dirty="0">
+                <a:solidFill>
+                  <a:srgbClr val="000000"/>
+                </a:solidFill>
+                <a:latin typeface="Times New Roman" pitchFamily="18" charset="0"/>
+              </a:rPr>
+              <a:t>Input from Excel</a:t>
+            </a:r>
+          </a:p>
+          <a:p>
+            <a:pPr marL="1344613" lvl="2" indent="-323850">
+              <a:spcBef>
+                <a:spcPts val="800"/>
+              </a:spcBef>
+              <a:buClr>
+                <a:srgbClr val="000000"/>
+              </a:buClr>
+              <a:buSzPct val="100000"/>
+              <a:buFont typeface="Arial"/>
+              <a:buChar char="•"/>
+              <a:tabLst>
+                <a:tab pos="430213" algn="l"/>
+                <a:tab pos="1344613" algn="l"/>
+                <a:tab pos="2259013" algn="l"/>
+                <a:tab pos="3173413" algn="l"/>
+                <a:tab pos="4087813" algn="l"/>
+                <a:tab pos="5002213" algn="l"/>
+                <a:tab pos="5916613" algn="l"/>
+                <a:tab pos="6831013" algn="l"/>
+                <a:tab pos="7745413" algn="l"/>
+                <a:tab pos="8659813" algn="l"/>
+                <a:tab pos="9574213" algn="l"/>
+                <a:tab pos="10488613" algn="l"/>
+              </a:tabLst>
+            </a:pPr>
+            <a:r>
+              <a:rPr lang="en-GB" sz="3600" dirty="0">
+                <a:solidFill>
+                  <a:srgbClr val="000000"/>
+                </a:solidFill>
+                <a:latin typeface="Times New Roman" pitchFamily="18" charset="0"/>
+              </a:rPr>
+              <a:t>Save spreadsheet as a CSV file</a:t>
+            </a:r>
+          </a:p>
+          <a:p>
+            <a:pPr marL="1801813" lvl="3" indent="-323850">
+              <a:spcBef>
+                <a:spcPts val="800"/>
+              </a:spcBef>
+              <a:buClr>
+                <a:srgbClr val="000000"/>
+              </a:buClr>
+              <a:buSzPct val="100000"/>
+              <a:buFont typeface="Arial"/>
+              <a:buChar char="•"/>
+              <a:tabLst>
+                <a:tab pos="430213" algn="l"/>
+                <a:tab pos="1344613" algn="l"/>
+                <a:tab pos="2259013" algn="l"/>
+                <a:tab pos="3173413" algn="l"/>
+                <a:tab pos="4087813" algn="l"/>
+                <a:tab pos="5002213" algn="l"/>
+                <a:tab pos="5916613" algn="l"/>
+                <a:tab pos="6831013" algn="l"/>
+                <a:tab pos="7745413" algn="l"/>
+                <a:tab pos="8659813" algn="l"/>
+                <a:tab pos="9574213" algn="l"/>
+                <a:tab pos="10488613" algn="l"/>
+              </a:tabLst>
+            </a:pPr>
+            <a:r>
+              <a:rPr lang="en-GB" sz="3200" dirty="0">
+                <a:solidFill>
+                  <a:srgbClr val="000000"/>
+                </a:solidFill>
+                <a:latin typeface="Times New Roman" pitchFamily="18" charset="0"/>
+              </a:rPr>
+              <a:t>A .csv file is just a text version of an Excel file</a:t>
+            </a:r>
+          </a:p>
+          <a:p>
+            <a:pPr marL="1801813" lvl="3" indent="-323850">
+              <a:spcBef>
+                <a:spcPts val="800"/>
+              </a:spcBef>
+              <a:buClr>
+                <a:srgbClr val="000000"/>
+              </a:buClr>
+              <a:buSzPct val="100000"/>
+              <a:buFont typeface="Arial"/>
+              <a:buChar char="•"/>
+              <a:tabLst>
+                <a:tab pos="430213" algn="l"/>
+                <a:tab pos="1344613" algn="l"/>
+                <a:tab pos="2259013" algn="l"/>
+                <a:tab pos="3173413" algn="l"/>
+                <a:tab pos="4087813" algn="l"/>
+                <a:tab pos="5002213" algn="l"/>
+                <a:tab pos="5916613" algn="l"/>
+                <a:tab pos="6831013" algn="l"/>
+                <a:tab pos="7745413" algn="l"/>
+                <a:tab pos="8659813" algn="l"/>
+                <a:tab pos="9574213" algn="l"/>
+                <a:tab pos="10488613" algn="l"/>
+              </a:tabLst>
+            </a:pPr>
+            <a:r>
+              <a:rPr lang="en-GB" sz="3200" dirty="0">
+                <a:solidFill>
+                  <a:srgbClr val="000000"/>
+                </a:solidFill>
+                <a:latin typeface="Times New Roman" pitchFamily="18" charset="0"/>
+              </a:rPr>
+              <a:t>We’ll use the </a:t>
+            </a:r>
+            <a:r>
+              <a:rPr lang="en-GB" sz="3200" b="1" dirty="0" err="1">
+                <a:solidFill>
+                  <a:srgbClr val="000000"/>
+                </a:solidFill>
+                <a:latin typeface="Times New Roman" pitchFamily="18" charset="0"/>
+              </a:rPr>
+              <a:t>read.csv</a:t>
+            </a:r>
+            <a:r>
+              <a:rPr lang="en-GB" sz="3200" b="1" dirty="0">
+                <a:solidFill>
+                  <a:srgbClr val="000000"/>
+                </a:solidFill>
+                <a:latin typeface="Times New Roman" pitchFamily="18" charset="0"/>
+              </a:rPr>
+              <a:t> </a:t>
+            </a:r>
+            <a:r>
+              <a:rPr lang="en-GB" sz="3200" dirty="0">
+                <a:solidFill>
+                  <a:srgbClr val="000000"/>
+                </a:solidFill>
+                <a:latin typeface="Times New Roman" pitchFamily="18" charset="0"/>
+              </a:rPr>
+              <a:t>function</a:t>
+            </a:r>
+          </a:p>
+        </p:txBody>
+      </p:sp>
+      <p:sp>
+        <p:nvSpPr>
+          <p:cNvPr id="25603" name="Rectangle 4"/>
+          <p:cNvSpPr>
+            <a:spLocks noChangeArrowheads="1"/>
+          </p:cNvSpPr>
+          <p:nvPr/>
+        </p:nvSpPr>
+        <p:spPr bwMode="auto">
+          <a:xfrm>
+            <a:off x="231775" y="332601"/>
+            <a:ext cx="8607425" cy="1127125"/>
+          </a:xfrm>
+          <a:prstGeom prst="rect">
+            <a:avLst/>
+          </a:prstGeom>
+          <a:noFill/>
+          <a:ln w="9525">
+            <a:noFill/>
+            <a:round/>
+            <a:headEnd/>
+            <a:tailEnd/>
+          </a:ln>
+        </p:spPr>
+        <p:txBody>
+          <a:bodyPr lIns="0" tIns="0" rIns="0" bIns="0" anchor="ctr"/>
+          <a:lstStyle/>
+          <a:p>
+            <a:pPr algn="ctr">
+              <a:buClr>
+                <a:srgbClr val="000000"/>
+              </a:buClr>
+              <a:buSzPct val="100000"/>
+              <a:buFont typeface="Times New Roman" pitchFamily="18" charset="0"/>
+              <a:buNone/>
+              <a:tabLst>
+                <a:tab pos="0" algn="l"/>
+                <a:tab pos="914400" algn="l"/>
+                <a:tab pos="1828800" algn="l"/>
+                <a:tab pos="2743200" algn="l"/>
+                <a:tab pos="3657600" algn="l"/>
+                <a:tab pos="4572000" algn="l"/>
+                <a:tab pos="5486400" algn="l"/>
+                <a:tab pos="6400800" algn="l"/>
+                <a:tab pos="7315200" algn="l"/>
+                <a:tab pos="8229600" algn="l"/>
+                <a:tab pos="9144000" algn="l"/>
+                <a:tab pos="10058400" algn="l"/>
+              </a:tabLst>
+            </a:pPr>
+            <a:r>
+              <a:rPr lang="en-GB" sz="4000" dirty="0">
+                <a:solidFill>
+                  <a:srgbClr val="000000"/>
+                </a:solidFill>
+                <a:latin typeface="Times New Roman" pitchFamily="18" charset="0"/>
+              </a:rPr>
+              <a:t>How to Load Spreadsheets of Data:</a:t>
+            </a:r>
+          </a:p>
+        </p:txBody>
+      </p:sp>
+      <p:pic>
+        <p:nvPicPr>
+          <p:cNvPr id="14" name="Picture 2"/>
+          <p:cNvPicPr>
+            <a:picLocks noChangeAspect="1" noChangeArrowheads="1"/>
+          </p:cNvPicPr>
+          <p:nvPr/>
+        </p:nvPicPr>
+        <p:blipFill>
+          <a:blip r:embed="rId2" cstate="print"/>
+          <a:srcRect/>
+          <a:stretch>
+            <a:fillRect/>
+          </a:stretch>
+        </p:blipFill>
+        <p:spPr bwMode="auto">
+          <a:xfrm>
+            <a:off x="484188" y="76200"/>
+            <a:ext cx="8202612" cy="239712"/>
+          </a:xfrm>
+          <a:prstGeom prst="rect">
+            <a:avLst/>
+          </a:prstGeom>
+          <a:noFill/>
+          <a:ln w="9525">
+            <a:noFill/>
+            <a:round/>
+            <a:headEnd/>
+            <a:tailEnd/>
+          </a:ln>
+        </p:spPr>
+      </p:pic>
+    </p:spTree>
+    <p:extLst>
+      <p:ext uri="{BB962C8B-B14F-4D97-AF65-F5344CB8AC3E}">
+        <p14:creationId xmlns:p14="http://schemas.microsoft.com/office/powerpoint/2010/main" val="3901607305"/>
+      </p:ext>
+    </p:extLst>
+  </p:cSld>
+  <p:clrMapOvr>
+    <a:masterClrMapping/>
+  </p:clrMapOvr>
+</p:sld>
+</file>
+
+<file path=ppt/slides/slide15.xml><?xml version="1.0" encoding="utf-8"?>
+<p:sld xmlns:a="http://schemas.openxmlformats.org/drawingml/2006/main" xmlns:r="http://schemas.openxmlformats.org/officeDocument/2006/relationships" xmlns:p="http://schemas.openxmlformats.org/presentationml/2006/main">
+  <p:cSld>
+    <p:spTree>
+      <p:nvGrpSpPr>
+        <p:cNvPr id="1" name=""/>
+        <p:cNvGrpSpPr/>
+        <p:nvPr/>
+      </p:nvGrpSpPr>
+      <p:grpSpPr>
+        <a:xfrm>
+          <a:off x="0" y="0"/>
+          <a:ext cx="0" cy="0"/>
+          <a:chOff x="0" y="0"/>
+          <a:chExt cx="0" cy="0"/>
+        </a:xfrm>
+      </p:grpSpPr>
+      <p:sp>
+        <p:nvSpPr>
+          <p:cNvPr id="2" name="Rectangle 5">
+            <a:extLst>
+              <a:ext uri="{FF2B5EF4-FFF2-40B4-BE49-F238E27FC236}">
+                <a16:creationId xmlns:a16="http://schemas.microsoft.com/office/drawing/2014/main" id="{91E7B117-D0CB-49EC-AF46-979BCA1100AB}"/>
+              </a:ext>
+            </a:extLst>
+          </p:cNvPr>
+          <p:cNvSpPr>
+            <a:spLocks noChangeArrowheads="1"/>
+          </p:cNvSpPr>
+          <p:nvPr/>
+        </p:nvSpPr>
+        <p:spPr bwMode="auto">
+          <a:xfrm>
+            <a:off x="228600" y="1104211"/>
+            <a:ext cx="8686800" cy="3467789"/>
+          </a:xfrm>
+          <a:prstGeom prst="rect">
+            <a:avLst/>
+          </a:prstGeom>
+          <a:noFill/>
+          <a:ln w="9525">
+            <a:noFill/>
+            <a:round/>
+            <a:headEnd/>
+            <a:tailEnd/>
+          </a:ln>
+        </p:spPr>
+        <p:txBody>
+          <a:bodyPr lIns="0" tIns="0" rIns="0" bIns="0"/>
+          <a:lstStyle/>
+          <a:p>
+            <a:pPr marL="430213" indent="-323850">
+              <a:spcBef>
+                <a:spcPts val="800"/>
+              </a:spcBef>
+              <a:buClr>
+                <a:srgbClr val="000000"/>
+              </a:buClr>
+              <a:buSzPct val="100000"/>
+              <a:buFont typeface="Arial" charset="0"/>
+              <a:buNone/>
+              <a:tabLst>
+                <a:tab pos="430213" algn="l"/>
+                <a:tab pos="1344613" algn="l"/>
+                <a:tab pos="2259013" algn="l"/>
+                <a:tab pos="3173413" algn="l"/>
+                <a:tab pos="4087813" algn="l"/>
+                <a:tab pos="5002213" algn="l"/>
+                <a:tab pos="5916613" algn="l"/>
+                <a:tab pos="6831013" algn="l"/>
+                <a:tab pos="7745413" algn="l"/>
+                <a:tab pos="8659813" algn="l"/>
+                <a:tab pos="9574213" algn="l"/>
+                <a:tab pos="10488613" algn="l"/>
+              </a:tabLst>
+            </a:pPr>
+            <a:endParaRPr lang="en-GB" sz="1200" dirty="0">
+              <a:solidFill>
+                <a:srgbClr val="000000"/>
+              </a:solidFill>
+              <a:latin typeface="Times New Roman" pitchFamily="18" charset="0"/>
+            </a:endParaRPr>
+          </a:p>
+          <a:p>
+            <a:pPr marL="887413" lvl="1" indent="-323850">
+              <a:spcBef>
+                <a:spcPts val="800"/>
+              </a:spcBef>
+              <a:buClr>
+                <a:srgbClr val="000000"/>
+              </a:buClr>
+              <a:buSzPct val="100000"/>
+              <a:buFont typeface="Arial"/>
+              <a:buChar char="•"/>
+              <a:tabLst>
+                <a:tab pos="430213" algn="l"/>
+                <a:tab pos="1344613" algn="l"/>
+                <a:tab pos="2259013" algn="l"/>
+                <a:tab pos="3173413" algn="l"/>
+                <a:tab pos="4087813" algn="l"/>
+                <a:tab pos="5002213" algn="l"/>
+                <a:tab pos="5916613" algn="l"/>
+                <a:tab pos="6831013" algn="l"/>
+                <a:tab pos="7745413" algn="l"/>
+                <a:tab pos="8659813" algn="l"/>
+                <a:tab pos="9574213" algn="l"/>
+                <a:tab pos="10488613" algn="l"/>
+              </a:tabLst>
+            </a:pPr>
+            <a:r>
+              <a:rPr lang="en-GB" sz="4000" dirty="0">
+                <a:solidFill>
+                  <a:srgbClr val="000000"/>
+                </a:solidFill>
+                <a:latin typeface="Times New Roman" pitchFamily="18" charset="0"/>
+              </a:rPr>
+              <a:t>Input from Excel</a:t>
+            </a:r>
+          </a:p>
+          <a:p>
+            <a:pPr marL="1344613" lvl="2" indent="-323850">
+              <a:spcBef>
+                <a:spcPts val="800"/>
+              </a:spcBef>
+              <a:buClr>
+                <a:srgbClr val="000000"/>
+              </a:buClr>
+              <a:buSzPct val="100000"/>
+              <a:buFont typeface="Arial"/>
+              <a:buChar char="•"/>
+              <a:tabLst>
+                <a:tab pos="430213" algn="l"/>
+                <a:tab pos="1344613" algn="l"/>
+                <a:tab pos="2259013" algn="l"/>
+                <a:tab pos="3173413" algn="l"/>
+                <a:tab pos="4087813" algn="l"/>
+                <a:tab pos="5002213" algn="l"/>
+                <a:tab pos="5916613" algn="l"/>
+                <a:tab pos="6831013" algn="l"/>
+                <a:tab pos="7745413" algn="l"/>
+                <a:tab pos="8659813" algn="l"/>
+                <a:tab pos="9574213" algn="l"/>
+                <a:tab pos="10488613" algn="l"/>
+              </a:tabLst>
+            </a:pPr>
+            <a:r>
+              <a:rPr lang="en-GB" sz="3200" b="1" dirty="0">
+                <a:solidFill>
+                  <a:srgbClr val="000000"/>
+                </a:solidFill>
+                <a:latin typeface="Times New Roman" pitchFamily="18" charset="0"/>
+              </a:rPr>
+              <a:t>Method easiest for class</a:t>
+            </a:r>
+            <a:r>
+              <a:rPr lang="en-GB" sz="3200" dirty="0">
+                <a:solidFill>
+                  <a:srgbClr val="000000"/>
+                </a:solidFill>
+                <a:latin typeface="Times New Roman" pitchFamily="18" charset="0"/>
+              </a:rPr>
+              <a:t>: We can load in a file directly from the internet using its </a:t>
+            </a:r>
+            <a:r>
+              <a:rPr lang="en-GB" sz="3200" dirty="0">
+                <a:solidFill>
+                  <a:srgbClr val="00B050"/>
+                </a:solidFill>
+                <a:latin typeface="Times New Roman" pitchFamily="18" charset="0"/>
+              </a:rPr>
+              <a:t>URL address</a:t>
+            </a:r>
+            <a:r>
+              <a:rPr lang="en-GB" sz="3200" dirty="0">
+                <a:solidFill>
+                  <a:srgbClr val="000000"/>
+                </a:solidFill>
+                <a:latin typeface="Times New Roman" pitchFamily="18" charset="0"/>
+              </a:rPr>
+              <a:t> (if we have a working internet connection):</a:t>
+            </a:r>
+          </a:p>
+          <a:p>
+            <a:pPr marL="1344613" lvl="2" indent="-323850">
+              <a:spcBef>
+                <a:spcPts val="800"/>
+              </a:spcBef>
+              <a:buClr>
+                <a:srgbClr val="000000"/>
+              </a:buClr>
+              <a:buSzPct val="100000"/>
+              <a:buFont typeface="Arial"/>
+              <a:buChar char="•"/>
+              <a:tabLst>
+                <a:tab pos="430213" algn="l"/>
+                <a:tab pos="1344613" algn="l"/>
+                <a:tab pos="2259013" algn="l"/>
+                <a:tab pos="3173413" algn="l"/>
+                <a:tab pos="4087813" algn="l"/>
+                <a:tab pos="5002213" algn="l"/>
+                <a:tab pos="5916613" algn="l"/>
+                <a:tab pos="6831013" algn="l"/>
+                <a:tab pos="7745413" algn="l"/>
+                <a:tab pos="8659813" algn="l"/>
+                <a:tab pos="9574213" algn="l"/>
+                <a:tab pos="10488613" algn="l"/>
+              </a:tabLst>
+            </a:pPr>
+            <a:endParaRPr lang="en-GB" sz="3200" dirty="0">
+              <a:solidFill>
+                <a:srgbClr val="000000"/>
+              </a:solidFill>
+              <a:latin typeface="Times New Roman" pitchFamily="18" charset="0"/>
+            </a:endParaRPr>
+          </a:p>
+        </p:txBody>
+      </p:sp>
+      <p:sp>
+        <p:nvSpPr>
+          <p:cNvPr id="3" name="Rectangle 4">
+            <a:extLst>
+              <a:ext uri="{FF2B5EF4-FFF2-40B4-BE49-F238E27FC236}">
+                <a16:creationId xmlns:a16="http://schemas.microsoft.com/office/drawing/2014/main" id="{94AECD30-1CEA-46DB-9FB7-F711EA12D97F}"/>
+              </a:ext>
+            </a:extLst>
+          </p:cNvPr>
+          <p:cNvSpPr>
+            <a:spLocks noChangeArrowheads="1"/>
+          </p:cNvSpPr>
+          <p:nvPr/>
+        </p:nvSpPr>
+        <p:spPr bwMode="auto">
+          <a:xfrm>
+            <a:off x="231775" y="332601"/>
+            <a:ext cx="8607425" cy="1127125"/>
+          </a:xfrm>
+          <a:prstGeom prst="rect">
+            <a:avLst/>
+          </a:prstGeom>
+          <a:noFill/>
+          <a:ln w="9525">
+            <a:noFill/>
+            <a:round/>
+            <a:headEnd/>
+            <a:tailEnd/>
+          </a:ln>
+        </p:spPr>
+        <p:txBody>
+          <a:bodyPr lIns="0" tIns="0" rIns="0" bIns="0" anchor="ctr"/>
+          <a:lstStyle/>
+          <a:p>
+            <a:pPr algn="ctr">
+              <a:buClr>
+                <a:srgbClr val="000000"/>
+              </a:buClr>
+              <a:buSzPct val="100000"/>
+              <a:buFont typeface="Times New Roman" pitchFamily="18" charset="0"/>
+              <a:buNone/>
+              <a:tabLst>
+                <a:tab pos="0" algn="l"/>
+                <a:tab pos="914400" algn="l"/>
+                <a:tab pos="1828800" algn="l"/>
+                <a:tab pos="2743200" algn="l"/>
+                <a:tab pos="3657600" algn="l"/>
+                <a:tab pos="4572000" algn="l"/>
+                <a:tab pos="5486400" algn="l"/>
+                <a:tab pos="6400800" algn="l"/>
+                <a:tab pos="7315200" algn="l"/>
+                <a:tab pos="8229600" algn="l"/>
+                <a:tab pos="9144000" algn="l"/>
+                <a:tab pos="10058400" algn="l"/>
+              </a:tabLst>
+            </a:pPr>
+            <a:r>
+              <a:rPr lang="en-GB" sz="4000" dirty="0">
+                <a:solidFill>
+                  <a:srgbClr val="000000"/>
+                </a:solidFill>
+                <a:latin typeface="Times New Roman" pitchFamily="18" charset="0"/>
+              </a:rPr>
+              <a:t>How to Load Spreadsheets of Data:</a:t>
+            </a:r>
+          </a:p>
+        </p:txBody>
+      </p:sp>
+      <p:pic>
+        <p:nvPicPr>
+          <p:cNvPr id="4" name="Picture 2">
+            <a:extLst>
+              <a:ext uri="{FF2B5EF4-FFF2-40B4-BE49-F238E27FC236}">
+                <a16:creationId xmlns:a16="http://schemas.microsoft.com/office/drawing/2014/main" id="{731FD6D4-ABDF-4D8F-AC2A-888F0D4EC5B9}"/>
+              </a:ext>
+            </a:extLst>
+          </p:cNvPr>
+          <p:cNvPicPr>
+            <a:picLocks noChangeAspect="1" noChangeArrowheads="1"/>
+          </p:cNvPicPr>
+          <p:nvPr/>
+        </p:nvPicPr>
+        <p:blipFill>
+          <a:blip r:embed="rId2" cstate="print"/>
+          <a:srcRect/>
+          <a:stretch>
+            <a:fillRect/>
+          </a:stretch>
+        </p:blipFill>
+        <p:spPr bwMode="auto">
+          <a:xfrm>
+            <a:off x="484188" y="76200"/>
+            <a:ext cx="8202612" cy="239712"/>
+          </a:xfrm>
+          <a:prstGeom prst="rect">
+            <a:avLst/>
+          </a:prstGeom>
+          <a:noFill/>
+          <a:ln w="9525">
+            <a:noFill/>
+            <a:round/>
+            <a:headEnd/>
+            <a:tailEnd/>
+          </a:ln>
+        </p:spPr>
+      </p:pic>
+      <p:sp>
+        <p:nvSpPr>
+          <p:cNvPr id="6" name="Rectangle 5">
+            <a:extLst>
+              <a:ext uri="{FF2B5EF4-FFF2-40B4-BE49-F238E27FC236}">
+                <a16:creationId xmlns:a16="http://schemas.microsoft.com/office/drawing/2014/main" id="{CA083E16-7BA4-474C-8727-392FDF517109}"/>
+              </a:ext>
+            </a:extLst>
+          </p:cNvPr>
+          <p:cNvSpPr/>
+          <p:nvPr/>
+        </p:nvSpPr>
+        <p:spPr>
+          <a:xfrm>
+            <a:off x="152400" y="4196185"/>
+            <a:ext cx="8867421" cy="2062103"/>
+          </a:xfrm>
+          <a:prstGeom prst="rect">
+            <a:avLst/>
+          </a:prstGeom>
+          <a:solidFill>
+            <a:srgbClr val="000C78"/>
+          </a:solidFill>
+        </p:spPr>
+        <p:txBody>
+          <a:bodyPr wrap="square">
+            <a:spAutoFit/>
+          </a:bodyPr>
+          <a:lstStyle/>
+          <a:p>
+            <a:r>
+              <a:rPr lang="en-US" sz="1600" dirty="0">
+                <a:solidFill>
+                  <a:srgbClr val="FFFF00"/>
+                </a:solidFill>
+                <a:latin typeface="Courier"/>
+                <a:cs typeface="Courier"/>
+              </a:rPr>
+              <a:t># A file on the internet. Use it’s URL to load: </a:t>
+            </a:r>
+          </a:p>
+          <a:p>
+            <a:endParaRPr lang="en-US" sz="1600" dirty="0">
+              <a:solidFill>
+                <a:schemeClr val="bg1"/>
+              </a:solidFill>
+              <a:latin typeface="Courier"/>
+              <a:cs typeface="Courier"/>
+            </a:endParaRPr>
+          </a:p>
+          <a:p>
+            <a:r>
+              <a:rPr lang="en-US" sz="1600" dirty="0" err="1">
+                <a:solidFill>
+                  <a:schemeClr val="bg1"/>
+                </a:solidFill>
+                <a:latin typeface="Courier"/>
+                <a:cs typeface="Courier"/>
+              </a:rPr>
+              <a:t>dat</a:t>
+            </a:r>
+            <a:r>
+              <a:rPr lang="en-US" sz="1600" dirty="0">
+                <a:solidFill>
+                  <a:schemeClr val="bg1"/>
+                </a:solidFill>
+                <a:latin typeface="Courier"/>
+                <a:cs typeface="Courier"/>
+              </a:rPr>
+              <a:t> &lt;- </a:t>
+            </a:r>
+            <a:r>
+              <a:rPr lang="en-US" sz="1600" dirty="0" err="1">
+                <a:solidFill>
+                  <a:schemeClr val="bg1"/>
+                </a:solidFill>
+                <a:latin typeface="Courier"/>
+                <a:cs typeface="Courier"/>
+              </a:rPr>
+              <a:t>read.csv</a:t>
+            </a:r>
+            <a:r>
+              <a:rPr lang="en-US" sz="1600" dirty="0">
+                <a:solidFill>
+                  <a:schemeClr val="bg1"/>
+                </a:solidFill>
+                <a:latin typeface="Courier"/>
+                <a:cs typeface="Courier"/>
+              </a:rPr>
+              <a:t>(</a:t>
+            </a:r>
+            <a:r>
+              <a:rPr lang="en-US" sz="1600" dirty="0">
+                <a:solidFill>
+                  <a:srgbClr val="00B050"/>
+                </a:solidFill>
+                <a:latin typeface="Courier"/>
+                <a:cs typeface="Courier"/>
+              </a:rPr>
+              <a:t>"https://</a:t>
+            </a:r>
+            <a:r>
+              <a:rPr lang="en-US" sz="1600" dirty="0" err="1">
+                <a:solidFill>
+                  <a:srgbClr val="00B050"/>
+                </a:solidFill>
+                <a:latin typeface="Courier"/>
+                <a:cs typeface="Courier"/>
+              </a:rPr>
+              <a:t>raw.githubusercontent.com</a:t>
+            </a:r>
+            <a:r>
+              <a:rPr lang="en-US" sz="1600" dirty="0">
+                <a:solidFill>
+                  <a:srgbClr val="00B050"/>
+                </a:solidFill>
+                <a:latin typeface="Courier"/>
+                <a:cs typeface="Courier"/>
+              </a:rPr>
+              <a:t>/</a:t>
+            </a:r>
+            <a:r>
+              <a:rPr lang="en-US" sz="1600" dirty="0" err="1">
+                <a:solidFill>
+                  <a:srgbClr val="00B050"/>
+                </a:solidFill>
+                <a:latin typeface="Courier"/>
+                <a:cs typeface="Courier"/>
+              </a:rPr>
+              <a:t>npetraco</a:t>
+            </a:r>
+            <a:r>
+              <a:rPr lang="en-US" sz="1600" dirty="0">
+                <a:solidFill>
+                  <a:srgbClr val="00B050"/>
+                </a:solidFill>
+                <a:latin typeface="Courier"/>
+                <a:cs typeface="Courier"/>
+              </a:rPr>
+              <a:t>/workshop21/master/data/</a:t>
+            </a:r>
+            <a:r>
+              <a:rPr lang="en-US" sz="1600" dirty="0" err="1">
+                <a:solidFill>
+                  <a:srgbClr val="00B050"/>
+                </a:solidFill>
+                <a:latin typeface="Courier"/>
+                <a:cs typeface="Courier"/>
+              </a:rPr>
+              <a:t>bigdata.csv</a:t>
+            </a:r>
+            <a:r>
+              <a:rPr lang="en-US" sz="1600" dirty="0">
+                <a:solidFill>
+                  <a:srgbClr val="00B050"/>
+                </a:solidFill>
+                <a:latin typeface="Courier"/>
+                <a:cs typeface="Courier"/>
+              </a:rPr>
+              <a:t>"</a:t>
+            </a:r>
+            <a:r>
+              <a:rPr lang="en-US" sz="1600" dirty="0">
+                <a:solidFill>
+                  <a:schemeClr val="bg1"/>
+                </a:solidFill>
+                <a:latin typeface="Courier"/>
+                <a:cs typeface="Courier"/>
+              </a:rPr>
+              <a:t>, header = F)</a:t>
+            </a:r>
+          </a:p>
+          <a:p>
+            <a:endParaRPr lang="en-US" sz="1600" dirty="0">
+              <a:solidFill>
+                <a:schemeClr val="bg1"/>
+              </a:solidFill>
+              <a:latin typeface="Courier"/>
+              <a:cs typeface="Courier"/>
+            </a:endParaRPr>
+          </a:p>
+          <a:p>
+            <a:r>
+              <a:rPr lang="en-US" sz="1600" dirty="0">
+                <a:solidFill>
+                  <a:srgbClr val="FFFF00"/>
+                </a:solidFill>
+                <a:latin typeface="Courier"/>
+                <a:cs typeface="Courier"/>
+              </a:rPr>
+              <a:t># **check the datatype R thinks it loaded</a:t>
+            </a:r>
+          </a:p>
+          <a:p>
+            <a:r>
+              <a:rPr lang="en-US" sz="1600" dirty="0">
+                <a:solidFill>
+                  <a:schemeClr val="bg1"/>
+                </a:solidFill>
+                <a:latin typeface="Courier"/>
+                <a:cs typeface="Courier"/>
+              </a:rPr>
+              <a:t>class(</a:t>
+            </a:r>
+            <a:r>
+              <a:rPr lang="en-US" sz="1600" dirty="0" err="1">
+                <a:solidFill>
+                  <a:schemeClr val="bg1"/>
+                </a:solidFill>
+                <a:latin typeface="Courier"/>
+                <a:cs typeface="Courier"/>
+              </a:rPr>
+              <a:t>dat</a:t>
+            </a:r>
+            <a:r>
+              <a:rPr lang="en-US" sz="1600" dirty="0">
+                <a:solidFill>
+                  <a:schemeClr val="bg1"/>
+                </a:solidFill>
+                <a:latin typeface="Courier"/>
+                <a:cs typeface="Courier"/>
+              </a:rPr>
+              <a:t>)</a:t>
+            </a:r>
+          </a:p>
+        </p:txBody>
+      </p:sp>
+    </p:spTree>
+    <p:extLst>
+      <p:ext uri="{BB962C8B-B14F-4D97-AF65-F5344CB8AC3E}">
+        <p14:creationId xmlns:p14="http://schemas.microsoft.com/office/powerpoint/2010/main" val="3813128221"/>
       </p:ext>
     </p:extLst>
   </p:cSld>
@@ -6939,6 +7500,2215 @@
 </file>
 
 <file path=ppt/slides/slide16.xml><?xml version="1.0" encoding="utf-8"?>
+<p:sld xmlns:a="http://schemas.openxmlformats.org/drawingml/2006/main" xmlns:r="http://schemas.openxmlformats.org/officeDocument/2006/relationships" xmlns:p="http://schemas.openxmlformats.org/presentationml/2006/main">
+  <p:cSld>
+    <p:spTree>
+      <p:nvGrpSpPr>
+        <p:cNvPr id="1" name=""/>
+        <p:cNvGrpSpPr/>
+        <p:nvPr/>
+      </p:nvGrpSpPr>
+      <p:grpSpPr>
+        <a:xfrm>
+          <a:off x="0" y="0"/>
+          <a:ext cx="0" cy="0"/>
+          <a:chOff x="0" y="0"/>
+          <a:chExt cx="0" cy="0"/>
+        </a:xfrm>
+      </p:grpSpPr>
+      <p:sp>
+        <p:nvSpPr>
+          <p:cNvPr id="11266" name="Rectangle 5"/>
+          <p:cNvSpPr>
+            <a:spLocks noChangeArrowheads="1"/>
+          </p:cNvSpPr>
+          <p:nvPr/>
+        </p:nvSpPr>
+        <p:spPr bwMode="auto">
+          <a:xfrm>
+            <a:off x="228600" y="1298521"/>
+            <a:ext cx="8686800" cy="2895562"/>
+          </a:xfrm>
+          <a:prstGeom prst="rect">
+            <a:avLst/>
+          </a:prstGeom>
+          <a:noFill/>
+          <a:ln w="9525">
+            <a:noFill/>
+            <a:round/>
+            <a:headEnd/>
+            <a:tailEnd/>
+          </a:ln>
+        </p:spPr>
+        <p:txBody>
+          <a:bodyPr lIns="0" tIns="0" rIns="0" bIns="0"/>
+          <a:lstStyle/>
+          <a:p>
+            <a:pPr marL="887413" lvl="1" indent="-323850">
+              <a:spcBef>
+                <a:spcPts val="800"/>
+              </a:spcBef>
+              <a:buClr>
+                <a:srgbClr val="000000"/>
+              </a:buClr>
+              <a:buSzPct val="100000"/>
+              <a:buFont typeface="Arial"/>
+              <a:buChar char="•"/>
+              <a:tabLst>
+                <a:tab pos="430213" algn="l"/>
+                <a:tab pos="1344613" algn="l"/>
+                <a:tab pos="2259013" algn="l"/>
+                <a:tab pos="3173413" algn="l"/>
+                <a:tab pos="4087813" algn="l"/>
+                <a:tab pos="5002213" algn="l"/>
+                <a:tab pos="5916613" algn="l"/>
+                <a:tab pos="6831013" algn="l"/>
+                <a:tab pos="7745413" algn="l"/>
+                <a:tab pos="8659813" algn="l"/>
+                <a:tab pos="9574213" algn="l"/>
+                <a:tab pos="10488613" algn="l"/>
+              </a:tabLst>
+            </a:pPr>
+            <a:r>
+              <a:rPr lang="en-GB" sz="4000" dirty="0">
+                <a:solidFill>
+                  <a:srgbClr val="000000"/>
+                </a:solidFill>
+                <a:latin typeface="Times New Roman" pitchFamily="18" charset="0"/>
+              </a:rPr>
+              <a:t>Input from Excel</a:t>
+            </a:r>
+          </a:p>
+          <a:p>
+            <a:pPr marL="1344613" lvl="2" indent="-323850">
+              <a:spcBef>
+                <a:spcPts val="800"/>
+              </a:spcBef>
+              <a:buClr>
+                <a:srgbClr val="000000"/>
+              </a:buClr>
+              <a:buSzPct val="100000"/>
+              <a:buFont typeface="Arial"/>
+              <a:buChar char="•"/>
+              <a:tabLst>
+                <a:tab pos="430213" algn="l"/>
+                <a:tab pos="1344613" algn="l"/>
+                <a:tab pos="2259013" algn="l"/>
+                <a:tab pos="3173413" algn="l"/>
+                <a:tab pos="4087813" algn="l"/>
+                <a:tab pos="5002213" algn="l"/>
+                <a:tab pos="5916613" algn="l"/>
+                <a:tab pos="6831013" algn="l"/>
+                <a:tab pos="7745413" algn="l"/>
+                <a:tab pos="8659813" algn="l"/>
+                <a:tab pos="9574213" algn="l"/>
+                <a:tab pos="10488613" algn="l"/>
+              </a:tabLst>
+            </a:pPr>
+            <a:r>
+              <a:rPr lang="en-GB" sz="3200" dirty="0">
+                <a:solidFill>
+                  <a:srgbClr val="000000"/>
+                </a:solidFill>
+                <a:latin typeface="Times New Roman" pitchFamily="18" charset="0"/>
+              </a:rPr>
+              <a:t>Usually however you have a spreadsheet on your computer already as a CSV file</a:t>
+            </a:r>
+          </a:p>
+          <a:p>
+            <a:pPr marL="1801813" lvl="3" indent="-323850">
+              <a:spcBef>
+                <a:spcPts val="800"/>
+              </a:spcBef>
+              <a:buClr>
+                <a:srgbClr val="000000"/>
+              </a:buClr>
+              <a:buSzPct val="100000"/>
+              <a:buFont typeface="Arial"/>
+              <a:buChar char="•"/>
+              <a:tabLst>
+                <a:tab pos="430213" algn="l"/>
+                <a:tab pos="1344613" algn="l"/>
+                <a:tab pos="2259013" algn="l"/>
+                <a:tab pos="3173413" algn="l"/>
+                <a:tab pos="4087813" algn="l"/>
+                <a:tab pos="5002213" algn="l"/>
+                <a:tab pos="5916613" algn="l"/>
+                <a:tab pos="6831013" algn="l"/>
+                <a:tab pos="7745413" algn="l"/>
+                <a:tab pos="8659813" algn="l"/>
+                <a:tab pos="9574213" algn="l"/>
+                <a:tab pos="10488613" algn="l"/>
+              </a:tabLst>
+            </a:pPr>
+            <a:r>
+              <a:rPr lang="en-GB" sz="2800" dirty="0">
+                <a:solidFill>
+                  <a:srgbClr val="000000"/>
+                </a:solidFill>
+                <a:latin typeface="Times New Roman" pitchFamily="18" charset="0"/>
+              </a:rPr>
+              <a:t>You’ll need to type in the </a:t>
+            </a:r>
+            <a:r>
+              <a:rPr lang="en-GB" sz="2800" b="1" dirty="0">
+                <a:solidFill>
+                  <a:srgbClr val="000000"/>
+                </a:solidFill>
+                <a:latin typeface="Times New Roman" pitchFamily="18" charset="0"/>
+              </a:rPr>
+              <a:t>path</a:t>
+            </a:r>
+            <a:r>
+              <a:rPr lang="en-GB" sz="2800" dirty="0">
+                <a:solidFill>
+                  <a:srgbClr val="000000"/>
+                </a:solidFill>
+                <a:latin typeface="Times New Roman" pitchFamily="18" charset="0"/>
+              </a:rPr>
+              <a:t> to the file</a:t>
+            </a:r>
+            <a:r>
+              <a:rPr lang="en-GB" sz="3200" dirty="0">
+                <a:solidFill>
+                  <a:srgbClr val="000000"/>
+                </a:solidFill>
+                <a:latin typeface="Times New Roman" pitchFamily="18" charset="0"/>
+              </a:rPr>
+              <a:t> in </a:t>
+            </a:r>
+            <a:r>
+              <a:rPr lang="en-GB" sz="3200" dirty="0" err="1">
+                <a:solidFill>
+                  <a:srgbClr val="000000"/>
+                </a:solidFill>
+                <a:latin typeface="Times New Roman" pitchFamily="18" charset="0"/>
+              </a:rPr>
+              <a:t>read.csv</a:t>
+            </a:r>
+            <a:endParaRPr lang="en-GB" sz="3200" dirty="0">
+              <a:solidFill>
+                <a:srgbClr val="000000"/>
+              </a:solidFill>
+              <a:latin typeface="Times New Roman" pitchFamily="18" charset="0"/>
+            </a:endParaRPr>
+          </a:p>
+        </p:txBody>
+      </p:sp>
+      <p:sp>
+        <p:nvSpPr>
+          <p:cNvPr id="25603" name="Rectangle 4"/>
+          <p:cNvSpPr>
+            <a:spLocks noChangeArrowheads="1"/>
+          </p:cNvSpPr>
+          <p:nvPr/>
+        </p:nvSpPr>
+        <p:spPr bwMode="auto">
+          <a:xfrm>
+            <a:off x="231775" y="332601"/>
+            <a:ext cx="8607425" cy="1127125"/>
+          </a:xfrm>
+          <a:prstGeom prst="rect">
+            <a:avLst/>
+          </a:prstGeom>
+          <a:noFill/>
+          <a:ln w="9525">
+            <a:noFill/>
+            <a:round/>
+            <a:headEnd/>
+            <a:tailEnd/>
+          </a:ln>
+        </p:spPr>
+        <p:txBody>
+          <a:bodyPr lIns="0" tIns="0" rIns="0" bIns="0" anchor="ctr"/>
+          <a:lstStyle/>
+          <a:p>
+            <a:pPr algn="ctr">
+              <a:buClr>
+                <a:srgbClr val="000000"/>
+              </a:buClr>
+              <a:buSzPct val="100000"/>
+              <a:buFont typeface="Times New Roman" pitchFamily="18" charset="0"/>
+              <a:buNone/>
+              <a:tabLst>
+                <a:tab pos="0" algn="l"/>
+                <a:tab pos="914400" algn="l"/>
+                <a:tab pos="1828800" algn="l"/>
+                <a:tab pos="2743200" algn="l"/>
+                <a:tab pos="3657600" algn="l"/>
+                <a:tab pos="4572000" algn="l"/>
+                <a:tab pos="5486400" algn="l"/>
+                <a:tab pos="6400800" algn="l"/>
+                <a:tab pos="7315200" algn="l"/>
+                <a:tab pos="8229600" algn="l"/>
+                <a:tab pos="9144000" algn="l"/>
+                <a:tab pos="10058400" algn="l"/>
+              </a:tabLst>
+            </a:pPr>
+            <a:r>
+              <a:rPr lang="en-GB" sz="4000" dirty="0">
+                <a:solidFill>
+                  <a:srgbClr val="000000"/>
+                </a:solidFill>
+                <a:latin typeface="Times New Roman" pitchFamily="18" charset="0"/>
+              </a:rPr>
+              <a:t>How to Load </a:t>
+            </a:r>
+            <a:r>
+              <a:rPr lang="en-GB" sz="4000" dirty="0" err="1">
+                <a:solidFill>
+                  <a:srgbClr val="000000"/>
+                </a:solidFill>
+                <a:latin typeface="Times New Roman" pitchFamily="18" charset="0"/>
+              </a:rPr>
+              <a:t>Spreadsheets</a:t>
+            </a:r>
+            <a:r>
+              <a:rPr lang="en-GB" sz="4000" dirty="0">
+                <a:solidFill>
+                  <a:srgbClr val="000000"/>
+                </a:solidFill>
+                <a:latin typeface="Times New Roman" pitchFamily="18" charset="0"/>
+              </a:rPr>
+              <a:t> of Data:</a:t>
+            </a:r>
+          </a:p>
+        </p:txBody>
+      </p:sp>
+      <p:sp>
+        <p:nvSpPr>
+          <p:cNvPr id="8" name="TextBox 7"/>
+          <p:cNvSpPr txBox="1"/>
+          <p:nvPr/>
+        </p:nvSpPr>
+        <p:spPr>
+          <a:xfrm>
+            <a:off x="1066800" y="4719357"/>
+            <a:ext cx="7558479" cy="461665"/>
+          </a:xfrm>
+          <a:prstGeom prst="rect">
+            <a:avLst/>
+          </a:prstGeom>
+          <a:noFill/>
+        </p:spPr>
+        <p:txBody>
+          <a:bodyPr wrap="none" rtlCol="0">
+            <a:spAutoFit/>
+          </a:bodyPr>
+          <a:lstStyle/>
+          <a:p>
+            <a:r>
+              <a:rPr lang="en-US" sz="2400" dirty="0">
+                <a:latin typeface="Courier"/>
+                <a:cs typeface="Courier"/>
+              </a:rPr>
+              <a:t>"/Users/</a:t>
+            </a:r>
+            <a:r>
+              <a:rPr lang="en-US" sz="2400" dirty="0" err="1">
+                <a:latin typeface="Courier"/>
+                <a:cs typeface="Courier"/>
+              </a:rPr>
+              <a:t>npetraco</a:t>
+            </a:r>
+            <a:r>
+              <a:rPr lang="en-US" sz="2400" dirty="0">
+                <a:latin typeface="Courier"/>
+                <a:cs typeface="Courier"/>
+              </a:rPr>
+              <a:t>/latex/papers/data.csv"</a:t>
+            </a:r>
+          </a:p>
+        </p:txBody>
+      </p:sp>
+      <p:sp>
+        <p:nvSpPr>
+          <p:cNvPr id="9" name="Rectangle 8"/>
+          <p:cNvSpPr/>
+          <p:nvPr/>
+        </p:nvSpPr>
+        <p:spPr>
+          <a:xfrm>
+            <a:off x="1066800" y="4257692"/>
+            <a:ext cx="1338377" cy="461665"/>
+          </a:xfrm>
+          <a:prstGeom prst="rect">
+            <a:avLst/>
+          </a:prstGeom>
+        </p:spPr>
+        <p:txBody>
+          <a:bodyPr wrap="none">
+            <a:spAutoFit/>
+          </a:bodyPr>
+          <a:lstStyle/>
+          <a:p>
+            <a:r>
+              <a:rPr lang="en-GB" sz="2400" u="sng" dirty="0">
+                <a:solidFill>
+                  <a:srgbClr val="000000"/>
+                </a:solidFill>
+                <a:latin typeface="Times New Roman" pitchFamily="18" charset="0"/>
+              </a:rPr>
+              <a:t>Mac e.g.</a:t>
+            </a:r>
+            <a:r>
+              <a:rPr lang="en-GB" sz="2400" dirty="0">
+                <a:solidFill>
+                  <a:srgbClr val="000000"/>
+                </a:solidFill>
+                <a:latin typeface="Times New Roman" pitchFamily="18" charset="0"/>
+              </a:rPr>
+              <a:t>:</a:t>
+            </a:r>
+            <a:endParaRPr lang="en-US" sz="2400" dirty="0"/>
+          </a:p>
+        </p:txBody>
+      </p:sp>
+      <p:sp>
+        <p:nvSpPr>
+          <p:cNvPr id="10" name="TextBox 9"/>
+          <p:cNvSpPr txBox="1"/>
+          <p:nvPr/>
+        </p:nvSpPr>
+        <p:spPr>
+          <a:xfrm>
+            <a:off x="1064742" y="5660672"/>
+            <a:ext cx="7927170" cy="1200329"/>
+          </a:xfrm>
+          <a:prstGeom prst="rect">
+            <a:avLst/>
+          </a:prstGeom>
+          <a:noFill/>
+        </p:spPr>
+        <p:txBody>
+          <a:bodyPr wrap="none" rtlCol="0">
+            <a:spAutoFit/>
+          </a:bodyPr>
+          <a:lstStyle/>
+          <a:p>
+            <a:r>
+              <a:rPr lang="en-US" sz="2400" dirty="0">
+                <a:latin typeface="Courier"/>
+                <a:cs typeface="Courier"/>
+              </a:rPr>
+              <a:t>"C:\Users\npetraco\latex\papers\data.csv"</a:t>
+            </a:r>
+          </a:p>
+          <a:p>
+            <a:r>
+              <a:rPr lang="en-US" sz="2400" dirty="0">
+                <a:latin typeface="Courier"/>
+                <a:cs typeface="Courier"/>
+              </a:rPr>
+              <a:t>"C:/Users/npetraco/latex/papers/data.csv"</a:t>
+            </a:r>
+          </a:p>
+          <a:p>
+            <a:endParaRPr lang="en-US" sz="2400" dirty="0">
+              <a:latin typeface="Courier"/>
+              <a:cs typeface="Courier"/>
+            </a:endParaRPr>
+          </a:p>
+        </p:txBody>
+      </p:sp>
+      <p:sp>
+        <p:nvSpPr>
+          <p:cNvPr id="13" name="Rectangle 12"/>
+          <p:cNvSpPr/>
+          <p:nvPr/>
+        </p:nvSpPr>
+        <p:spPr>
+          <a:xfrm>
+            <a:off x="1064742" y="5143587"/>
+            <a:ext cx="1958890" cy="461665"/>
+          </a:xfrm>
+          <a:prstGeom prst="rect">
+            <a:avLst/>
+          </a:prstGeom>
+        </p:spPr>
+        <p:txBody>
+          <a:bodyPr wrap="none">
+            <a:spAutoFit/>
+          </a:bodyPr>
+          <a:lstStyle/>
+          <a:p>
+            <a:r>
+              <a:rPr lang="en-GB" sz="2400" u="sng" dirty="0">
+                <a:solidFill>
+                  <a:srgbClr val="000000"/>
+                </a:solidFill>
+                <a:latin typeface="Times New Roman" pitchFamily="18" charset="0"/>
+              </a:rPr>
+              <a:t>Windows e.g.</a:t>
+            </a:r>
+            <a:r>
+              <a:rPr lang="en-GB" sz="2400" dirty="0">
+                <a:solidFill>
+                  <a:srgbClr val="000000"/>
+                </a:solidFill>
+                <a:latin typeface="Times New Roman" pitchFamily="18" charset="0"/>
+              </a:rPr>
+              <a:t>:</a:t>
+            </a:r>
+            <a:endParaRPr lang="en-US" sz="2400" dirty="0"/>
+          </a:p>
+        </p:txBody>
+      </p:sp>
+      <p:pic>
+        <p:nvPicPr>
+          <p:cNvPr id="14" name="Picture 2"/>
+          <p:cNvPicPr>
+            <a:picLocks noChangeAspect="1" noChangeArrowheads="1"/>
+          </p:cNvPicPr>
+          <p:nvPr/>
+        </p:nvPicPr>
+        <p:blipFill>
+          <a:blip r:embed="rId2" cstate="print"/>
+          <a:srcRect/>
+          <a:stretch>
+            <a:fillRect/>
+          </a:stretch>
+        </p:blipFill>
+        <p:spPr bwMode="auto">
+          <a:xfrm>
+            <a:off x="484188" y="76200"/>
+            <a:ext cx="8202612" cy="239712"/>
+          </a:xfrm>
+          <a:prstGeom prst="rect">
+            <a:avLst/>
+          </a:prstGeom>
+          <a:noFill/>
+          <a:ln w="9525">
+            <a:noFill/>
+            <a:round/>
+            <a:headEnd/>
+            <a:tailEnd/>
+          </a:ln>
+        </p:spPr>
+      </p:pic>
+      <p:sp>
+        <p:nvSpPr>
+          <p:cNvPr id="11" name="TextBox 10"/>
+          <p:cNvSpPr txBox="1"/>
+          <p:nvPr/>
+        </p:nvSpPr>
+        <p:spPr>
+          <a:xfrm>
+            <a:off x="143016" y="6432887"/>
+            <a:ext cx="8664551" cy="461665"/>
+          </a:xfrm>
+          <a:prstGeom prst="rect">
+            <a:avLst/>
+          </a:prstGeom>
+          <a:noFill/>
+        </p:spPr>
+        <p:txBody>
+          <a:bodyPr wrap="none" rtlCol="0">
+            <a:spAutoFit/>
+          </a:bodyPr>
+          <a:lstStyle/>
+          <a:p>
+            <a:r>
+              <a:rPr lang="en-US" sz="2400" dirty="0">
+                <a:latin typeface="Courier"/>
+                <a:cs typeface="Courier"/>
+              </a:rPr>
+              <a:t>"C:\\Users\\npetraco\\latex\\papers\\data.csv"</a:t>
+            </a:r>
+          </a:p>
+        </p:txBody>
+      </p:sp>
+    </p:spTree>
+    <p:extLst>
+      <p:ext uri="{BB962C8B-B14F-4D97-AF65-F5344CB8AC3E}">
+        <p14:creationId xmlns:p14="http://schemas.microsoft.com/office/powerpoint/2010/main" val="2498635369"/>
+      </p:ext>
+    </p:extLst>
+  </p:cSld>
+  <p:clrMapOvr>
+    <a:masterClrMapping/>
+  </p:clrMapOvr>
+  <p:timing>
+    <p:tnLst>
+      <p:par>
+        <p:cTn id="1" dur="indefinite" restart="never" nodeType="tmRoot">
+          <p:childTnLst>
+            <p:seq concurrent="1" nextAc="seek">
+              <p:cTn id="2" dur="indefinite" nodeType="mainSeq">
+                <p:childTnLst>
+                  <p:par>
+                    <p:cTn id="3" fill="hold">
+                      <p:stCondLst>
+                        <p:cond delay="indefinite"/>
+                      </p:stCondLst>
+                      <p:childTnLst>
+                        <p:par>
+                          <p:cTn id="4" fill="hold">
+                            <p:stCondLst>
+                              <p:cond delay="0"/>
+                            </p:stCondLst>
+                            <p:childTnLst>
+                              <p:par>
+                                <p:cTn id="5" presetID="2" presetClass="entr" presetSubtype="4" fill="hold" grpId="0" nodeType="clickEffect">
+                                  <p:stCondLst>
+                                    <p:cond delay="0"/>
+                                  </p:stCondLst>
+                                  <p:childTnLst>
+                                    <p:set>
+                                      <p:cBhvr>
+                                        <p:cTn id="6" dur="1" fill="hold">
+                                          <p:stCondLst>
+                                            <p:cond delay="0"/>
+                                          </p:stCondLst>
+                                        </p:cTn>
+                                        <p:tgtEl>
+                                          <p:spTgt spid="8"/>
+                                        </p:tgtEl>
+                                        <p:attrNameLst>
+                                          <p:attrName>style.visibility</p:attrName>
+                                        </p:attrNameLst>
+                                      </p:cBhvr>
+                                      <p:to>
+                                        <p:strVal val="visible"/>
+                                      </p:to>
+                                    </p:set>
+                                    <p:anim calcmode="lin" valueType="num">
+                                      <p:cBhvr additive="base">
+                                        <p:cTn id="7" dur="500" fill="hold"/>
+                                        <p:tgtEl>
+                                          <p:spTgt spid="8"/>
+                                        </p:tgtEl>
+                                        <p:attrNameLst>
+                                          <p:attrName>ppt_x</p:attrName>
+                                        </p:attrNameLst>
+                                      </p:cBhvr>
+                                      <p:tavLst>
+                                        <p:tav tm="0">
+                                          <p:val>
+                                            <p:strVal val="#ppt_x"/>
+                                          </p:val>
+                                        </p:tav>
+                                        <p:tav tm="100000">
+                                          <p:val>
+                                            <p:strVal val="#ppt_x"/>
+                                          </p:val>
+                                        </p:tav>
+                                      </p:tavLst>
+                                    </p:anim>
+                                    <p:anim calcmode="lin" valueType="num">
+                                      <p:cBhvr additive="base">
+                                        <p:cTn id="8" dur="500" fill="hold"/>
+                                        <p:tgtEl>
+                                          <p:spTgt spid="8"/>
+                                        </p:tgtEl>
+                                        <p:attrNameLst>
+                                          <p:attrName>ppt_y</p:attrName>
+                                        </p:attrNameLst>
+                                      </p:cBhvr>
+                                      <p:tavLst>
+                                        <p:tav tm="0">
+                                          <p:val>
+                                            <p:strVal val="1+#ppt_h/2"/>
+                                          </p:val>
+                                        </p:tav>
+                                        <p:tav tm="100000">
+                                          <p:val>
+                                            <p:strVal val="#ppt_y"/>
+                                          </p:val>
+                                        </p:tav>
+                                      </p:tavLst>
+                                    </p:anim>
+                                  </p:childTnLst>
+                                </p:cTn>
+                              </p:par>
+                              <p:par>
+                                <p:cTn id="9" presetID="2" presetClass="entr" presetSubtype="4" fill="hold" grpId="0" nodeType="withEffect">
+                                  <p:stCondLst>
+                                    <p:cond delay="0"/>
+                                  </p:stCondLst>
+                                  <p:childTnLst>
+                                    <p:set>
+                                      <p:cBhvr>
+                                        <p:cTn id="10" dur="1" fill="hold">
+                                          <p:stCondLst>
+                                            <p:cond delay="0"/>
+                                          </p:stCondLst>
+                                        </p:cTn>
+                                        <p:tgtEl>
+                                          <p:spTgt spid="9"/>
+                                        </p:tgtEl>
+                                        <p:attrNameLst>
+                                          <p:attrName>style.visibility</p:attrName>
+                                        </p:attrNameLst>
+                                      </p:cBhvr>
+                                      <p:to>
+                                        <p:strVal val="visible"/>
+                                      </p:to>
+                                    </p:set>
+                                    <p:anim calcmode="lin" valueType="num">
+                                      <p:cBhvr additive="base">
+                                        <p:cTn id="11" dur="500" fill="hold"/>
+                                        <p:tgtEl>
+                                          <p:spTgt spid="9"/>
+                                        </p:tgtEl>
+                                        <p:attrNameLst>
+                                          <p:attrName>ppt_x</p:attrName>
+                                        </p:attrNameLst>
+                                      </p:cBhvr>
+                                      <p:tavLst>
+                                        <p:tav tm="0">
+                                          <p:val>
+                                            <p:strVal val="#ppt_x"/>
+                                          </p:val>
+                                        </p:tav>
+                                        <p:tav tm="100000">
+                                          <p:val>
+                                            <p:strVal val="#ppt_x"/>
+                                          </p:val>
+                                        </p:tav>
+                                      </p:tavLst>
+                                    </p:anim>
+                                    <p:anim calcmode="lin" valueType="num">
+                                      <p:cBhvr additive="base">
+                                        <p:cTn id="12" dur="500" fill="hold"/>
+                                        <p:tgtEl>
+                                          <p:spTgt spid="9"/>
+                                        </p:tgtEl>
+                                        <p:attrNameLst>
+                                          <p:attrName>ppt_y</p:attrName>
+                                        </p:attrNameLst>
+                                      </p:cBhvr>
+                                      <p:tavLst>
+                                        <p:tav tm="0">
+                                          <p:val>
+                                            <p:strVal val="1+#ppt_h/2"/>
+                                          </p:val>
+                                        </p:tav>
+                                        <p:tav tm="100000">
+                                          <p:val>
+                                            <p:strVal val="#ppt_y"/>
+                                          </p:val>
+                                        </p:tav>
+                                      </p:tavLst>
+                                    </p:anim>
+                                  </p:childTnLst>
+                                </p:cTn>
+                              </p:par>
+                            </p:childTnLst>
+                          </p:cTn>
+                        </p:par>
+                      </p:childTnLst>
+                    </p:cTn>
+                  </p:par>
+                  <p:par>
+                    <p:cTn id="13" fill="hold">
+                      <p:stCondLst>
+                        <p:cond delay="indefinite"/>
+                      </p:stCondLst>
+                      <p:childTnLst>
+                        <p:par>
+                          <p:cTn id="14" fill="hold">
+                            <p:stCondLst>
+                              <p:cond delay="0"/>
+                            </p:stCondLst>
+                            <p:childTnLst>
+                              <p:par>
+                                <p:cTn id="15" presetID="2" presetClass="entr" presetSubtype="4" fill="hold" grpId="0" nodeType="clickEffect">
+                                  <p:stCondLst>
+                                    <p:cond delay="0"/>
+                                  </p:stCondLst>
+                                  <p:childTnLst>
+                                    <p:set>
+                                      <p:cBhvr>
+                                        <p:cTn id="16" dur="1" fill="hold">
+                                          <p:stCondLst>
+                                            <p:cond delay="0"/>
+                                          </p:stCondLst>
+                                        </p:cTn>
+                                        <p:tgtEl>
+                                          <p:spTgt spid="10"/>
+                                        </p:tgtEl>
+                                        <p:attrNameLst>
+                                          <p:attrName>style.visibility</p:attrName>
+                                        </p:attrNameLst>
+                                      </p:cBhvr>
+                                      <p:to>
+                                        <p:strVal val="visible"/>
+                                      </p:to>
+                                    </p:set>
+                                    <p:anim calcmode="lin" valueType="num">
+                                      <p:cBhvr additive="base">
+                                        <p:cTn id="17" dur="500" fill="hold"/>
+                                        <p:tgtEl>
+                                          <p:spTgt spid="10"/>
+                                        </p:tgtEl>
+                                        <p:attrNameLst>
+                                          <p:attrName>ppt_x</p:attrName>
+                                        </p:attrNameLst>
+                                      </p:cBhvr>
+                                      <p:tavLst>
+                                        <p:tav tm="0">
+                                          <p:val>
+                                            <p:strVal val="#ppt_x"/>
+                                          </p:val>
+                                        </p:tav>
+                                        <p:tav tm="100000">
+                                          <p:val>
+                                            <p:strVal val="#ppt_x"/>
+                                          </p:val>
+                                        </p:tav>
+                                      </p:tavLst>
+                                    </p:anim>
+                                    <p:anim calcmode="lin" valueType="num">
+                                      <p:cBhvr additive="base">
+                                        <p:cTn id="18" dur="500" fill="hold"/>
+                                        <p:tgtEl>
+                                          <p:spTgt spid="10"/>
+                                        </p:tgtEl>
+                                        <p:attrNameLst>
+                                          <p:attrName>ppt_y</p:attrName>
+                                        </p:attrNameLst>
+                                      </p:cBhvr>
+                                      <p:tavLst>
+                                        <p:tav tm="0">
+                                          <p:val>
+                                            <p:strVal val="1+#ppt_h/2"/>
+                                          </p:val>
+                                        </p:tav>
+                                        <p:tav tm="100000">
+                                          <p:val>
+                                            <p:strVal val="#ppt_y"/>
+                                          </p:val>
+                                        </p:tav>
+                                      </p:tavLst>
+                                    </p:anim>
+                                  </p:childTnLst>
+                                </p:cTn>
+                              </p:par>
+                              <p:par>
+                                <p:cTn id="19" presetID="2" presetClass="entr" presetSubtype="4" fill="hold" grpId="0" nodeType="withEffect">
+                                  <p:stCondLst>
+                                    <p:cond delay="0"/>
+                                  </p:stCondLst>
+                                  <p:childTnLst>
+                                    <p:set>
+                                      <p:cBhvr>
+                                        <p:cTn id="20" dur="1" fill="hold">
+                                          <p:stCondLst>
+                                            <p:cond delay="0"/>
+                                          </p:stCondLst>
+                                        </p:cTn>
+                                        <p:tgtEl>
+                                          <p:spTgt spid="13"/>
+                                        </p:tgtEl>
+                                        <p:attrNameLst>
+                                          <p:attrName>style.visibility</p:attrName>
+                                        </p:attrNameLst>
+                                      </p:cBhvr>
+                                      <p:to>
+                                        <p:strVal val="visible"/>
+                                      </p:to>
+                                    </p:set>
+                                    <p:anim calcmode="lin" valueType="num">
+                                      <p:cBhvr additive="base">
+                                        <p:cTn id="21" dur="500" fill="hold"/>
+                                        <p:tgtEl>
+                                          <p:spTgt spid="13"/>
+                                        </p:tgtEl>
+                                        <p:attrNameLst>
+                                          <p:attrName>ppt_x</p:attrName>
+                                        </p:attrNameLst>
+                                      </p:cBhvr>
+                                      <p:tavLst>
+                                        <p:tav tm="0">
+                                          <p:val>
+                                            <p:strVal val="#ppt_x"/>
+                                          </p:val>
+                                        </p:tav>
+                                        <p:tav tm="100000">
+                                          <p:val>
+                                            <p:strVal val="#ppt_x"/>
+                                          </p:val>
+                                        </p:tav>
+                                      </p:tavLst>
+                                    </p:anim>
+                                    <p:anim calcmode="lin" valueType="num">
+                                      <p:cBhvr additive="base">
+                                        <p:cTn id="22" dur="500" fill="hold"/>
+                                        <p:tgtEl>
+                                          <p:spTgt spid="13"/>
+                                        </p:tgtEl>
+                                        <p:attrNameLst>
+                                          <p:attrName>ppt_y</p:attrName>
+                                        </p:attrNameLst>
+                                      </p:cBhvr>
+                                      <p:tavLst>
+                                        <p:tav tm="0">
+                                          <p:val>
+                                            <p:strVal val="1+#ppt_h/2"/>
+                                          </p:val>
+                                        </p:tav>
+                                        <p:tav tm="100000">
+                                          <p:val>
+                                            <p:strVal val="#ppt_y"/>
+                                          </p:val>
+                                        </p:tav>
+                                      </p:tavLst>
+                                    </p:anim>
+                                  </p:childTnLst>
+                                </p:cTn>
+                              </p:par>
+                              <p:par>
+                                <p:cTn id="23" presetID="2" presetClass="entr" presetSubtype="4" fill="hold" grpId="0" nodeType="withEffect">
+                                  <p:stCondLst>
+                                    <p:cond delay="0"/>
+                                  </p:stCondLst>
+                                  <p:childTnLst>
+                                    <p:set>
+                                      <p:cBhvr>
+                                        <p:cTn id="24" dur="1" fill="hold">
+                                          <p:stCondLst>
+                                            <p:cond delay="0"/>
+                                          </p:stCondLst>
+                                        </p:cTn>
+                                        <p:tgtEl>
+                                          <p:spTgt spid="11"/>
+                                        </p:tgtEl>
+                                        <p:attrNameLst>
+                                          <p:attrName>style.visibility</p:attrName>
+                                        </p:attrNameLst>
+                                      </p:cBhvr>
+                                      <p:to>
+                                        <p:strVal val="visible"/>
+                                      </p:to>
+                                    </p:set>
+                                    <p:anim calcmode="lin" valueType="num">
+                                      <p:cBhvr additive="base">
+                                        <p:cTn id="25" dur="500" fill="hold"/>
+                                        <p:tgtEl>
+                                          <p:spTgt spid="11"/>
+                                        </p:tgtEl>
+                                        <p:attrNameLst>
+                                          <p:attrName>ppt_x</p:attrName>
+                                        </p:attrNameLst>
+                                      </p:cBhvr>
+                                      <p:tavLst>
+                                        <p:tav tm="0">
+                                          <p:val>
+                                            <p:strVal val="#ppt_x"/>
+                                          </p:val>
+                                        </p:tav>
+                                        <p:tav tm="100000">
+                                          <p:val>
+                                            <p:strVal val="#ppt_x"/>
+                                          </p:val>
+                                        </p:tav>
+                                      </p:tavLst>
+                                    </p:anim>
+                                    <p:anim calcmode="lin" valueType="num">
+                                      <p:cBhvr additive="base">
+                                        <p:cTn id="26" dur="500" fill="hold"/>
+                                        <p:tgtEl>
+                                          <p:spTgt spid="11"/>
+                                        </p:tgtEl>
+                                        <p:attrNameLst>
+                                          <p:attrName>ppt_y</p:attrName>
+                                        </p:attrNameLst>
+                                      </p:cBhvr>
+                                      <p:tavLst>
+                                        <p:tav tm="0">
+                                          <p:val>
+                                            <p:strVal val="1+#ppt_h/2"/>
+                                          </p:val>
+                                        </p:tav>
+                                        <p:tav tm="100000">
+                                          <p:val>
+                                            <p:strVal val="#ppt_y"/>
+                                          </p:val>
+                                        </p:tav>
+                                      </p:tavLst>
+                                    </p:anim>
+                                  </p:childTnLst>
+                                </p:cTn>
+                              </p:par>
+                            </p:childTnLst>
+                          </p:cTn>
+                        </p:par>
+                      </p:childTnLst>
+                    </p:cTn>
+                  </p:par>
+                </p:childTnLst>
+              </p:cTn>
+              <p:prevCondLst>
+                <p:cond evt="onPrev" delay="0">
+                  <p:tgtEl>
+                    <p:sldTgt/>
+                  </p:tgtEl>
+                </p:cond>
+              </p:prevCondLst>
+              <p:nextCondLst>
+                <p:cond evt="onNext" delay="0">
+                  <p:tgtEl>
+                    <p:sldTgt/>
+                  </p:tgtEl>
+                </p:cond>
+              </p:nextCondLst>
+            </p:seq>
+          </p:childTnLst>
+        </p:cTn>
+      </p:par>
+    </p:tnLst>
+    <p:bldLst>
+      <p:bldP spid="8" grpId="0"/>
+      <p:bldP spid="9" grpId="0"/>
+      <p:bldP spid="10" grpId="0"/>
+      <p:bldP spid="13" grpId="0"/>
+      <p:bldP spid="11" grpId="0"/>
+    </p:bldLst>
+  </p:timing>
+</p:sld>
+</file>
+
+<file path=ppt/slides/slide17.xml><?xml version="1.0" encoding="utf-8"?>
+<p:sld xmlns:a="http://schemas.openxmlformats.org/drawingml/2006/main" xmlns:r="http://schemas.openxmlformats.org/officeDocument/2006/relationships" xmlns:p="http://schemas.openxmlformats.org/presentationml/2006/main">
+  <p:cSld>
+    <p:spTree>
+      <p:nvGrpSpPr>
+        <p:cNvPr id="1" name=""/>
+        <p:cNvGrpSpPr/>
+        <p:nvPr/>
+      </p:nvGrpSpPr>
+      <p:grpSpPr>
+        <a:xfrm>
+          <a:off x="0" y="0"/>
+          <a:ext cx="0" cy="0"/>
+          <a:chOff x="0" y="0"/>
+          <a:chExt cx="0" cy="0"/>
+        </a:xfrm>
+      </p:grpSpPr>
+      <p:sp>
+        <p:nvSpPr>
+          <p:cNvPr id="2" name="Rectangle 4"/>
+          <p:cNvSpPr>
+            <a:spLocks noChangeArrowheads="1"/>
+          </p:cNvSpPr>
+          <p:nvPr/>
+        </p:nvSpPr>
+        <p:spPr bwMode="auto">
+          <a:xfrm>
+            <a:off x="231775" y="332601"/>
+            <a:ext cx="8607425" cy="1127125"/>
+          </a:xfrm>
+          <a:prstGeom prst="rect">
+            <a:avLst/>
+          </a:prstGeom>
+          <a:noFill/>
+          <a:ln w="9525">
+            <a:noFill/>
+            <a:round/>
+            <a:headEnd/>
+            <a:tailEnd/>
+          </a:ln>
+        </p:spPr>
+        <p:txBody>
+          <a:bodyPr lIns="0" tIns="0" rIns="0" bIns="0" anchor="ctr"/>
+          <a:lstStyle/>
+          <a:p>
+            <a:pPr algn="ctr">
+              <a:buClr>
+                <a:srgbClr val="000000"/>
+              </a:buClr>
+              <a:buSzPct val="100000"/>
+              <a:buFont typeface="Times New Roman" pitchFamily="18" charset="0"/>
+              <a:buNone/>
+              <a:tabLst>
+                <a:tab pos="0" algn="l"/>
+                <a:tab pos="914400" algn="l"/>
+                <a:tab pos="1828800" algn="l"/>
+                <a:tab pos="2743200" algn="l"/>
+                <a:tab pos="3657600" algn="l"/>
+                <a:tab pos="4572000" algn="l"/>
+                <a:tab pos="5486400" algn="l"/>
+                <a:tab pos="6400800" algn="l"/>
+                <a:tab pos="7315200" algn="l"/>
+                <a:tab pos="8229600" algn="l"/>
+                <a:tab pos="9144000" algn="l"/>
+                <a:tab pos="10058400" algn="l"/>
+              </a:tabLst>
+            </a:pPr>
+            <a:r>
+              <a:rPr lang="en-GB" sz="4000" dirty="0">
+                <a:solidFill>
+                  <a:srgbClr val="000000"/>
+                </a:solidFill>
+                <a:latin typeface="Times New Roman" pitchFamily="18" charset="0"/>
+              </a:rPr>
+              <a:t>How to Load </a:t>
+            </a:r>
+            <a:r>
+              <a:rPr lang="en-GB" sz="4000" dirty="0" err="1">
+                <a:solidFill>
+                  <a:srgbClr val="000000"/>
+                </a:solidFill>
+                <a:latin typeface="Times New Roman" pitchFamily="18" charset="0"/>
+              </a:rPr>
+              <a:t>Spreadsheets</a:t>
+            </a:r>
+            <a:r>
+              <a:rPr lang="en-GB" sz="4000" dirty="0">
+                <a:solidFill>
+                  <a:srgbClr val="000000"/>
+                </a:solidFill>
+                <a:latin typeface="Times New Roman" pitchFamily="18" charset="0"/>
+              </a:rPr>
+              <a:t> of Data:</a:t>
+            </a:r>
+          </a:p>
+        </p:txBody>
+      </p:sp>
+      <p:pic>
+        <p:nvPicPr>
+          <p:cNvPr id="3" name="Picture 2"/>
+          <p:cNvPicPr>
+            <a:picLocks noChangeAspect="1" noChangeArrowheads="1"/>
+          </p:cNvPicPr>
+          <p:nvPr/>
+        </p:nvPicPr>
+        <p:blipFill>
+          <a:blip r:embed="rId2" cstate="print"/>
+          <a:srcRect/>
+          <a:stretch>
+            <a:fillRect/>
+          </a:stretch>
+        </p:blipFill>
+        <p:spPr bwMode="auto">
+          <a:xfrm>
+            <a:off x="484188" y="76200"/>
+            <a:ext cx="8202612" cy="239712"/>
+          </a:xfrm>
+          <a:prstGeom prst="rect">
+            <a:avLst/>
+          </a:prstGeom>
+          <a:noFill/>
+          <a:ln w="9525">
+            <a:noFill/>
+            <a:round/>
+            <a:headEnd/>
+            <a:tailEnd/>
+          </a:ln>
+        </p:spPr>
+      </p:pic>
+      <p:sp>
+        <p:nvSpPr>
+          <p:cNvPr id="5" name="Rectangle 4"/>
+          <p:cNvSpPr>
+            <a:spLocks noChangeArrowheads="1"/>
+          </p:cNvSpPr>
+          <p:nvPr/>
+        </p:nvSpPr>
+        <p:spPr bwMode="auto">
+          <a:xfrm>
+            <a:off x="228600" y="1104210"/>
+            <a:ext cx="8686800" cy="1609579"/>
+          </a:xfrm>
+          <a:prstGeom prst="rect">
+            <a:avLst/>
+          </a:prstGeom>
+          <a:noFill/>
+          <a:ln w="9525">
+            <a:noFill/>
+            <a:round/>
+            <a:headEnd/>
+            <a:tailEnd/>
+          </a:ln>
+        </p:spPr>
+        <p:txBody>
+          <a:bodyPr lIns="0" tIns="0" rIns="0" bIns="0"/>
+          <a:lstStyle/>
+          <a:p>
+            <a:pPr marL="430213" indent="-323850">
+              <a:spcBef>
+                <a:spcPts val="800"/>
+              </a:spcBef>
+              <a:buClr>
+                <a:srgbClr val="000000"/>
+              </a:buClr>
+              <a:buSzPct val="100000"/>
+              <a:buFont typeface="Arial" charset="0"/>
+              <a:buNone/>
+              <a:tabLst>
+                <a:tab pos="430213" algn="l"/>
+                <a:tab pos="1344613" algn="l"/>
+                <a:tab pos="2259013" algn="l"/>
+                <a:tab pos="3173413" algn="l"/>
+                <a:tab pos="4087813" algn="l"/>
+                <a:tab pos="5002213" algn="l"/>
+                <a:tab pos="5916613" algn="l"/>
+                <a:tab pos="6831013" algn="l"/>
+                <a:tab pos="7745413" algn="l"/>
+                <a:tab pos="8659813" algn="l"/>
+                <a:tab pos="9574213" algn="l"/>
+                <a:tab pos="10488613" algn="l"/>
+              </a:tabLst>
+            </a:pPr>
+            <a:endParaRPr lang="en-GB" sz="1200" dirty="0">
+              <a:solidFill>
+                <a:srgbClr val="000000"/>
+              </a:solidFill>
+              <a:latin typeface="Times New Roman" pitchFamily="18" charset="0"/>
+            </a:endParaRPr>
+          </a:p>
+          <a:p>
+            <a:pPr marL="430213" indent="-323850">
+              <a:spcBef>
+                <a:spcPts val="800"/>
+              </a:spcBef>
+              <a:buClr>
+                <a:srgbClr val="000000"/>
+              </a:buClr>
+              <a:buSzPct val="100000"/>
+              <a:buFont typeface="Arial"/>
+              <a:buChar char="•"/>
+              <a:tabLst>
+                <a:tab pos="430213" algn="l"/>
+                <a:tab pos="1344613" algn="l"/>
+                <a:tab pos="2259013" algn="l"/>
+                <a:tab pos="3173413" algn="l"/>
+                <a:tab pos="4087813" algn="l"/>
+                <a:tab pos="5002213" algn="l"/>
+                <a:tab pos="5916613" algn="l"/>
+                <a:tab pos="6831013" algn="l"/>
+                <a:tab pos="7745413" algn="l"/>
+                <a:tab pos="8659813" algn="l"/>
+                <a:tab pos="9574213" algn="l"/>
+                <a:tab pos="10488613" algn="l"/>
+              </a:tabLst>
+            </a:pPr>
+            <a:r>
+              <a:rPr lang="en-GB" sz="2800" dirty="0">
+                <a:solidFill>
+                  <a:srgbClr val="000000"/>
+                </a:solidFill>
+                <a:latin typeface="Times New Roman" pitchFamily="18" charset="0"/>
+              </a:rPr>
+              <a:t>Load a CSV file that is on your (mine actually…) Desktop. The file is called </a:t>
+            </a:r>
+            <a:r>
+              <a:rPr lang="en-GB" sz="2800" dirty="0" err="1">
+                <a:solidFill>
+                  <a:srgbClr val="000000"/>
+                </a:solidFill>
+                <a:latin typeface="Times New Roman" pitchFamily="18" charset="0"/>
+              </a:rPr>
+              <a:t>bigdata.csv</a:t>
+            </a:r>
+            <a:r>
+              <a:rPr lang="en-GB" sz="2800" dirty="0">
+                <a:solidFill>
+                  <a:srgbClr val="000000"/>
+                </a:solidFill>
+                <a:latin typeface="Times New Roman" pitchFamily="18" charset="0"/>
+              </a:rPr>
+              <a:t> and I made it in Excel:</a:t>
+            </a:r>
+          </a:p>
+        </p:txBody>
+      </p:sp>
+      <p:sp>
+        <p:nvSpPr>
+          <p:cNvPr id="6" name="Rectangle 5"/>
+          <p:cNvSpPr/>
+          <p:nvPr/>
+        </p:nvSpPr>
+        <p:spPr>
+          <a:xfrm>
+            <a:off x="385017" y="2982691"/>
+            <a:ext cx="8454183" cy="3046988"/>
+          </a:xfrm>
+          <a:prstGeom prst="rect">
+            <a:avLst/>
+          </a:prstGeom>
+          <a:solidFill>
+            <a:srgbClr val="000C78"/>
+          </a:solidFill>
+        </p:spPr>
+        <p:txBody>
+          <a:bodyPr wrap="square">
+            <a:spAutoFit/>
+          </a:bodyPr>
+          <a:lstStyle/>
+          <a:p>
+            <a:r>
+              <a:rPr lang="en-US" sz="1600" dirty="0">
+                <a:solidFill>
+                  <a:srgbClr val="FFFF00"/>
+                </a:solidFill>
+                <a:latin typeface="Courier"/>
+                <a:cs typeface="Courier"/>
+              </a:rPr>
+              <a:t># Load the spreadsheet:</a:t>
+            </a:r>
+          </a:p>
+          <a:p>
+            <a:r>
+              <a:rPr lang="en-US" sz="1600" dirty="0" err="1">
+                <a:solidFill>
+                  <a:schemeClr val="bg1"/>
+                </a:solidFill>
+                <a:latin typeface="Courier"/>
+                <a:cs typeface="Courier"/>
+              </a:rPr>
+              <a:t>dat</a:t>
+            </a:r>
+            <a:r>
+              <a:rPr lang="en-US" sz="1600" dirty="0">
+                <a:solidFill>
+                  <a:schemeClr val="bg1"/>
+                </a:solidFill>
+                <a:latin typeface="Courier"/>
+                <a:cs typeface="Courier"/>
+              </a:rPr>
+              <a:t> &lt;- </a:t>
+            </a:r>
+            <a:r>
+              <a:rPr lang="en-US" sz="1600" dirty="0" err="1">
+                <a:solidFill>
+                  <a:schemeClr val="bg1"/>
+                </a:solidFill>
+                <a:latin typeface="Courier"/>
+                <a:cs typeface="Courier"/>
+              </a:rPr>
+              <a:t>read.csv</a:t>
+            </a:r>
+            <a:r>
+              <a:rPr lang="en-US" sz="1600" dirty="0">
+                <a:solidFill>
+                  <a:schemeClr val="bg1"/>
+                </a:solidFill>
+                <a:latin typeface="Courier"/>
+                <a:cs typeface="Courier"/>
+              </a:rPr>
+              <a:t>(</a:t>
+            </a:r>
+            <a:r>
+              <a:rPr lang="en-US" sz="1600" dirty="0">
+                <a:solidFill>
+                  <a:srgbClr val="00B050"/>
+                </a:solidFill>
+                <a:latin typeface="Courier"/>
+                <a:cs typeface="Courier"/>
+              </a:rPr>
+              <a:t>"/Users/npetraco/Desktop/</a:t>
+            </a:r>
+            <a:r>
+              <a:rPr lang="en-US" sz="1600" dirty="0" err="1">
+                <a:solidFill>
+                  <a:srgbClr val="00B050"/>
+                </a:solidFill>
+                <a:latin typeface="Courier"/>
+                <a:cs typeface="Courier"/>
+              </a:rPr>
+              <a:t>GC_gasoline_peak_data.csv</a:t>
+            </a:r>
+            <a:r>
+              <a:rPr lang="en-US" sz="1600" dirty="0">
+                <a:solidFill>
+                  <a:srgbClr val="00B050"/>
+                </a:solidFill>
+                <a:latin typeface="Courier"/>
+                <a:cs typeface="Courier"/>
+              </a:rPr>
+              <a:t>"</a:t>
+            </a:r>
+            <a:r>
+              <a:rPr lang="en-US" sz="1600" dirty="0">
+                <a:solidFill>
+                  <a:schemeClr val="bg1"/>
+                </a:solidFill>
+                <a:latin typeface="Courier"/>
+                <a:cs typeface="Courier"/>
+              </a:rPr>
+              <a:t>)</a:t>
+            </a:r>
+          </a:p>
+          <a:p>
+            <a:endParaRPr lang="en-US" sz="1600" dirty="0">
+              <a:solidFill>
+                <a:schemeClr val="bg1"/>
+              </a:solidFill>
+              <a:latin typeface="Courier"/>
+              <a:cs typeface="Courier"/>
+            </a:endParaRPr>
+          </a:p>
+          <a:p>
+            <a:r>
+              <a:rPr lang="en-US" sz="1600" dirty="0">
+                <a:solidFill>
+                  <a:srgbClr val="FFFF00"/>
+                </a:solidFill>
+                <a:latin typeface="Courier"/>
+                <a:cs typeface="Courier"/>
+              </a:rPr>
+              <a:t># Extract column 1</a:t>
+            </a:r>
+          </a:p>
+          <a:p>
+            <a:r>
+              <a:rPr lang="en-US" sz="1600" dirty="0">
+                <a:solidFill>
+                  <a:schemeClr val="bg1"/>
+                </a:solidFill>
+                <a:latin typeface="Courier"/>
+                <a:cs typeface="Courier"/>
+              </a:rPr>
+              <a:t>x &lt;- </a:t>
+            </a:r>
+            <a:r>
+              <a:rPr lang="en-US" sz="1600" dirty="0" err="1">
+                <a:solidFill>
+                  <a:schemeClr val="bg1"/>
+                </a:solidFill>
+                <a:latin typeface="Courier"/>
+                <a:cs typeface="Courier"/>
+              </a:rPr>
+              <a:t>dat</a:t>
+            </a:r>
+            <a:r>
+              <a:rPr lang="en-US" sz="1600" dirty="0">
+                <a:solidFill>
+                  <a:schemeClr val="bg1"/>
+                </a:solidFill>
+                <a:latin typeface="Courier"/>
+                <a:cs typeface="Courier"/>
+              </a:rPr>
+              <a:t>[,1]</a:t>
+            </a:r>
+          </a:p>
+          <a:p>
+            <a:endParaRPr lang="en-US" sz="1600" dirty="0">
+              <a:solidFill>
+                <a:schemeClr val="bg1"/>
+              </a:solidFill>
+              <a:latin typeface="Courier"/>
+              <a:cs typeface="Courier"/>
+            </a:endParaRPr>
+          </a:p>
+          <a:p>
+            <a:r>
+              <a:rPr lang="en-US" sz="1600" dirty="0">
+                <a:solidFill>
+                  <a:srgbClr val="FFFF00"/>
+                </a:solidFill>
+                <a:latin typeface="Courier"/>
+                <a:cs typeface="Courier"/>
+              </a:rPr>
+              <a:t># Extract column 2</a:t>
+            </a:r>
+          </a:p>
+          <a:p>
+            <a:r>
+              <a:rPr lang="en-US" sz="1600" dirty="0">
+                <a:solidFill>
+                  <a:schemeClr val="bg1"/>
+                </a:solidFill>
+                <a:latin typeface="Courier"/>
+                <a:cs typeface="Courier"/>
+              </a:rPr>
+              <a:t>y &lt;- </a:t>
+            </a:r>
+            <a:r>
+              <a:rPr lang="en-US" sz="1600" dirty="0" err="1">
+                <a:solidFill>
+                  <a:schemeClr val="bg1"/>
+                </a:solidFill>
+                <a:latin typeface="Courier"/>
+                <a:cs typeface="Courier"/>
+              </a:rPr>
+              <a:t>dat</a:t>
+            </a:r>
+            <a:r>
+              <a:rPr lang="en-US" sz="1600" dirty="0">
+                <a:solidFill>
+                  <a:schemeClr val="bg1"/>
+                </a:solidFill>
+                <a:latin typeface="Courier"/>
+                <a:cs typeface="Courier"/>
+              </a:rPr>
+              <a:t>[,2]</a:t>
+            </a:r>
+          </a:p>
+          <a:p>
+            <a:endParaRPr lang="en-US" sz="1600" dirty="0">
+              <a:solidFill>
+                <a:schemeClr val="bg1"/>
+              </a:solidFill>
+              <a:latin typeface="Courier"/>
+              <a:cs typeface="Courier"/>
+            </a:endParaRPr>
+          </a:p>
+          <a:p>
+            <a:r>
+              <a:rPr lang="en-US" sz="1600" dirty="0">
+                <a:solidFill>
+                  <a:srgbClr val="FFFF00"/>
+                </a:solidFill>
+                <a:latin typeface="Courier"/>
+                <a:cs typeface="Courier"/>
+              </a:rPr>
+              <a:t># Plot the data:</a:t>
+            </a:r>
+          </a:p>
+          <a:p>
+            <a:r>
+              <a:rPr lang="en-US" sz="1600" dirty="0">
+                <a:solidFill>
+                  <a:schemeClr val="bg1"/>
+                </a:solidFill>
+                <a:latin typeface="Courier"/>
+                <a:cs typeface="Courier"/>
+              </a:rPr>
+              <a:t>plot(</a:t>
+            </a:r>
+            <a:r>
+              <a:rPr lang="en-US" sz="1600" dirty="0" err="1">
+                <a:solidFill>
+                  <a:schemeClr val="bg1"/>
+                </a:solidFill>
+                <a:latin typeface="Courier"/>
+                <a:cs typeface="Courier"/>
+              </a:rPr>
+              <a:t>x,y</a:t>
+            </a:r>
+            <a:r>
+              <a:rPr lang="en-US" sz="1600" dirty="0">
+                <a:solidFill>
+                  <a:schemeClr val="bg1"/>
+                </a:solidFill>
+                <a:latin typeface="Courier"/>
+                <a:cs typeface="Courier"/>
+              </a:rPr>
+              <a:t>)</a:t>
+            </a:r>
+          </a:p>
+        </p:txBody>
+      </p:sp>
+    </p:spTree>
+    <p:extLst>
+      <p:ext uri="{BB962C8B-B14F-4D97-AF65-F5344CB8AC3E}">
+        <p14:creationId xmlns:p14="http://schemas.microsoft.com/office/powerpoint/2010/main" val="2578768463"/>
+      </p:ext>
+    </p:extLst>
+  </p:cSld>
+  <p:clrMapOvr>
+    <a:masterClrMapping/>
+  </p:clrMapOvr>
+</p:sld>
+</file>
+
+<file path=ppt/slides/slide18.xml><?xml version="1.0" encoding="utf-8"?>
+<p:sld xmlns:a="http://schemas.openxmlformats.org/drawingml/2006/main" xmlns:r="http://schemas.openxmlformats.org/officeDocument/2006/relationships" xmlns:p="http://schemas.openxmlformats.org/presentationml/2006/main">
+  <p:cSld>
+    <p:spTree>
+      <p:nvGrpSpPr>
+        <p:cNvPr id="1" name=""/>
+        <p:cNvGrpSpPr/>
+        <p:nvPr/>
+      </p:nvGrpSpPr>
+      <p:grpSpPr>
+        <a:xfrm>
+          <a:off x="0" y="0"/>
+          <a:ext cx="0" cy="0"/>
+          <a:chOff x="0" y="0"/>
+          <a:chExt cx="0" cy="0"/>
+        </a:xfrm>
+      </p:grpSpPr>
+      <p:sp>
+        <p:nvSpPr>
+          <p:cNvPr id="2" name="Rectangle 5">
+            <a:extLst>
+              <a:ext uri="{FF2B5EF4-FFF2-40B4-BE49-F238E27FC236}">
+                <a16:creationId xmlns:a16="http://schemas.microsoft.com/office/drawing/2014/main" id="{C14E827E-6C98-4F37-8156-17ECD6940FE8}"/>
+              </a:ext>
+            </a:extLst>
+          </p:cNvPr>
+          <p:cNvSpPr>
+            <a:spLocks noChangeArrowheads="1"/>
+          </p:cNvSpPr>
+          <p:nvPr/>
+        </p:nvSpPr>
+        <p:spPr bwMode="auto">
+          <a:xfrm>
+            <a:off x="228600" y="1104211"/>
+            <a:ext cx="8686800" cy="5348372"/>
+          </a:xfrm>
+          <a:prstGeom prst="rect">
+            <a:avLst/>
+          </a:prstGeom>
+          <a:noFill/>
+          <a:ln w="9525">
+            <a:noFill/>
+            <a:round/>
+            <a:headEnd/>
+            <a:tailEnd/>
+          </a:ln>
+        </p:spPr>
+        <p:txBody>
+          <a:bodyPr lIns="0" tIns="0" rIns="0" bIns="0"/>
+          <a:lstStyle/>
+          <a:p>
+            <a:pPr marL="430213" indent="-323850">
+              <a:spcBef>
+                <a:spcPts val="800"/>
+              </a:spcBef>
+              <a:buClr>
+                <a:srgbClr val="000000"/>
+              </a:buClr>
+              <a:buSzPct val="100000"/>
+              <a:buFont typeface="Arial" charset="0"/>
+              <a:buNone/>
+              <a:tabLst>
+                <a:tab pos="430213" algn="l"/>
+                <a:tab pos="1344613" algn="l"/>
+                <a:tab pos="2259013" algn="l"/>
+                <a:tab pos="3173413" algn="l"/>
+                <a:tab pos="4087813" algn="l"/>
+                <a:tab pos="5002213" algn="l"/>
+                <a:tab pos="5916613" algn="l"/>
+                <a:tab pos="6831013" algn="l"/>
+                <a:tab pos="7745413" algn="l"/>
+                <a:tab pos="8659813" algn="l"/>
+                <a:tab pos="9574213" algn="l"/>
+                <a:tab pos="10488613" algn="l"/>
+              </a:tabLst>
+            </a:pPr>
+            <a:endParaRPr lang="en-GB" sz="1200" dirty="0">
+              <a:solidFill>
+                <a:srgbClr val="000000"/>
+              </a:solidFill>
+              <a:latin typeface="Times New Roman" pitchFamily="18" charset="0"/>
+            </a:endParaRPr>
+          </a:p>
+          <a:p>
+            <a:pPr marL="887413" lvl="1" indent="-323850">
+              <a:spcBef>
+                <a:spcPts val="800"/>
+              </a:spcBef>
+              <a:buClr>
+                <a:srgbClr val="000000"/>
+              </a:buClr>
+              <a:buSzPct val="100000"/>
+              <a:buFont typeface="Arial"/>
+              <a:buChar char="•"/>
+              <a:tabLst>
+                <a:tab pos="430213" algn="l"/>
+                <a:tab pos="1344613" algn="l"/>
+                <a:tab pos="2259013" algn="l"/>
+                <a:tab pos="3173413" algn="l"/>
+                <a:tab pos="4087813" algn="l"/>
+                <a:tab pos="5002213" algn="l"/>
+                <a:tab pos="5916613" algn="l"/>
+                <a:tab pos="6831013" algn="l"/>
+                <a:tab pos="7745413" algn="l"/>
+                <a:tab pos="8659813" algn="l"/>
+                <a:tab pos="9574213" algn="l"/>
+                <a:tab pos="10488613" algn="l"/>
+              </a:tabLst>
+            </a:pPr>
+            <a:r>
+              <a:rPr lang="en-GB" sz="4000" dirty="0">
+                <a:solidFill>
+                  <a:srgbClr val="000000"/>
+                </a:solidFill>
+                <a:latin typeface="Times New Roman" pitchFamily="18" charset="0"/>
+              </a:rPr>
+              <a:t>Input from Excel</a:t>
+            </a:r>
+          </a:p>
+          <a:p>
+            <a:pPr marL="1344613" lvl="2" indent="-323850">
+              <a:spcBef>
+                <a:spcPts val="800"/>
+              </a:spcBef>
+              <a:buClr>
+                <a:srgbClr val="000000"/>
+              </a:buClr>
+              <a:buSzPct val="100000"/>
+              <a:buFont typeface="Arial"/>
+              <a:buChar char="•"/>
+              <a:tabLst>
+                <a:tab pos="430213" algn="l"/>
+                <a:tab pos="1344613" algn="l"/>
+                <a:tab pos="2259013" algn="l"/>
+                <a:tab pos="3173413" algn="l"/>
+                <a:tab pos="4087813" algn="l"/>
+                <a:tab pos="5002213" algn="l"/>
+                <a:tab pos="5916613" algn="l"/>
+                <a:tab pos="6831013" algn="l"/>
+                <a:tab pos="7745413" algn="l"/>
+                <a:tab pos="8659813" algn="l"/>
+                <a:tab pos="9574213" algn="l"/>
+                <a:tab pos="10488613" algn="l"/>
+              </a:tabLst>
+            </a:pPr>
+            <a:r>
+              <a:rPr lang="en-GB" sz="3200" dirty="0">
+                <a:solidFill>
+                  <a:srgbClr val="000000"/>
+                </a:solidFill>
+                <a:latin typeface="Times New Roman" pitchFamily="18" charset="0"/>
+              </a:rPr>
+              <a:t>An alternative is to use </a:t>
+            </a:r>
+            <a:r>
+              <a:rPr lang="en-GB" sz="3200" b="1" dirty="0" err="1">
+                <a:solidFill>
+                  <a:srgbClr val="000000"/>
+                </a:solidFill>
+                <a:latin typeface="Courier New" panose="02070309020205020404" pitchFamily="49" charset="0"/>
+                <a:cs typeface="Courier New" panose="02070309020205020404" pitchFamily="49" charset="0"/>
+              </a:rPr>
+              <a:t>file.choose</a:t>
+            </a:r>
+            <a:r>
+              <a:rPr lang="en-GB" sz="3200" b="1" dirty="0">
+                <a:solidFill>
+                  <a:srgbClr val="000000"/>
+                </a:solidFill>
+                <a:latin typeface="Courier New" panose="02070309020205020404" pitchFamily="49" charset="0"/>
+                <a:cs typeface="Courier New" panose="02070309020205020404" pitchFamily="49" charset="0"/>
+              </a:rPr>
+              <a:t>()</a:t>
+            </a:r>
+            <a:r>
+              <a:rPr lang="en-GB" sz="3200" dirty="0">
+                <a:solidFill>
+                  <a:srgbClr val="000000"/>
+                </a:solidFill>
+                <a:latin typeface="Times New Roman" pitchFamily="18" charset="0"/>
+              </a:rPr>
+              <a:t> function with </a:t>
+            </a:r>
+            <a:r>
+              <a:rPr lang="en-GB" sz="3200" b="1" dirty="0">
+                <a:solidFill>
+                  <a:srgbClr val="000000"/>
+                </a:solidFill>
+                <a:latin typeface="Courier New" panose="02070309020205020404" pitchFamily="49" charset="0"/>
+                <a:cs typeface="Courier New" panose="02070309020205020404" pitchFamily="49" charset="0"/>
+              </a:rPr>
+              <a:t>read.csv</a:t>
+            </a:r>
+            <a:r>
+              <a:rPr lang="en-GB" sz="3200" dirty="0">
+                <a:solidFill>
+                  <a:srgbClr val="000000"/>
+                </a:solidFill>
+                <a:latin typeface="Times New Roman" pitchFamily="18" charset="0"/>
+              </a:rPr>
+              <a:t>:</a:t>
+            </a:r>
+          </a:p>
+          <a:p>
+            <a:pPr marL="1344613" lvl="2" indent="-323850">
+              <a:spcBef>
+                <a:spcPts val="800"/>
+              </a:spcBef>
+              <a:buClr>
+                <a:srgbClr val="000000"/>
+              </a:buClr>
+              <a:buSzPct val="100000"/>
+              <a:buFont typeface="Arial"/>
+              <a:buChar char="•"/>
+              <a:tabLst>
+                <a:tab pos="430213" algn="l"/>
+                <a:tab pos="1344613" algn="l"/>
+                <a:tab pos="2259013" algn="l"/>
+                <a:tab pos="3173413" algn="l"/>
+                <a:tab pos="4087813" algn="l"/>
+                <a:tab pos="5002213" algn="l"/>
+                <a:tab pos="5916613" algn="l"/>
+                <a:tab pos="6831013" algn="l"/>
+                <a:tab pos="7745413" algn="l"/>
+                <a:tab pos="8659813" algn="l"/>
+                <a:tab pos="9574213" algn="l"/>
+                <a:tab pos="10488613" algn="l"/>
+              </a:tabLst>
+            </a:pPr>
+            <a:endParaRPr lang="en-GB" sz="3200" dirty="0">
+              <a:solidFill>
+                <a:srgbClr val="000000"/>
+              </a:solidFill>
+              <a:latin typeface="Times New Roman" pitchFamily="18" charset="0"/>
+            </a:endParaRPr>
+          </a:p>
+        </p:txBody>
+      </p:sp>
+      <p:sp>
+        <p:nvSpPr>
+          <p:cNvPr id="3" name="Rectangle 4">
+            <a:extLst>
+              <a:ext uri="{FF2B5EF4-FFF2-40B4-BE49-F238E27FC236}">
+                <a16:creationId xmlns:a16="http://schemas.microsoft.com/office/drawing/2014/main" id="{EA01C647-0C97-48D3-B8FA-E37647B9BC12}"/>
+              </a:ext>
+            </a:extLst>
+          </p:cNvPr>
+          <p:cNvSpPr>
+            <a:spLocks noChangeArrowheads="1"/>
+          </p:cNvSpPr>
+          <p:nvPr/>
+        </p:nvSpPr>
+        <p:spPr bwMode="auto">
+          <a:xfrm>
+            <a:off x="231775" y="332601"/>
+            <a:ext cx="8607425" cy="1127125"/>
+          </a:xfrm>
+          <a:prstGeom prst="rect">
+            <a:avLst/>
+          </a:prstGeom>
+          <a:noFill/>
+          <a:ln w="9525">
+            <a:noFill/>
+            <a:round/>
+            <a:headEnd/>
+            <a:tailEnd/>
+          </a:ln>
+        </p:spPr>
+        <p:txBody>
+          <a:bodyPr lIns="0" tIns="0" rIns="0" bIns="0" anchor="ctr"/>
+          <a:lstStyle/>
+          <a:p>
+            <a:pPr algn="ctr">
+              <a:buClr>
+                <a:srgbClr val="000000"/>
+              </a:buClr>
+              <a:buSzPct val="100000"/>
+              <a:buFont typeface="Times New Roman" pitchFamily="18" charset="0"/>
+              <a:buNone/>
+              <a:tabLst>
+                <a:tab pos="0" algn="l"/>
+                <a:tab pos="914400" algn="l"/>
+                <a:tab pos="1828800" algn="l"/>
+                <a:tab pos="2743200" algn="l"/>
+                <a:tab pos="3657600" algn="l"/>
+                <a:tab pos="4572000" algn="l"/>
+                <a:tab pos="5486400" algn="l"/>
+                <a:tab pos="6400800" algn="l"/>
+                <a:tab pos="7315200" algn="l"/>
+                <a:tab pos="8229600" algn="l"/>
+                <a:tab pos="9144000" algn="l"/>
+                <a:tab pos="10058400" algn="l"/>
+              </a:tabLst>
+            </a:pPr>
+            <a:r>
+              <a:rPr lang="en-GB" sz="4000" dirty="0">
+                <a:solidFill>
+                  <a:srgbClr val="000000"/>
+                </a:solidFill>
+                <a:latin typeface="Times New Roman" pitchFamily="18" charset="0"/>
+              </a:rPr>
+              <a:t>How to Load </a:t>
+            </a:r>
+            <a:r>
+              <a:rPr lang="en-GB" sz="4000" dirty="0" err="1">
+                <a:solidFill>
+                  <a:srgbClr val="000000"/>
+                </a:solidFill>
+                <a:latin typeface="Times New Roman" pitchFamily="18" charset="0"/>
+              </a:rPr>
+              <a:t>Spreadsheets</a:t>
+            </a:r>
+            <a:r>
+              <a:rPr lang="en-GB" sz="4000" dirty="0">
+                <a:solidFill>
+                  <a:srgbClr val="000000"/>
+                </a:solidFill>
+                <a:latin typeface="Times New Roman" pitchFamily="18" charset="0"/>
+              </a:rPr>
+              <a:t> of Data:</a:t>
+            </a:r>
+          </a:p>
+        </p:txBody>
+      </p:sp>
+      <p:pic>
+        <p:nvPicPr>
+          <p:cNvPr id="4" name="Picture 2">
+            <a:extLst>
+              <a:ext uri="{FF2B5EF4-FFF2-40B4-BE49-F238E27FC236}">
+                <a16:creationId xmlns:a16="http://schemas.microsoft.com/office/drawing/2014/main" id="{F89CC3E3-215C-41F5-A2BE-49C8DB71504C}"/>
+              </a:ext>
+            </a:extLst>
+          </p:cNvPr>
+          <p:cNvPicPr>
+            <a:picLocks noChangeAspect="1" noChangeArrowheads="1"/>
+          </p:cNvPicPr>
+          <p:nvPr/>
+        </p:nvPicPr>
+        <p:blipFill>
+          <a:blip r:embed="rId2" cstate="print"/>
+          <a:srcRect/>
+          <a:stretch>
+            <a:fillRect/>
+          </a:stretch>
+        </p:blipFill>
+        <p:spPr bwMode="auto">
+          <a:xfrm>
+            <a:off x="484188" y="76200"/>
+            <a:ext cx="8202612" cy="239712"/>
+          </a:xfrm>
+          <a:prstGeom prst="rect">
+            <a:avLst/>
+          </a:prstGeom>
+          <a:noFill/>
+          <a:ln w="9525">
+            <a:noFill/>
+            <a:round/>
+            <a:headEnd/>
+            <a:tailEnd/>
+          </a:ln>
+        </p:spPr>
+      </p:pic>
+      <p:sp>
+        <p:nvSpPr>
+          <p:cNvPr id="5" name="Rectangle 4">
+            <a:extLst>
+              <a:ext uri="{FF2B5EF4-FFF2-40B4-BE49-F238E27FC236}">
+                <a16:creationId xmlns:a16="http://schemas.microsoft.com/office/drawing/2014/main" id="{36B00B6D-FA84-4ACC-8D6D-5ECC0453DDA9}"/>
+              </a:ext>
+            </a:extLst>
+          </p:cNvPr>
+          <p:cNvSpPr/>
+          <p:nvPr/>
+        </p:nvSpPr>
+        <p:spPr>
+          <a:xfrm>
+            <a:off x="385017" y="3372095"/>
+            <a:ext cx="8454183" cy="1754326"/>
+          </a:xfrm>
+          <a:prstGeom prst="rect">
+            <a:avLst/>
+          </a:prstGeom>
+          <a:solidFill>
+            <a:srgbClr val="000C78"/>
+          </a:solidFill>
+        </p:spPr>
+        <p:txBody>
+          <a:bodyPr wrap="square">
+            <a:spAutoFit/>
+          </a:bodyPr>
+          <a:lstStyle/>
+          <a:p>
+            <a:r>
+              <a:rPr lang="en-US" dirty="0">
+                <a:solidFill>
+                  <a:srgbClr val="FFFF00"/>
+                </a:solidFill>
+                <a:latin typeface="Courier"/>
+                <a:cs typeface="Courier"/>
+              </a:rPr>
+              <a:t># </a:t>
+            </a:r>
+            <a:r>
+              <a:rPr lang="en-US" dirty="0" err="1">
+                <a:solidFill>
+                  <a:srgbClr val="FFFF00"/>
+                </a:solidFill>
+                <a:latin typeface="Courier"/>
+                <a:cs typeface="Courier"/>
+              </a:rPr>
+              <a:t>file.choose</a:t>
+            </a:r>
+            <a:r>
+              <a:rPr lang="en-US" dirty="0">
+                <a:solidFill>
+                  <a:srgbClr val="FFFF00"/>
+                </a:solidFill>
+                <a:latin typeface="Courier"/>
+                <a:cs typeface="Courier"/>
+              </a:rPr>
+              <a:t> lets you navigate to file you want and gets </a:t>
+            </a:r>
+          </a:p>
+          <a:p>
+            <a:r>
+              <a:rPr lang="en-US" dirty="0">
+                <a:solidFill>
+                  <a:srgbClr val="FFFF00"/>
+                </a:solidFill>
+                <a:latin typeface="Courier"/>
+                <a:cs typeface="Courier"/>
+              </a:rPr>
+              <a:t># its path:</a:t>
+            </a:r>
+          </a:p>
+          <a:p>
+            <a:r>
+              <a:rPr lang="en-US" dirty="0" err="1">
+                <a:solidFill>
+                  <a:schemeClr val="bg1"/>
+                </a:solidFill>
+                <a:latin typeface="Courier"/>
+                <a:cs typeface="Courier"/>
+              </a:rPr>
+              <a:t>apath</a:t>
+            </a:r>
+            <a:r>
+              <a:rPr lang="en-US" dirty="0">
+                <a:solidFill>
+                  <a:schemeClr val="bg1"/>
+                </a:solidFill>
+                <a:latin typeface="Courier"/>
+                <a:cs typeface="Courier"/>
+              </a:rPr>
+              <a:t> &lt;- </a:t>
+            </a:r>
+            <a:r>
+              <a:rPr lang="en-US" dirty="0" err="1">
+                <a:solidFill>
+                  <a:schemeClr val="bg1"/>
+                </a:solidFill>
+                <a:latin typeface="Courier"/>
+                <a:cs typeface="Courier"/>
+              </a:rPr>
+              <a:t>file.choose</a:t>
+            </a:r>
+            <a:r>
+              <a:rPr lang="en-US" dirty="0">
+                <a:solidFill>
+                  <a:schemeClr val="bg1"/>
+                </a:solidFill>
+                <a:latin typeface="Courier"/>
+                <a:cs typeface="Courier"/>
+              </a:rPr>
+              <a:t>()</a:t>
+            </a:r>
+          </a:p>
+          <a:p>
+            <a:endParaRPr lang="en-US" dirty="0">
+              <a:solidFill>
+                <a:schemeClr val="bg1"/>
+              </a:solidFill>
+              <a:latin typeface="Courier"/>
+              <a:cs typeface="Courier"/>
+            </a:endParaRPr>
+          </a:p>
+          <a:p>
+            <a:r>
+              <a:rPr lang="en-US" dirty="0" err="1">
+                <a:solidFill>
+                  <a:schemeClr val="bg1"/>
+                </a:solidFill>
+                <a:latin typeface="Courier"/>
+                <a:cs typeface="Courier"/>
+              </a:rPr>
+              <a:t>some.data</a:t>
+            </a:r>
+            <a:r>
+              <a:rPr lang="en-US" dirty="0">
+                <a:solidFill>
+                  <a:schemeClr val="bg1"/>
+                </a:solidFill>
+                <a:latin typeface="Courier"/>
+                <a:cs typeface="Courier"/>
+              </a:rPr>
+              <a:t> &lt;- read.csv(</a:t>
+            </a:r>
+            <a:r>
+              <a:rPr lang="en-US" dirty="0" err="1">
+                <a:solidFill>
+                  <a:schemeClr val="bg1"/>
+                </a:solidFill>
+                <a:latin typeface="Courier"/>
+                <a:cs typeface="Courier"/>
+              </a:rPr>
+              <a:t>apath</a:t>
+            </a:r>
+            <a:r>
+              <a:rPr lang="en-US" dirty="0">
+                <a:solidFill>
+                  <a:schemeClr val="bg1"/>
+                </a:solidFill>
+                <a:latin typeface="Courier"/>
+                <a:cs typeface="Courier"/>
+              </a:rPr>
+              <a:t>)</a:t>
+            </a:r>
+          </a:p>
+          <a:p>
+            <a:endParaRPr lang="en-US" dirty="0">
+              <a:solidFill>
+                <a:schemeClr val="bg1"/>
+              </a:solidFill>
+              <a:latin typeface="Courier"/>
+              <a:cs typeface="Courier"/>
+            </a:endParaRPr>
+          </a:p>
+        </p:txBody>
+      </p:sp>
+      <p:pic>
+        <p:nvPicPr>
+          <p:cNvPr id="6" name="Picture 5">
+            <a:extLst>
+              <a:ext uri="{FF2B5EF4-FFF2-40B4-BE49-F238E27FC236}">
+                <a16:creationId xmlns:a16="http://schemas.microsoft.com/office/drawing/2014/main" id="{7D74C0A5-9B1D-47D8-A802-81B6DA09D040}"/>
+              </a:ext>
+            </a:extLst>
+          </p:cNvPr>
+          <p:cNvPicPr>
+            <a:picLocks noChangeAspect="1"/>
+          </p:cNvPicPr>
+          <p:nvPr/>
+        </p:nvPicPr>
+        <p:blipFill>
+          <a:blip r:embed="rId3"/>
+          <a:stretch>
+            <a:fillRect/>
+          </a:stretch>
+        </p:blipFill>
+        <p:spPr>
+          <a:xfrm>
+            <a:off x="4439948" y="3778397"/>
+            <a:ext cx="4246852" cy="2900889"/>
+          </a:xfrm>
+          <a:prstGeom prst="rect">
+            <a:avLst/>
+          </a:prstGeom>
+        </p:spPr>
+      </p:pic>
+    </p:spTree>
+    <p:extLst>
+      <p:ext uri="{BB962C8B-B14F-4D97-AF65-F5344CB8AC3E}">
+        <p14:creationId xmlns:p14="http://schemas.microsoft.com/office/powerpoint/2010/main" val="305010118"/>
+      </p:ext>
+    </p:extLst>
+  </p:cSld>
+  <p:clrMapOvr>
+    <a:masterClrMapping/>
+  </p:clrMapOvr>
+  <p:timing>
+    <p:tnLst>
+      <p:par>
+        <p:cTn id="1" dur="indefinite" restart="never" nodeType="tmRoot">
+          <p:childTnLst>
+            <p:seq concurrent="1" nextAc="seek">
+              <p:cTn id="2" dur="indefinite" nodeType="mainSeq">
+                <p:childTnLst>
+                  <p:par>
+                    <p:cTn id="3" fill="hold">
+                      <p:stCondLst>
+                        <p:cond delay="indefinite"/>
+                      </p:stCondLst>
+                      <p:childTnLst>
+                        <p:par>
+                          <p:cTn id="4" fill="hold">
+                            <p:stCondLst>
+                              <p:cond delay="0"/>
+                            </p:stCondLst>
+                            <p:childTnLst>
+                              <p:par>
+                                <p:cTn id="5" presetID="2" presetClass="entr" presetSubtype="4" fill="hold" nodeType="clickEffect">
+                                  <p:stCondLst>
+                                    <p:cond delay="0"/>
+                                  </p:stCondLst>
+                                  <p:childTnLst>
+                                    <p:set>
+                                      <p:cBhvr>
+                                        <p:cTn id="6" dur="1" fill="hold">
+                                          <p:stCondLst>
+                                            <p:cond delay="0"/>
+                                          </p:stCondLst>
+                                        </p:cTn>
+                                        <p:tgtEl>
+                                          <p:spTgt spid="6"/>
+                                        </p:tgtEl>
+                                        <p:attrNameLst>
+                                          <p:attrName>style.visibility</p:attrName>
+                                        </p:attrNameLst>
+                                      </p:cBhvr>
+                                      <p:to>
+                                        <p:strVal val="visible"/>
+                                      </p:to>
+                                    </p:set>
+                                    <p:anim calcmode="lin" valueType="num">
+                                      <p:cBhvr additive="base">
+                                        <p:cTn id="7" dur="500" fill="hold"/>
+                                        <p:tgtEl>
+                                          <p:spTgt spid="6"/>
+                                        </p:tgtEl>
+                                        <p:attrNameLst>
+                                          <p:attrName>ppt_x</p:attrName>
+                                        </p:attrNameLst>
+                                      </p:cBhvr>
+                                      <p:tavLst>
+                                        <p:tav tm="0">
+                                          <p:val>
+                                            <p:strVal val="#ppt_x"/>
+                                          </p:val>
+                                        </p:tav>
+                                        <p:tav tm="100000">
+                                          <p:val>
+                                            <p:strVal val="#ppt_x"/>
+                                          </p:val>
+                                        </p:tav>
+                                      </p:tavLst>
+                                    </p:anim>
+                                    <p:anim calcmode="lin" valueType="num">
+                                      <p:cBhvr additive="base">
+                                        <p:cTn id="8" dur="500" fill="hold"/>
+                                        <p:tgtEl>
+                                          <p:spTgt spid="6"/>
+                                        </p:tgtEl>
+                                        <p:attrNameLst>
+                                          <p:attrName>ppt_y</p:attrName>
+                                        </p:attrNameLst>
+                                      </p:cBhvr>
+                                      <p:tavLst>
+                                        <p:tav tm="0">
+                                          <p:val>
+                                            <p:strVal val="1+#ppt_h/2"/>
+                                          </p:val>
+                                        </p:tav>
+                                        <p:tav tm="100000">
+                                          <p:val>
+                                            <p:strVal val="#ppt_y"/>
+                                          </p:val>
+                                        </p:tav>
+                                      </p:tavLst>
+                                    </p:anim>
+                                  </p:childTnLst>
+                                </p:cTn>
+                              </p:par>
+                            </p:childTnLst>
+                          </p:cTn>
+                        </p:par>
+                      </p:childTnLst>
+                    </p:cTn>
+                  </p:par>
+                </p:childTnLst>
+              </p:cTn>
+              <p:prevCondLst>
+                <p:cond evt="onPrev" delay="0">
+                  <p:tgtEl>
+                    <p:sldTgt/>
+                  </p:tgtEl>
+                </p:cond>
+              </p:prevCondLst>
+              <p:nextCondLst>
+                <p:cond evt="onNext" delay="0">
+                  <p:tgtEl>
+                    <p:sldTgt/>
+                  </p:tgtEl>
+                </p:cond>
+              </p:nextCondLst>
+            </p:seq>
+          </p:childTnLst>
+        </p:cTn>
+      </p:par>
+    </p:tnLst>
+  </p:timing>
+</p:sld>
+</file>
+
+<file path=ppt/slides/slide19.xml><?xml version="1.0" encoding="utf-8"?>
 <p:sld xmlns:a="http://schemas.openxmlformats.org/drawingml/2006/main" xmlns:r="http://schemas.openxmlformats.org/officeDocument/2006/relationships" xmlns:p="http://schemas.openxmlformats.org/presentationml/2006/main">
   <p:cSld>
     <p:spTree>
@@ -7186,7 +9956,7 @@
                 </a:solidFill>
                 <a:latin typeface="Times New Roman" pitchFamily="18" charset="0"/>
               </a:rPr>
-              <a:t>First Thing: Plot your Data</a:t>
+              <a:t>More Plots of your Data</a:t>
             </a:r>
           </a:p>
         </p:txBody>
@@ -7427,7 +10197,534 @@
 </p:sld>
 </file>
 
-<file path=ppt/slides/slide17.xml><?xml version="1.0" encoding="utf-8"?>
+<file path=ppt/slides/slide2.xml><?xml version="1.0" encoding="utf-8"?>
+<p:sld xmlns:a="http://schemas.openxmlformats.org/drawingml/2006/main" xmlns:r="http://schemas.openxmlformats.org/officeDocument/2006/relationships" xmlns:p="http://schemas.openxmlformats.org/presentationml/2006/main">
+  <p:cSld>
+    <p:spTree>
+      <p:nvGrpSpPr>
+        <p:cNvPr id="1" name=""/>
+        <p:cNvGrpSpPr/>
+        <p:nvPr/>
+      </p:nvGrpSpPr>
+      <p:grpSpPr>
+        <a:xfrm>
+          <a:off x="0" y="0"/>
+          <a:ext cx="0" cy="0"/>
+          <a:chOff x="0" y="0"/>
+          <a:chExt cx="0" cy="0"/>
+        </a:xfrm>
+      </p:grpSpPr>
+      <p:sp>
+        <p:nvSpPr>
+          <p:cNvPr id="7171" name="Rectangle 4"/>
+          <p:cNvSpPr>
+            <a:spLocks noChangeArrowheads="1"/>
+          </p:cNvSpPr>
+          <p:nvPr/>
+        </p:nvSpPr>
+        <p:spPr bwMode="auto">
+          <a:xfrm>
+            <a:off x="231775" y="148284"/>
+            <a:ext cx="8607425" cy="1127125"/>
+          </a:xfrm>
+          <a:prstGeom prst="rect">
+            <a:avLst/>
+          </a:prstGeom>
+          <a:noFill/>
+          <a:ln w="9525">
+            <a:noFill/>
+            <a:round/>
+            <a:headEnd/>
+            <a:tailEnd/>
+          </a:ln>
+        </p:spPr>
+        <p:txBody>
+          <a:bodyPr lIns="0" tIns="0" rIns="0" bIns="0" anchor="ctr">
+            <a:prstTxWarp prst="textNoShape">
+              <a:avLst/>
+            </a:prstTxWarp>
+          </a:bodyPr>
+          <a:lstStyle/>
+          <a:p>
+            <a:pPr algn="ctr">
+              <a:lnSpc>
+                <a:spcPct val="100000"/>
+              </a:lnSpc>
+              <a:buFont typeface="Times New Roman" charset="0"/>
+              <a:buNone/>
+              <a:tabLst>
+                <a:tab pos="0" algn="l"/>
+                <a:tab pos="914400" algn="l"/>
+                <a:tab pos="1828800" algn="l"/>
+                <a:tab pos="2743200" algn="l"/>
+                <a:tab pos="3657600" algn="l"/>
+                <a:tab pos="4572000" algn="l"/>
+                <a:tab pos="5486400" algn="l"/>
+                <a:tab pos="6400800" algn="l"/>
+                <a:tab pos="7315200" algn="l"/>
+                <a:tab pos="8229600" algn="l"/>
+                <a:tab pos="9144000" algn="l"/>
+                <a:tab pos="10058400" algn="l"/>
+              </a:tabLst>
+            </a:pPr>
+            <a:r>
+              <a:rPr lang="en-GB" sz="4000" dirty="0">
+                <a:solidFill>
+                  <a:srgbClr val="000000"/>
+                </a:solidFill>
+                <a:latin typeface="Times New Roman" charset="0"/>
+              </a:rPr>
+              <a:t>Outline</a:t>
+            </a:r>
+          </a:p>
+        </p:txBody>
+      </p:sp>
+      <p:sp>
+        <p:nvSpPr>
+          <p:cNvPr id="7172" name="Rectangle 5"/>
+          <p:cNvSpPr>
+            <a:spLocks noChangeArrowheads="1"/>
+          </p:cNvSpPr>
+          <p:nvPr/>
+        </p:nvSpPr>
+        <p:spPr bwMode="auto">
+          <a:xfrm>
+            <a:off x="231775" y="1005837"/>
+            <a:ext cx="8607425" cy="5718088"/>
+          </a:xfrm>
+          <a:prstGeom prst="rect">
+            <a:avLst/>
+          </a:prstGeom>
+          <a:noFill/>
+          <a:ln w="9525">
+            <a:noFill/>
+            <a:round/>
+            <a:headEnd/>
+            <a:tailEnd/>
+          </a:ln>
+        </p:spPr>
+        <p:txBody>
+          <a:bodyPr lIns="0" tIns="0" rIns="0" bIns="0">
+            <a:prstTxWarp prst="textNoShape">
+              <a:avLst/>
+            </a:prstTxWarp>
+          </a:bodyPr>
+          <a:lstStyle/>
+          <a:p>
+            <a:pPr marL="430213" indent="-323850">
+              <a:lnSpc>
+                <a:spcPct val="100000"/>
+              </a:lnSpc>
+              <a:spcBef>
+                <a:spcPts val="800"/>
+              </a:spcBef>
+              <a:buFont typeface="Times New Roman" charset="0"/>
+              <a:buChar char="•"/>
+              <a:tabLst>
+                <a:tab pos="430213" algn="l"/>
+                <a:tab pos="1344613" algn="l"/>
+                <a:tab pos="2259013" algn="l"/>
+                <a:tab pos="3173413" algn="l"/>
+                <a:tab pos="4087813" algn="l"/>
+                <a:tab pos="5002213" algn="l"/>
+                <a:tab pos="5916613" algn="l"/>
+                <a:tab pos="6831013" algn="l"/>
+                <a:tab pos="7745413" algn="l"/>
+                <a:tab pos="8659813" algn="l"/>
+                <a:tab pos="9574213" algn="l"/>
+                <a:tab pos="10488613" algn="l"/>
+              </a:tabLst>
+            </a:pPr>
+            <a:r>
+              <a:rPr lang="en-GB" sz="3600" dirty="0">
+                <a:solidFill>
+                  <a:srgbClr val="000000"/>
+                </a:solidFill>
+                <a:latin typeface="Times New Roman" charset="0"/>
+              </a:rPr>
+              <a:t>R  : A powerful platform for scientific calculation and data analysis</a:t>
+            </a:r>
+          </a:p>
+          <a:p>
+            <a:pPr marL="887413" lvl="1" indent="-323850">
+              <a:spcBef>
+                <a:spcPts val="800"/>
+              </a:spcBef>
+              <a:buFont typeface="Times New Roman" charset="0"/>
+              <a:buChar char="•"/>
+              <a:tabLst>
+                <a:tab pos="430213" algn="l"/>
+                <a:tab pos="1344613" algn="l"/>
+                <a:tab pos="2259013" algn="l"/>
+                <a:tab pos="3173413" algn="l"/>
+                <a:tab pos="4087813" algn="l"/>
+                <a:tab pos="5002213" algn="l"/>
+                <a:tab pos="5916613" algn="l"/>
+                <a:tab pos="6831013" algn="l"/>
+                <a:tab pos="7745413" algn="l"/>
+                <a:tab pos="8659813" algn="l"/>
+                <a:tab pos="9574213" algn="l"/>
+                <a:tab pos="10488613" algn="l"/>
+              </a:tabLst>
+            </a:pPr>
+            <a:r>
+              <a:rPr lang="en-GB" sz="3200" dirty="0">
+                <a:solidFill>
+                  <a:srgbClr val="000000"/>
+                </a:solidFill>
+                <a:latin typeface="Times New Roman" charset="0"/>
+              </a:rPr>
+              <a:t>Why bother learning    R ? </a:t>
+            </a:r>
+          </a:p>
+          <a:p>
+            <a:pPr marL="887413" lvl="1" indent="-323850">
+              <a:spcBef>
+                <a:spcPts val="800"/>
+              </a:spcBef>
+              <a:buFont typeface="Times New Roman" charset="0"/>
+              <a:buChar char="•"/>
+              <a:tabLst>
+                <a:tab pos="430213" algn="l"/>
+                <a:tab pos="1344613" algn="l"/>
+                <a:tab pos="2259013" algn="l"/>
+                <a:tab pos="3173413" algn="l"/>
+                <a:tab pos="4087813" algn="l"/>
+                <a:tab pos="5002213" algn="l"/>
+                <a:tab pos="5916613" algn="l"/>
+                <a:tab pos="6831013" algn="l"/>
+                <a:tab pos="7745413" algn="l"/>
+                <a:tab pos="8659813" algn="l"/>
+                <a:tab pos="9574213" algn="l"/>
+                <a:tab pos="10488613" algn="l"/>
+              </a:tabLst>
+            </a:pPr>
+            <a:r>
+              <a:rPr lang="en-US" sz="3200" dirty="0">
+                <a:latin typeface="Times New Roman"/>
+                <a:cs typeface="Times New Roman"/>
+              </a:rPr>
+              <a:t>Data, data, data, I cannot make bricks without clay </a:t>
+            </a:r>
+            <a:r>
+              <a:rPr lang="en-US" sz="3200" baseline="30000" dirty="0">
+                <a:latin typeface="Times New Roman"/>
+                <a:cs typeface="Times New Roman"/>
+              </a:rPr>
+              <a:t>Copper Beeches</a:t>
+            </a:r>
+            <a:endParaRPr lang="en-GB" sz="3200" baseline="30000" dirty="0">
+              <a:solidFill>
+                <a:srgbClr val="000000"/>
+              </a:solidFill>
+              <a:latin typeface="Times New Roman"/>
+              <a:cs typeface="Times New Roman"/>
+            </a:endParaRPr>
+          </a:p>
+          <a:p>
+            <a:pPr marL="1344613" lvl="2" indent="-323850">
+              <a:spcBef>
+                <a:spcPts val="800"/>
+              </a:spcBef>
+              <a:buFont typeface="Times New Roman" charset="0"/>
+              <a:buChar char="•"/>
+              <a:tabLst>
+                <a:tab pos="430213" algn="l"/>
+                <a:tab pos="1344613" algn="l"/>
+                <a:tab pos="2259013" algn="l"/>
+                <a:tab pos="3173413" algn="l"/>
+                <a:tab pos="4087813" algn="l"/>
+                <a:tab pos="5002213" algn="l"/>
+                <a:tab pos="5916613" algn="l"/>
+                <a:tab pos="6831013" algn="l"/>
+                <a:tab pos="7745413" algn="l"/>
+                <a:tab pos="8659813" algn="l"/>
+                <a:tab pos="9574213" algn="l"/>
+                <a:tab pos="10488613" algn="l"/>
+              </a:tabLst>
+            </a:pPr>
+            <a:r>
+              <a:rPr lang="en-GB" sz="2800" dirty="0">
+                <a:solidFill>
+                  <a:srgbClr val="000000"/>
+                </a:solidFill>
+                <a:latin typeface="Times New Roman"/>
+                <a:cs typeface="Times New Roman"/>
+              </a:rPr>
+              <a:t>A tour of </a:t>
+            </a:r>
+            <a:r>
+              <a:rPr lang="en-GB" sz="2800" dirty="0" err="1">
+                <a:solidFill>
+                  <a:srgbClr val="000000"/>
+                </a:solidFill>
+                <a:latin typeface="Times New Roman"/>
+                <a:cs typeface="Times New Roman"/>
+              </a:rPr>
+              <a:t>RStudio</a:t>
+            </a:r>
+            <a:r>
+              <a:rPr lang="en-GB" sz="2800" dirty="0">
+                <a:solidFill>
+                  <a:srgbClr val="000000"/>
+                </a:solidFill>
+                <a:latin typeface="Times New Roman"/>
+                <a:cs typeface="Times New Roman"/>
+              </a:rPr>
+              <a:t>. Basic Input and Output</a:t>
+            </a:r>
+          </a:p>
+          <a:p>
+            <a:pPr marL="1344613" lvl="2" indent="-323850">
+              <a:spcBef>
+                <a:spcPts val="800"/>
+              </a:spcBef>
+              <a:buFont typeface="Times New Roman" charset="0"/>
+              <a:buChar char="•"/>
+              <a:tabLst>
+                <a:tab pos="430213" algn="l"/>
+                <a:tab pos="1344613" algn="l"/>
+                <a:tab pos="2259013" algn="l"/>
+                <a:tab pos="3173413" algn="l"/>
+                <a:tab pos="4087813" algn="l"/>
+                <a:tab pos="5002213" algn="l"/>
+                <a:tab pos="5916613" algn="l"/>
+                <a:tab pos="6831013" algn="l"/>
+                <a:tab pos="7745413" algn="l"/>
+                <a:tab pos="8659813" algn="l"/>
+                <a:tab pos="9574213" algn="l"/>
+                <a:tab pos="10488613" algn="l"/>
+              </a:tabLst>
+            </a:pPr>
+            <a:r>
+              <a:rPr lang="en-GB" sz="2800" dirty="0">
+                <a:solidFill>
+                  <a:srgbClr val="000000"/>
+                </a:solidFill>
+                <a:latin typeface="Times New Roman"/>
+                <a:cs typeface="Times New Roman"/>
+              </a:rPr>
+              <a:t>Getting Help</a:t>
+            </a:r>
+          </a:p>
+          <a:p>
+            <a:pPr marL="1344613" lvl="2" indent="-323850">
+              <a:spcBef>
+                <a:spcPts val="800"/>
+              </a:spcBef>
+              <a:buFont typeface="Times New Roman" charset="0"/>
+              <a:buChar char="•"/>
+              <a:tabLst>
+                <a:tab pos="430213" algn="l"/>
+                <a:tab pos="1344613" algn="l"/>
+                <a:tab pos="2259013" algn="l"/>
+                <a:tab pos="3173413" algn="l"/>
+                <a:tab pos="4087813" algn="l"/>
+                <a:tab pos="5002213" algn="l"/>
+                <a:tab pos="5916613" algn="l"/>
+                <a:tab pos="6831013" algn="l"/>
+                <a:tab pos="7745413" algn="l"/>
+                <a:tab pos="8659813" algn="l"/>
+                <a:tab pos="9574213" algn="l"/>
+                <a:tab pos="10488613" algn="l"/>
+              </a:tabLst>
+            </a:pPr>
+            <a:r>
+              <a:rPr lang="en-GB" sz="2800" dirty="0">
+                <a:solidFill>
+                  <a:srgbClr val="000000"/>
+                </a:solidFill>
+                <a:latin typeface="Times New Roman"/>
+                <a:cs typeface="Times New Roman"/>
+              </a:rPr>
+              <a:t>Visualizing with Plots</a:t>
+            </a:r>
+          </a:p>
+          <a:p>
+            <a:pPr marL="1344613" lvl="2" indent="-323850">
+              <a:spcBef>
+                <a:spcPts val="800"/>
+              </a:spcBef>
+              <a:buFont typeface="Times New Roman" charset="0"/>
+              <a:buChar char="•"/>
+              <a:tabLst>
+                <a:tab pos="430213" algn="l"/>
+                <a:tab pos="1344613" algn="l"/>
+                <a:tab pos="2259013" algn="l"/>
+                <a:tab pos="3173413" algn="l"/>
+                <a:tab pos="4087813" algn="l"/>
+                <a:tab pos="5002213" algn="l"/>
+                <a:tab pos="5916613" algn="l"/>
+                <a:tab pos="6831013" algn="l"/>
+                <a:tab pos="7745413" algn="l"/>
+                <a:tab pos="8659813" algn="l"/>
+                <a:tab pos="9574213" algn="l"/>
+                <a:tab pos="10488613" algn="l"/>
+              </a:tabLst>
+            </a:pPr>
+            <a:r>
+              <a:rPr lang="en-GB" sz="2800" dirty="0">
+                <a:solidFill>
+                  <a:srgbClr val="000000"/>
+                </a:solidFill>
+                <a:latin typeface="Times New Roman"/>
+                <a:cs typeface="Times New Roman"/>
+              </a:rPr>
+              <a:t>Loading your data from Excel spreadsheets</a:t>
+            </a:r>
+          </a:p>
+          <a:p>
+            <a:pPr marL="1344613" lvl="2" indent="-323850">
+              <a:spcBef>
+                <a:spcPts val="800"/>
+              </a:spcBef>
+              <a:buFont typeface="Times New Roman" charset="0"/>
+              <a:buChar char="•"/>
+              <a:tabLst>
+                <a:tab pos="430213" algn="l"/>
+                <a:tab pos="1344613" algn="l"/>
+                <a:tab pos="2259013" algn="l"/>
+                <a:tab pos="3173413" algn="l"/>
+                <a:tab pos="4087813" algn="l"/>
+                <a:tab pos="5002213" algn="l"/>
+                <a:tab pos="5916613" algn="l"/>
+                <a:tab pos="6831013" algn="l"/>
+                <a:tab pos="7745413" algn="l"/>
+                <a:tab pos="8659813" algn="l"/>
+                <a:tab pos="9574213" algn="l"/>
+                <a:tab pos="10488613" algn="l"/>
+              </a:tabLst>
+            </a:pPr>
+            <a:r>
+              <a:rPr lang="en-GB" sz="2800" dirty="0">
+                <a:solidFill>
+                  <a:srgbClr val="000000"/>
+                </a:solidFill>
+                <a:latin typeface="Times New Roman"/>
+                <a:cs typeface="Times New Roman"/>
+              </a:rPr>
+              <a:t>Basic Plotting</a:t>
+            </a:r>
+          </a:p>
+        </p:txBody>
+      </p:sp>
+      <p:pic>
+        <p:nvPicPr>
+          <p:cNvPr id="6" name="Picture 2"/>
+          <p:cNvPicPr>
+            <a:picLocks noChangeAspect="1" noChangeArrowheads="1"/>
+          </p:cNvPicPr>
+          <p:nvPr/>
+        </p:nvPicPr>
+        <p:blipFill>
+          <a:blip r:embed="rId3" cstate="print"/>
+          <a:srcRect/>
+          <a:stretch>
+            <a:fillRect/>
+          </a:stretch>
+        </p:blipFill>
+        <p:spPr bwMode="auto">
+          <a:xfrm>
+            <a:off x="484188" y="76200"/>
+            <a:ext cx="8202612" cy="239712"/>
+          </a:xfrm>
+          <a:prstGeom prst="rect">
+            <a:avLst/>
+          </a:prstGeom>
+          <a:noFill/>
+          <a:ln w="9525">
+            <a:noFill/>
+            <a:round/>
+            <a:headEnd/>
+            <a:tailEnd/>
+          </a:ln>
+        </p:spPr>
+      </p:pic>
+      <p:pic>
+        <p:nvPicPr>
+          <p:cNvPr id="7" name="Picture 6" descr="Rlogo.jpg"/>
+          <p:cNvPicPr>
+            <a:picLocks noChangeAspect="1"/>
+          </p:cNvPicPr>
+          <p:nvPr/>
+        </p:nvPicPr>
+        <p:blipFill>
+          <a:blip r:embed="rId4"/>
+          <a:stretch>
+            <a:fillRect/>
+          </a:stretch>
+        </p:blipFill>
+        <p:spPr>
+          <a:xfrm>
+            <a:off x="557031" y="1107912"/>
+            <a:ext cx="620039" cy="471232"/>
+          </a:xfrm>
+          <a:prstGeom prst="rect">
+            <a:avLst/>
+          </a:prstGeom>
+        </p:spPr>
+      </p:pic>
+      <p:pic>
+        <p:nvPicPr>
+          <p:cNvPr id="8" name="Picture 7" descr="Rlogo.jpg"/>
+          <p:cNvPicPr>
+            <a:picLocks noChangeAspect="1"/>
+          </p:cNvPicPr>
+          <p:nvPr/>
+        </p:nvPicPr>
+        <p:blipFill>
+          <a:blip r:embed="rId4"/>
+          <a:stretch>
+            <a:fillRect/>
+          </a:stretch>
+        </p:blipFill>
+        <p:spPr>
+          <a:xfrm>
+            <a:off x="4563130" y="2234195"/>
+            <a:ext cx="678018" cy="515296"/>
+          </a:xfrm>
+          <a:prstGeom prst="rect">
+            <a:avLst/>
+          </a:prstGeom>
+        </p:spPr>
+      </p:pic>
+    </p:spTree>
+  </p:cSld>
+  <p:clrMapOvr>
+    <a:masterClrMapping/>
+  </p:clrMapOvr>
+  <p:transition spd="med"/>
+  <p:timing>
+    <p:tnLst>
+      <p:par>
+        <p:cTn id="1" dur="indefinite" restart="never" nodeType="tmRoot">
+          <p:childTnLst>
+            <p:seq concurrent="1" nextAc="seek">
+              <p:cTn id="2" dur="0" nodeType="mainSeq"/>
+              <p:prevCondLst>
+                <p:cond evt="onPrev" delay="0">
+                  <p:tgtEl>
+                    <p:sldTgt/>
+                  </p:tgtEl>
+                </p:cond>
+              </p:prevCondLst>
+              <p:nextCondLst>
+                <p:cond evt="onNext" delay="0">
+                  <p:tgtEl>
+                    <p:sldTgt/>
+                  </p:tgtEl>
+                </p:cond>
+              </p:nextCondLst>
+            </p:seq>
+          </p:childTnLst>
+        </p:cTn>
+      </p:par>
+    </p:tnLst>
+  </p:timing>
+</p:sld>
+</file>
+
+<file path=ppt/slides/slide20.xml><?xml version="1.0" encoding="utf-8"?>
 <p:sld xmlns:a="http://schemas.openxmlformats.org/drawingml/2006/main" xmlns:r="http://schemas.openxmlformats.org/officeDocument/2006/relationships" xmlns:p="http://schemas.openxmlformats.org/presentationml/2006/main">
   <p:cSld>
     <p:spTree>
@@ -7615,74 +10912,6 @@
               </a:solidFill>
               <a:latin typeface="Times New Roman" pitchFamily="18" charset="0"/>
             </a:endParaRPr>
-          </a:p>
-        </p:txBody>
-      </p:sp>
-      <p:sp>
-        <p:nvSpPr>
-          <p:cNvPr id="4" name="Rectangle 4">
-            <a:extLst>
-              <a:ext uri="{FF2B5EF4-FFF2-40B4-BE49-F238E27FC236}">
-                <a16:creationId xmlns:a16="http://schemas.microsoft.com/office/drawing/2014/main" id="{68831B90-78D4-D84F-BBFE-D3D304907B2A}"/>
-              </a:ext>
-            </a:extLst>
-          </p:cNvPr>
-          <p:cNvSpPr>
-            <a:spLocks noChangeArrowheads="1"/>
-          </p:cNvSpPr>
-          <p:nvPr/>
-        </p:nvSpPr>
-        <p:spPr bwMode="auto">
-          <a:xfrm>
-            <a:off x="231775" y="152400"/>
-            <a:ext cx="8607425" cy="1127125"/>
-          </a:xfrm>
-          <a:prstGeom prst="rect">
-            <a:avLst/>
-          </a:prstGeom>
-          <a:noFill/>
-          <a:ln w="9525">
-            <a:noFill/>
-            <a:round/>
-            <a:headEnd/>
-            <a:tailEnd/>
-          </a:ln>
-        </p:spPr>
-        <p:txBody>
-          <a:bodyPr lIns="0" tIns="0" rIns="0" bIns="0" anchor="ctr"/>
-          <a:lstStyle/>
-          <a:p>
-            <a:pPr algn="ctr">
-              <a:buClr>
-                <a:srgbClr val="000000"/>
-              </a:buClr>
-              <a:buSzPct val="100000"/>
-              <a:buFont typeface="Times New Roman" pitchFamily="18" charset="0"/>
-              <a:buNone/>
-              <a:tabLst>
-                <a:tab pos="0" algn="l"/>
-                <a:tab pos="914400" algn="l"/>
-                <a:tab pos="1828800" algn="l"/>
-                <a:tab pos="2743200" algn="l"/>
-                <a:tab pos="3657600" algn="l"/>
-                <a:tab pos="4572000" algn="l"/>
-                <a:tab pos="5486400" algn="l"/>
-                <a:tab pos="6400800" algn="l"/>
-                <a:tab pos="7315200" algn="l"/>
-                <a:tab pos="8229600" algn="l"/>
-                <a:tab pos="9144000" algn="l"/>
-                <a:tab pos="10058400" algn="l"/>
-              </a:tabLst>
-            </a:pPr>
-            <a:r>
-              <a:rPr lang="en-GB" sz="4000" dirty="0">
-                <a:solidFill>
-                  <a:srgbClr val="000000"/>
-                </a:solidFill>
-                <a:latin typeface="Times New Roman" pitchFamily="18" charset="0"/>
-              </a:rPr>
-              <a:t>First Thing: Plot your Data</a:t>
-            </a:r>
           </a:p>
         </p:txBody>
       </p:sp>
@@ -8477,6 +11706,74 @@
                 <a:latin typeface="Times New Roman" pitchFamily="18" charset="0"/>
               </a:rPr>
               <a:t>RI</a:t>
+            </a:r>
+          </a:p>
+        </p:txBody>
+      </p:sp>
+      <p:sp>
+        <p:nvSpPr>
+          <p:cNvPr id="19" name="Rectangle 4">
+            <a:extLst>
+              <a:ext uri="{FF2B5EF4-FFF2-40B4-BE49-F238E27FC236}">
+                <a16:creationId xmlns:a16="http://schemas.microsoft.com/office/drawing/2014/main" id="{18C70166-8E50-1E9F-BFC0-6AF97D5625DE}"/>
+              </a:ext>
+            </a:extLst>
+          </p:cNvPr>
+          <p:cNvSpPr>
+            <a:spLocks noChangeArrowheads="1"/>
+          </p:cNvSpPr>
+          <p:nvPr/>
+        </p:nvSpPr>
+        <p:spPr bwMode="auto">
+          <a:xfrm>
+            <a:off x="231775" y="152400"/>
+            <a:ext cx="8607425" cy="1127125"/>
+          </a:xfrm>
+          <a:prstGeom prst="rect">
+            <a:avLst/>
+          </a:prstGeom>
+          <a:noFill/>
+          <a:ln w="9525">
+            <a:noFill/>
+            <a:round/>
+            <a:headEnd/>
+            <a:tailEnd/>
+          </a:ln>
+        </p:spPr>
+        <p:txBody>
+          <a:bodyPr lIns="0" tIns="0" rIns="0" bIns="0" anchor="ctr"/>
+          <a:lstStyle/>
+          <a:p>
+            <a:pPr algn="ctr">
+              <a:buClr>
+                <a:srgbClr val="000000"/>
+              </a:buClr>
+              <a:buSzPct val="100000"/>
+              <a:buFont typeface="Times New Roman" pitchFamily="18" charset="0"/>
+              <a:buNone/>
+              <a:tabLst>
+                <a:tab pos="0" algn="l"/>
+                <a:tab pos="914400" algn="l"/>
+                <a:tab pos="1828800" algn="l"/>
+                <a:tab pos="2743200" algn="l"/>
+                <a:tab pos="3657600" algn="l"/>
+                <a:tab pos="4572000" algn="l"/>
+                <a:tab pos="5486400" algn="l"/>
+                <a:tab pos="6400800" algn="l"/>
+                <a:tab pos="7315200" algn="l"/>
+                <a:tab pos="8229600" algn="l"/>
+                <a:tab pos="9144000" algn="l"/>
+                <a:tab pos="10058400" algn="l"/>
+              </a:tabLst>
+            </a:pPr>
+            <a:r>
+              <a:rPr lang="en-GB" sz="4000" dirty="0">
+                <a:solidFill>
+                  <a:srgbClr val="000000"/>
+                </a:solidFill>
+                <a:latin typeface="Times New Roman" pitchFamily="18" charset="0"/>
+              </a:rPr>
+              <a:t>More Plots of your Data</a:t>
             </a:r>
           </a:p>
         </p:txBody>
@@ -9392,7 +12689,7 @@
 </p:sld>
 </file>
 
-<file path=ppt/slides/slide18.xml><?xml version="1.0" encoding="utf-8"?>
+<file path=ppt/slides/slide21.xml><?xml version="1.0" encoding="utf-8"?>
 <p:sld xmlns:a="http://schemas.openxmlformats.org/drawingml/2006/main" xmlns:r="http://schemas.openxmlformats.org/officeDocument/2006/relationships" xmlns:p="http://schemas.openxmlformats.org/presentationml/2006/main">
   <p:cSld>
     <p:spTree>
@@ -9511,8 +12808,8 @@
         </p:nvSpPr>
         <p:spPr>
           <a:xfrm>
-            <a:off x="115747" y="1440889"/>
-            <a:ext cx="8924081" cy="4524315"/>
+            <a:off x="115747" y="1920949"/>
+            <a:ext cx="8924081" cy="3323987"/>
           </a:xfrm>
           <a:prstGeom prst="rect">
             <a:avLst/>
@@ -9528,7 +12825,7 @@
           <a:lstStyle/>
           <a:p>
             <a:r>
-              <a:rPr lang="en-US" dirty="0">
+              <a:rPr lang="en-US" sz="1400" dirty="0">
                 <a:solidFill>
                   <a:srgbClr val="FFFF00"/>
                 </a:solidFill>
@@ -9540,7 +12837,7 @@
           </a:p>
           <a:p>
             <a:r>
-              <a:rPr lang="en-US" dirty="0" err="1">
+              <a:rPr lang="en-US" sz="1400" dirty="0" err="1">
                 <a:solidFill>
                   <a:schemeClr val="bg1"/>
                 </a:solidFill>
@@ -9550,7 +12847,7 @@
               <a:t>dat</a:t>
             </a:r>
             <a:r>
-              <a:rPr lang="en-US" dirty="0">
+              <a:rPr lang="en-US" sz="1400" dirty="0">
                 <a:solidFill>
                   <a:schemeClr val="bg1"/>
                 </a:solidFill>
@@ -9560,7 +12857,7 @@
               <a:t> &lt;- </a:t>
             </a:r>
             <a:r>
-              <a:rPr lang="en-US" dirty="0" err="1">
+              <a:rPr lang="en-US" sz="1400" dirty="0" err="1">
                 <a:solidFill>
                   <a:schemeClr val="bg1"/>
                 </a:solidFill>
@@ -9570,7 +12867,7 @@
               <a:t>read.csv</a:t>
             </a:r>
             <a:r>
-              <a:rPr lang="en-US" dirty="0">
+              <a:rPr lang="en-US" sz="1400" dirty="0">
                 <a:solidFill>
                   <a:schemeClr val="bg1"/>
                 </a:solidFill>
@@ -9579,8 +12876,10 @@
               </a:rPr>
               <a:t>(</a:t>
             </a:r>
-            <a:r>
-              <a:rPr lang="en-US" dirty="0">
+          </a:p>
+          <a:p>
+            <a:r>
+              <a:rPr lang="en-US" sz="1400" dirty="0">
                 <a:solidFill>
                   <a:srgbClr val="00B050"/>
                 </a:solidFill>
@@ -9590,7 +12889,7 @@
               <a:t>"https://</a:t>
             </a:r>
             <a:r>
-              <a:rPr lang="en-US" dirty="0" err="1">
+              <a:rPr lang="en-US" sz="1400" dirty="0" err="1">
                 <a:solidFill>
                   <a:srgbClr val="00B050"/>
                 </a:solidFill>
@@ -9600,7 +12899,7 @@
               <a:t>raw.githubusercontent.com</a:t>
             </a:r>
             <a:r>
-              <a:rPr lang="en-US" dirty="0">
+              <a:rPr lang="en-US" sz="1400" dirty="0">
                 <a:solidFill>
                   <a:srgbClr val="00B050"/>
                 </a:solidFill>
@@ -9610,7 +12909,7 @@
               <a:t>/</a:t>
             </a:r>
             <a:r>
-              <a:rPr lang="en-US" dirty="0" err="1">
+              <a:rPr lang="en-US" sz="1400" dirty="0" err="1">
                 <a:solidFill>
                   <a:srgbClr val="00B050"/>
                 </a:solidFill>
@@ -9620,7 +12919,7 @@
               <a:t>npetraco</a:t>
             </a:r>
             <a:r>
-              <a:rPr lang="en-US" dirty="0">
+              <a:rPr lang="en-US" sz="1400" dirty="0">
                 <a:solidFill>
                   <a:srgbClr val="00B050"/>
                 </a:solidFill>
@@ -9630,7 +12929,7 @@
               <a:t>/workshop21/master/data/</a:t>
             </a:r>
             <a:r>
-              <a:rPr lang="en-US" dirty="0" err="1">
+              <a:rPr lang="en-US" sz="1400" dirty="0" err="1">
                 <a:solidFill>
                   <a:srgbClr val="00B050"/>
                 </a:solidFill>
@@ -9640,7 +12939,7 @@
               <a:t>Glass.csv</a:t>
             </a:r>
             <a:r>
-              <a:rPr lang="en-US" dirty="0">
+              <a:rPr lang="en-US" sz="1400" dirty="0">
                 <a:solidFill>
                   <a:srgbClr val="00B050"/>
                 </a:solidFill>
@@ -9650,7 +12949,7 @@
               <a:t>"</a:t>
             </a:r>
             <a:r>
-              <a:rPr lang="en-US" dirty="0">
+              <a:rPr lang="en-US" sz="1400" dirty="0">
                 <a:solidFill>
                   <a:schemeClr val="bg1"/>
                 </a:solidFill>
@@ -9662,7 +12961,7 @@
           </a:p>
           <a:p>
             <a:r>
-              <a:rPr lang="en-US" dirty="0">
+              <a:rPr lang="en-US" sz="1400" dirty="0">
                 <a:solidFill>
                   <a:schemeClr val="bg1"/>
                 </a:solidFill>
@@ -9672,7 +12971,7 @@
               <a:t>head(</a:t>
             </a:r>
             <a:r>
-              <a:rPr lang="en-US" dirty="0" err="1">
+              <a:rPr lang="en-US" sz="1400" dirty="0" err="1">
                 <a:solidFill>
                   <a:schemeClr val="bg1"/>
                 </a:solidFill>
@@ -9682,7 +12981,7 @@
               <a:t>dat</a:t>
             </a:r>
             <a:r>
-              <a:rPr lang="en-US" dirty="0">
+              <a:rPr lang="en-US" sz="1400" dirty="0">
                 <a:solidFill>
                   <a:schemeClr val="bg1"/>
                 </a:solidFill>
@@ -9693,7 +12992,7 @@
             </a:r>
           </a:p>
           <a:p>
-            <a:endParaRPr lang="en-US" dirty="0">
+            <a:endParaRPr lang="en-US" sz="1400" dirty="0">
               <a:solidFill>
                 <a:schemeClr val="bg1"/>
               </a:solidFill>
@@ -9703,7 +13002,7 @@
           </a:p>
           <a:p>
             <a:r>
-              <a:rPr lang="en-US" dirty="0">
+              <a:rPr lang="en-US" sz="1400" dirty="0">
                 <a:solidFill>
                   <a:srgbClr val="FFFF00"/>
                 </a:solidFill>
@@ -9715,7 +13014,7 @@
           </a:p>
           <a:p>
             <a:r>
-              <a:rPr lang="en-US" dirty="0">
+              <a:rPr lang="en-US" sz="1400" dirty="0">
                 <a:solidFill>
                   <a:schemeClr val="bg1"/>
                 </a:solidFill>
@@ -9725,7 +13024,7 @@
               <a:t>plot(</a:t>
             </a:r>
             <a:r>
-              <a:rPr lang="en-US" dirty="0" err="1">
+              <a:rPr lang="en-US" sz="1400" dirty="0" err="1">
                 <a:solidFill>
                   <a:schemeClr val="bg1"/>
                 </a:solidFill>
@@ -9735,7 +13034,7 @@
               <a:t>dat</a:t>
             </a:r>
             <a:r>
-              <a:rPr lang="en-US" dirty="0">
+              <a:rPr lang="en-US" sz="1400" dirty="0">
                 <a:solidFill>
                   <a:schemeClr val="bg1"/>
                 </a:solidFill>
@@ -9745,7 +13044,7 @@
               <a:t>[,1], </a:t>
             </a:r>
             <a:r>
-              <a:rPr lang="en-US" dirty="0" err="1">
+              <a:rPr lang="en-US" sz="1400" dirty="0" err="1">
                 <a:solidFill>
                   <a:schemeClr val="bg1"/>
                 </a:solidFill>
@@ -9755,7 +13054,7 @@
               <a:t>dat</a:t>
             </a:r>
             <a:r>
-              <a:rPr lang="en-US" dirty="0">
+              <a:rPr lang="en-US" sz="1400" dirty="0">
                 <a:solidFill>
                   <a:schemeClr val="bg1"/>
                 </a:solidFill>
@@ -9766,7 +13065,7 @@
             </a:r>
           </a:p>
           <a:p>
-            <a:endParaRPr lang="en-US" dirty="0">
+            <a:endParaRPr lang="en-US" sz="1400" dirty="0">
               <a:solidFill>
                 <a:schemeClr val="bg1"/>
               </a:solidFill>
@@ -9775,7 +13074,7 @@
             </a:endParaRPr>
           </a:p>
           <a:p>
-            <a:endParaRPr lang="en-US" dirty="0">
+            <a:endParaRPr lang="en-US" sz="1400" dirty="0">
               <a:solidFill>
                 <a:schemeClr val="bg1"/>
               </a:solidFill>
@@ -9785,7 +13084,7 @@
           </a:p>
           <a:p>
             <a:r>
-              <a:rPr lang="en-US" dirty="0">
+              <a:rPr lang="en-US" sz="1400" dirty="0">
                 <a:solidFill>
                   <a:srgbClr val="FFFF00"/>
                 </a:solidFill>
@@ -9797,7 +13096,7 @@
           </a:p>
           <a:p>
             <a:r>
-              <a:rPr lang="en-US" dirty="0">
+              <a:rPr lang="en-US" sz="1400" dirty="0">
                 <a:solidFill>
                   <a:schemeClr val="bg1"/>
                 </a:solidFill>
@@ -9807,7 +13106,7 @@
               <a:t>hist(</a:t>
             </a:r>
             <a:r>
-              <a:rPr lang="en-US" dirty="0" err="1">
+              <a:rPr lang="en-US" sz="1400" dirty="0" err="1">
                 <a:solidFill>
                   <a:schemeClr val="bg1"/>
                 </a:solidFill>
@@ -9817,7 +13116,7 @@
               <a:t>dat</a:t>
             </a:r>
             <a:r>
-              <a:rPr lang="en-US" dirty="0">
+              <a:rPr lang="en-US" sz="1400" dirty="0">
                 <a:solidFill>
                   <a:schemeClr val="bg1"/>
                 </a:solidFill>
@@ -9828,7 +13127,7 @@
             </a:r>
           </a:p>
           <a:p>
-            <a:endParaRPr lang="en-US" dirty="0">
+            <a:endParaRPr lang="en-US" sz="1400" dirty="0">
               <a:solidFill>
                 <a:schemeClr val="bg1"/>
               </a:solidFill>
@@ -9837,7 +13136,7 @@
             </a:endParaRPr>
           </a:p>
           <a:p>
-            <a:endParaRPr lang="en-US" dirty="0">
+            <a:endParaRPr lang="en-US" sz="1400" dirty="0">
               <a:solidFill>
                 <a:schemeClr val="bg1"/>
               </a:solidFill>
@@ -9847,7 +13146,7 @@
           </a:p>
           <a:p>
             <a:r>
-              <a:rPr lang="en-US" dirty="0">
+              <a:rPr lang="en-US" sz="1400" dirty="0">
                 <a:solidFill>
                   <a:srgbClr val="FFFF00"/>
                 </a:solidFill>
@@ -9859,7 +13158,7 @@
           </a:p>
           <a:p>
             <a:r>
-              <a:rPr lang="en-US" dirty="0">
+              <a:rPr lang="en-US" sz="1400" dirty="0">
                 <a:solidFill>
                   <a:schemeClr val="bg1"/>
                 </a:solidFill>
@@ -9869,7 +13168,7 @@
               <a:t>boxplot(</a:t>
             </a:r>
             <a:r>
-              <a:rPr lang="en-US" dirty="0" err="1">
+              <a:rPr lang="en-US" sz="1400" dirty="0" err="1">
                 <a:solidFill>
                   <a:schemeClr val="bg1"/>
                 </a:solidFill>
@@ -9879,7 +13178,7 @@
               <a:t>dat</a:t>
             </a:r>
             <a:r>
-              <a:rPr lang="en-US" dirty="0">
+              <a:rPr lang="en-US" sz="1400" dirty="0">
                 <a:solidFill>
                   <a:schemeClr val="bg1"/>
                 </a:solidFill>
@@ -9901,533 +13200,6 @@
   <p:clrMapOvr>
     <a:masterClrMapping/>
   </p:clrMapOvr>
-</p:sld>
-</file>
-
-<file path=ppt/slides/slide2.xml><?xml version="1.0" encoding="utf-8"?>
-<p:sld xmlns:a="http://schemas.openxmlformats.org/drawingml/2006/main" xmlns:r="http://schemas.openxmlformats.org/officeDocument/2006/relationships" xmlns:p="http://schemas.openxmlformats.org/presentationml/2006/main">
-  <p:cSld>
-    <p:spTree>
-      <p:nvGrpSpPr>
-        <p:cNvPr id="1" name=""/>
-        <p:cNvGrpSpPr/>
-        <p:nvPr/>
-      </p:nvGrpSpPr>
-      <p:grpSpPr>
-        <a:xfrm>
-          <a:off x="0" y="0"/>
-          <a:ext cx="0" cy="0"/>
-          <a:chOff x="0" y="0"/>
-          <a:chExt cx="0" cy="0"/>
-        </a:xfrm>
-      </p:grpSpPr>
-      <p:sp>
-        <p:nvSpPr>
-          <p:cNvPr id="7171" name="Rectangle 4"/>
-          <p:cNvSpPr>
-            <a:spLocks noChangeArrowheads="1"/>
-          </p:cNvSpPr>
-          <p:nvPr/>
-        </p:nvSpPr>
-        <p:spPr bwMode="auto">
-          <a:xfrm>
-            <a:off x="231775" y="148284"/>
-            <a:ext cx="8607425" cy="1127125"/>
-          </a:xfrm>
-          <a:prstGeom prst="rect">
-            <a:avLst/>
-          </a:prstGeom>
-          <a:noFill/>
-          <a:ln w="9525">
-            <a:noFill/>
-            <a:round/>
-            <a:headEnd/>
-            <a:tailEnd/>
-          </a:ln>
-        </p:spPr>
-        <p:txBody>
-          <a:bodyPr lIns="0" tIns="0" rIns="0" bIns="0" anchor="ctr">
-            <a:prstTxWarp prst="textNoShape">
-              <a:avLst/>
-            </a:prstTxWarp>
-          </a:bodyPr>
-          <a:lstStyle/>
-          <a:p>
-            <a:pPr algn="ctr">
-              <a:lnSpc>
-                <a:spcPct val="100000"/>
-              </a:lnSpc>
-              <a:buFont typeface="Times New Roman" charset="0"/>
-              <a:buNone/>
-              <a:tabLst>
-                <a:tab pos="0" algn="l"/>
-                <a:tab pos="914400" algn="l"/>
-                <a:tab pos="1828800" algn="l"/>
-                <a:tab pos="2743200" algn="l"/>
-                <a:tab pos="3657600" algn="l"/>
-                <a:tab pos="4572000" algn="l"/>
-                <a:tab pos="5486400" algn="l"/>
-                <a:tab pos="6400800" algn="l"/>
-                <a:tab pos="7315200" algn="l"/>
-                <a:tab pos="8229600" algn="l"/>
-                <a:tab pos="9144000" algn="l"/>
-                <a:tab pos="10058400" algn="l"/>
-              </a:tabLst>
-            </a:pPr>
-            <a:r>
-              <a:rPr lang="en-GB" sz="4000" dirty="0">
-                <a:solidFill>
-                  <a:srgbClr val="000000"/>
-                </a:solidFill>
-                <a:latin typeface="Times New Roman" charset="0"/>
-              </a:rPr>
-              <a:t>Outline</a:t>
-            </a:r>
-          </a:p>
-        </p:txBody>
-      </p:sp>
-      <p:sp>
-        <p:nvSpPr>
-          <p:cNvPr id="7172" name="Rectangle 5"/>
-          <p:cNvSpPr>
-            <a:spLocks noChangeArrowheads="1"/>
-          </p:cNvSpPr>
-          <p:nvPr/>
-        </p:nvSpPr>
-        <p:spPr bwMode="auto">
-          <a:xfrm>
-            <a:off x="231775" y="1005837"/>
-            <a:ext cx="8607425" cy="5718088"/>
-          </a:xfrm>
-          <a:prstGeom prst="rect">
-            <a:avLst/>
-          </a:prstGeom>
-          <a:noFill/>
-          <a:ln w="9525">
-            <a:noFill/>
-            <a:round/>
-            <a:headEnd/>
-            <a:tailEnd/>
-          </a:ln>
-        </p:spPr>
-        <p:txBody>
-          <a:bodyPr lIns="0" tIns="0" rIns="0" bIns="0">
-            <a:prstTxWarp prst="textNoShape">
-              <a:avLst/>
-            </a:prstTxWarp>
-          </a:bodyPr>
-          <a:lstStyle/>
-          <a:p>
-            <a:pPr marL="430213" indent="-323850">
-              <a:lnSpc>
-                <a:spcPct val="100000"/>
-              </a:lnSpc>
-              <a:spcBef>
-                <a:spcPts val="800"/>
-              </a:spcBef>
-              <a:buFont typeface="Times New Roman" charset="0"/>
-              <a:buChar char="•"/>
-              <a:tabLst>
-                <a:tab pos="430213" algn="l"/>
-                <a:tab pos="1344613" algn="l"/>
-                <a:tab pos="2259013" algn="l"/>
-                <a:tab pos="3173413" algn="l"/>
-                <a:tab pos="4087813" algn="l"/>
-                <a:tab pos="5002213" algn="l"/>
-                <a:tab pos="5916613" algn="l"/>
-                <a:tab pos="6831013" algn="l"/>
-                <a:tab pos="7745413" algn="l"/>
-                <a:tab pos="8659813" algn="l"/>
-                <a:tab pos="9574213" algn="l"/>
-                <a:tab pos="10488613" algn="l"/>
-              </a:tabLst>
-            </a:pPr>
-            <a:r>
-              <a:rPr lang="en-GB" sz="3600" dirty="0">
-                <a:solidFill>
-                  <a:srgbClr val="000000"/>
-                </a:solidFill>
-                <a:latin typeface="Times New Roman" charset="0"/>
-              </a:rPr>
-              <a:t>R  : A powerful platform for scientific calculation and data analysis</a:t>
-            </a:r>
-          </a:p>
-          <a:p>
-            <a:pPr marL="887413" lvl="1" indent="-323850">
-              <a:spcBef>
-                <a:spcPts val="800"/>
-              </a:spcBef>
-              <a:buFont typeface="Times New Roman" charset="0"/>
-              <a:buChar char="•"/>
-              <a:tabLst>
-                <a:tab pos="430213" algn="l"/>
-                <a:tab pos="1344613" algn="l"/>
-                <a:tab pos="2259013" algn="l"/>
-                <a:tab pos="3173413" algn="l"/>
-                <a:tab pos="4087813" algn="l"/>
-                <a:tab pos="5002213" algn="l"/>
-                <a:tab pos="5916613" algn="l"/>
-                <a:tab pos="6831013" algn="l"/>
-                <a:tab pos="7745413" algn="l"/>
-                <a:tab pos="8659813" algn="l"/>
-                <a:tab pos="9574213" algn="l"/>
-                <a:tab pos="10488613" algn="l"/>
-              </a:tabLst>
-            </a:pPr>
-            <a:r>
-              <a:rPr lang="en-GB" sz="3200" dirty="0">
-                <a:solidFill>
-                  <a:srgbClr val="000000"/>
-                </a:solidFill>
-                <a:latin typeface="Times New Roman" charset="0"/>
-              </a:rPr>
-              <a:t>Why bother learning    R ? </a:t>
-            </a:r>
-          </a:p>
-          <a:p>
-            <a:pPr marL="887413" lvl="1" indent="-323850">
-              <a:spcBef>
-                <a:spcPts val="800"/>
-              </a:spcBef>
-              <a:buFont typeface="Times New Roman" charset="0"/>
-              <a:buChar char="•"/>
-              <a:tabLst>
-                <a:tab pos="430213" algn="l"/>
-                <a:tab pos="1344613" algn="l"/>
-                <a:tab pos="2259013" algn="l"/>
-                <a:tab pos="3173413" algn="l"/>
-                <a:tab pos="4087813" algn="l"/>
-                <a:tab pos="5002213" algn="l"/>
-                <a:tab pos="5916613" algn="l"/>
-                <a:tab pos="6831013" algn="l"/>
-                <a:tab pos="7745413" algn="l"/>
-                <a:tab pos="8659813" algn="l"/>
-                <a:tab pos="9574213" algn="l"/>
-                <a:tab pos="10488613" algn="l"/>
-              </a:tabLst>
-            </a:pPr>
-            <a:r>
-              <a:rPr lang="en-US" sz="3200" dirty="0">
-                <a:latin typeface="Times New Roman"/>
-                <a:cs typeface="Times New Roman"/>
-              </a:rPr>
-              <a:t>Data, data, data, I cannot make bricks without clay </a:t>
-            </a:r>
-            <a:r>
-              <a:rPr lang="en-US" sz="3200" baseline="30000" dirty="0">
-                <a:latin typeface="Times New Roman"/>
-                <a:cs typeface="Times New Roman"/>
-              </a:rPr>
-              <a:t>Copper Beeches</a:t>
-            </a:r>
-            <a:endParaRPr lang="en-GB" sz="3200" baseline="30000" dirty="0">
-              <a:solidFill>
-                <a:srgbClr val="000000"/>
-              </a:solidFill>
-              <a:latin typeface="Times New Roman"/>
-              <a:cs typeface="Times New Roman"/>
-            </a:endParaRPr>
-          </a:p>
-          <a:p>
-            <a:pPr marL="1344613" lvl="2" indent="-323850">
-              <a:spcBef>
-                <a:spcPts val="800"/>
-              </a:spcBef>
-              <a:buFont typeface="Times New Roman" charset="0"/>
-              <a:buChar char="•"/>
-              <a:tabLst>
-                <a:tab pos="430213" algn="l"/>
-                <a:tab pos="1344613" algn="l"/>
-                <a:tab pos="2259013" algn="l"/>
-                <a:tab pos="3173413" algn="l"/>
-                <a:tab pos="4087813" algn="l"/>
-                <a:tab pos="5002213" algn="l"/>
-                <a:tab pos="5916613" algn="l"/>
-                <a:tab pos="6831013" algn="l"/>
-                <a:tab pos="7745413" algn="l"/>
-                <a:tab pos="8659813" algn="l"/>
-                <a:tab pos="9574213" algn="l"/>
-                <a:tab pos="10488613" algn="l"/>
-              </a:tabLst>
-            </a:pPr>
-            <a:r>
-              <a:rPr lang="en-GB" sz="2800" dirty="0">
-                <a:solidFill>
-                  <a:srgbClr val="000000"/>
-                </a:solidFill>
-                <a:latin typeface="Times New Roman"/>
-                <a:cs typeface="Times New Roman"/>
-              </a:rPr>
-              <a:t>A tour of </a:t>
-            </a:r>
-            <a:r>
-              <a:rPr lang="en-GB" sz="2800" dirty="0" err="1">
-                <a:solidFill>
-                  <a:srgbClr val="000000"/>
-                </a:solidFill>
-                <a:latin typeface="Times New Roman"/>
-                <a:cs typeface="Times New Roman"/>
-              </a:rPr>
-              <a:t>RStudio</a:t>
-            </a:r>
-            <a:r>
-              <a:rPr lang="en-GB" sz="2800" dirty="0">
-                <a:solidFill>
-                  <a:srgbClr val="000000"/>
-                </a:solidFill>
-                <a:latin typeface="Times New Roman"/>
-                <a:cs typeface="Times New Roman"/>
-              </a:rPr>
-              <a:t>. Basic Input and Output</a:t>
-            </a:r>
-          </a:p>
-          <a:p>
-            <a:pPr marL="1344613" lvl="2" indent="-323850">
-              <a:spcBef>
-                <a:spcPts val="800"/>
-              </a:spcBef>
-              <a:buFont typeface="Times New Roman" charset="0"/>
-              <a:buChar char="•"/>
-              <a:tabLst>
-                <a:tab pos="430213" algn="l"/>
-                <a:tab pos="1344613" algn="l"/>
-                <a:tab pos="2259013" algn="l"/>
-                <a:tab pos="3173413" algn="l"/>
-                <a:tab pos="4087813" algn="l"/>
-                <a:tab pos="5002213" algn="l"/>
-                <a:tab pos="5916613" algn="l"/>
-                <a:tab pos="6831013" algn="l"/>
-                <a:tab pos="7745413" algn="l"/>
-                <a:tab pos="8659813" algn="l"/>
-                <a:tab pos="9574213" algn="l"/>
-                <a:tab pos="10488613" algn="l"/>
-              </a:tabLst>
-            </a:pPr>
-            <a:r>
-              <a:rPr lang="en-GB" sz="2800" dirty="0">
-                <a:solidFill>
-                  <a:srgbClr val="000000"/>
-                </a:solidFill>
-                <a:latin typeface="Times New Roman"/>
-                <a:cs typeface="Times New Roman"/>
-              </a:rPr>
-              <a:t>Getting Help</a:t>
-            </a:r>
-          </a:p>
-          <a:p>
-            <a:pPr marL="1344613" lvl="2" indent="-323850">
-              <a:spcBef>
-                <a:spcPts val="800"/>
-              </a:spcBef>
-              <a:buFont typeface="Times New Roman" charset="0"/>
-              <a:buChar char="•"/>
-              <a:tabLst>
-                <a:tab pos="430213" algn="l"/>
-                <a:tab pos="1344613" algn="l"/>
-                <a:tab pos="2259013" algn="l"/>
-                <a:tab pos="3173413" algn="l"/>
-                <a:tab pos="4087813" algn="l"/>
-                <a:tab pos="5002213" algn="l"/>
-                <a:tab pos="5916613" algn="l"/>
-                <a:tab pos="6831013" algn="l"/>
-                <a:tab pos="7745413" algn="l"/>
-                <a:tab pos="8659813" algn="l"/>
-                <a:tab pos="9574213" algn="l"/>
-                <a:tab pos="10488613" algn="l"/>
-              </a:tabLst>
-            </a:pPr>
-            <a:r>
-              <a:rPr lang="en-GB" sz="2800" dirty="0">
-                <a:solidFill>
-                  <a:srgbClr val="000000"/>
-                </a:solidFill>
-                <a:latin typeface="Times New Roman"/>
-                <a:cs typeface="Times New Roman"/>
-              </a:rPr>
-              <a:t>Visualizing with Plots</a:t>
-            </a:r>
-          </a:p>
-          <a:p>
-            <a:pPr marL="1344613" lvl="2" indent="-323850">
-              <a:spcBef>
-                <a:spcPts val="800"/>
-              </a:spcBef>
-              <a:buFont typeface="Times New Roman" charset="0"/>
-              <a:buChar char="•"/>
-              <a:tabLst>
-                <a:tab pos="430213" algn="l"/>
-                <a:tab pos="1344613" algn="l"/>
-                <a:tab pos="2259013" algn="l"/>
-                <a:tab pos="3173413" algn="l"/>
-                <a:tab pos="4087813" algn="l"/>
-                <a:tab pos="5002213" algn="l"/>
-                <a:tab pos="5916613" algn="l"/>
-                <a:tab pos="6831013" algn="l"/>
-                <a:tab pos="7745413" algn="l"/>
-                <a:tab pos="8659813" algn="l"/>
-                <a:tab pos="9574213" algn="l"/>
-                <a:tab pos="10488613" algn="l"/>
-              </a:tabLst>
-            </a:pPr>
-            <a:r>
-              <a:rPr lang="en-GB" sz="2800" dirty="0">
-                <a:solidFill>
-                  <a:srgbClr val="000000"/>
-                </a:solidFill>
-                <a:latin typeface="Times New Roman"/>
-                <a:cs typeface="Times New Roman"/>
-              </a:rPr>
-              <a:t>Loading your data from Excel spreadsheets</a:t>
-            </a:r>
-          </a:p>
-          <a:p>
-            <a:pPr marL="1344613" lvl="2" indent="-323850">
-              <a:spcBef>
-                <a:spcPts val="800"/>
-              </a:spcBef>
-              <a:buFont typeface="Times New Roman" charset="0"/>
-              <a:buChar char="•"/>
-              <a:tabLst>
-                <a:tab pos="430213" algn="l"/>
-                <a:tab pos="1344613" algn="l"/>
-                <a:tab pos="2259013" algn="l"/>
-                <a:tab pos="3173413" algn="l"/>
-                <a:tab pos="4087813" algn="l"/>
-                <a:tab pos="5002213" algn="l"/>
-                <a:tab pos="5916613" algn="l"/>
-                <a:tab pos="6831013" algn="l"/>
-                <a:tab pos="7745413" algn="l"/>
-                <a:tab pos="8659813" algn="l"/>
-                <a:tab pos="9574213" algn="l"/>
-                <a:tab pos="10488613" algn="l"/>
-              </a:tabLst>
-            </a:pPr>
-            <a:r>
-              <a:rPr lang="en-GB" sz="2800" dirty="0">
-                <a:solidFill>
-                  <a:srgbClr val="000000"/>
-                </a:solidFill>
-                <a:latin typeface="Times New Roman"/>
-                <a:cs typeface="Times New Roman"/>
-              </a:rPr>
-              <a:t>Basic Plotting</a:t>
-            </a:r>
-          </a:p>
-        </p:txBody>
-      </p:sp>
-      <p:pic>
-        <p:nvPicPr>
-          <p:cNvPr id="6" name="Picture 2"/>
-          <p:cNvPicPr>
-            <a:picLocks noChangeAspect="1" noChangeArrowheads="1"/>
-          </p:cNvPicPr>
-          <p:nvPr/>
-        </p:nvPicPr>
-        <p:blipFill>
-          <a:blip r:embed="rId3" cstate="print"/>
-          <a:srcRect/>
-          <a:stretch>
-            <a:fillRect/>
-          </a:stretch>
-        </p:blipFill>
-        <p:spPr bwMode="auto">
-          <a:xfrm>
-            <a:off x="484188" y="76200"/>
-            <a:ext cx="8202612" cy="239712"/>
-          </a:xfrm>
-          <a:prstGeom prst="rect">
-            <a:avLst/>
-          </a:prstGeom>
-          <a:noFill/>
-          <a:ln w="9525">
-            <a:noFill/>
-            <a:round/>
-            <a:headEnd/>
-            <a:tailEnd/>
-          </a:ln>
-        </p:spPr>
-      </p:pic>
-      <p:pic>
-        <p:nvPicPr>
-          <p:cNvPr id="7" name="Picture 6" descr="Rlogo.jpg"/>
-          <p:cNvPicPr>
-            <a:picLocks noChangeAspect="1"/>
-          </p:cNvPicPr>
-          <p:nvPr/>
-        </p:nvPicPr>
-        <p:blipFill>
-          <a:blip r:embed="rId4"/>
-          <a:stretch>
-            <a:fillRect/>
-          </a:stretch>
-        </p:blipFill>
-        <p:spPr>
-          <a:xfrm>
-            <a:off x="557031" y="1107912"/>
-            <a:ext cx="620039" cy="471232"/>
-          </a:xfrm>
-          <a:prstGeom prst="rect">
-            <a:avLst/>
-          </a:prstGeom>
-        </p:spPr>
-      </p:pic>
-      <p:pic>
-        <p:nvPicPr>
-          <p:cNvPr id="8" name="Picture 7" descr="Rlogo.jpg"/>
-          <p:cNvPicPr>
-            <a:picLocks noChangeAspect="1"/>
-          </p:cNvPicPr>
-          <p:nvPr/>
-        </p:nvPicPr>
-        <p:blipFill>
-          <a:blip r:embed="rId4"/>
-          <a:stretch>
-            <a:fillRect/>
-          </a:stretch>
-        </p:blipFill>
-        <p:spPr>
-          <a:xfrm>
-            <a:off x="4563130" y="2234195"/>
-            <a:ext cx="678018" cy="515296"/>
-          </a:xfrm>
-          <a:prstGeom prst="rect">
-            <a:avLst/>
-          </a:prstGeom>
-        </p:spPr>
-      </p:pic>
-    </p:spTree>
-  </p:cSld>
-  <p:clrMapOvr>
-    <a:masterClrMapping/>
-  </p:clrMapOvr>
-  <p:transition spd="med"/>
-  <p:timing>
-    <p:tnLst>
-      <p:par>
-        <p:cTn id="1" dur="indefinite" restart="never" nodeType="tmRoot">
-          <p:childTnLst>
-            <p:seq concurrent="1" nextAc="seek">
-              <p:cTn id="2" dur="0" nodeType="mainSeq"/>
-              <p:prevCondLst>
-                <p:cond evt="onPrev" delay="0">
-                  <p:tgtEl>
-                    <p:sldTgt/>
-                  </p:tgtEl>
-                </p:cond>
-              </p:prevCondLst>
-              <p:nextCondLst>
-                <p:cond evt="onNext" delay="0">
-                  <p:tgtEl>
-                    <p:sldTgt/>
-                  </p:tgtEl>
-                </p:cond>
-              </p:nextCondLst>
-            </p:seq>
-          </p:childTnLst>
-        </p:cTn>
-      </p:par>
-    </p:tnLst>
-  </p:timing>
 </p:sld>
 </file>
 
